--- a/lectures/cshl/2014/RNASeq_Module3_Tutorial.pptx
+++ b/lectures/cshl/2014/RNASeq_Module3_Tutorial.pptx
@@ -5,24 +5,22 @@
     <p:sldMasterId id="2147483648" r:id="rId1"/>
   </p:sldMasterIdLst>
   <p:notesMasterIdLst>
-    <p:notesMasterId r:id="rId14"/>
+    <p:notesMasterId r:id="rId12"/>
   </p:notesMasterIdLst>
   <p:handoutMasterIdLst>
-    <p:handoutMasterId r:id="rId15"/>
+    <p:handoutMasterId r:id="rId13"/>
   </p:handoutMasterIdLst>
   <p:sldIdLst>
     <p:sldId id="341" r:id="rId2"/>
     <p:sldId id="257" r:id="rId3"/>
     <p:sldId id="513" r:id="rId4"/>
-    <p:sldId id="514" r:id="rId5"/>
-    <p:sldId id="515" r:id="rId6"/>
-    <p:sldId id="516" r:id="rId7"/>
-    <p:sldId id="517" r:id="rId8"/>
-    <p:sldId id="518" r:id="rId9"/>
-    <p:sldId id="519" r:id="rId10"/>
-    <p:sldId id="520" r:id="rId11"/>
-    <p:sldId id="521" r:id="rId12"/>
-    <p:sldId id="512" r:id="rId13"/>
+    <p:sldId id="515" r:id="rId5"/>
+    <p:sldId id="516" r:id="rId6"/>
+    <p:sldId id="517" r:id="rId7"/>
+    <p:sldId id="518" r:id="rId8"/>
+    <p:sldId id="519" r:id="rId9"/>
+    <p:sldId id="520" r:id="rId10"/>
+    <p:sldId id="512" r:id="rId11"/>
   </p:sldIdLst>
   <p:sldSz cx="9144000" cy="6858000" type="screen4x3"/>
   <p:notesSz cx="7315200" cy="9601200"/>
@@ -252,12 +250,12 @@
             <a:pPr>
               <a:defRPr/>
             </a:pPr>
-            <a:fld id="{E6E3EF59-F9CC-094D-9DD9-A8B7523EAA57}" type="datetime1">
+            <a:fld id="{73395C5E-2FC9-C740-A901-10A5857E35C6}" type="datetime1">
               <a:rPr lang="en-US"/>
               <a:pPr>
                 <a:defRPr/>
               </a:pPr>
-              <a:t>11/15/14</a:t>
+              <a:t>11/16/14</a:t>
             </a:fld>
             <a:endParaRPr lang="en-US"/>
           </a:p>
@@ -339,7 +337,7 @@
             <a:pPr>
               <a:defRPr/>
             </a:pPr>
-            <a:fld id="{09965F9B-05A0-454C-8223-BD5B3F5E820A}" type="slidenum">
+            <a:fld id="{8F81CEAB-13B6-BE45-9948-E3D2D80A6422}" type="slidenum">
               <a:rPr lang="en-US"/>
               <a:pPr>
                 <a:defRPr/>
@@ -353,7 +351,7 @@
     </p:spTree>
     <p:extLst>
       <p:ext uri="{BB962C8B-B14F-4D97-AF65-F5344CB8AC3E}">
-        <p14:creationId xmlns:p14="http://schemas.microsoft.com/office/powerpoint/2010/main" val="2165356942"/>
+        <p14:creationId xmlns:p14="http://schemas.microsoft.com/office/powerpoint/2010/main" val="881769869"/>
       </p:ext>
     </p:extLst>
   </p:cSld>
@@ -459,12 +457,12 @@
             <a:pPr>
               <a:defRPr/>
             </a:pPr>
-            <a:fld id="{F2F79566-8CF7-0740-BE95-7967F2D6BE77}" type="datetime1">
+            <a:fld id="{1409FFA6-43EE-0749-8535-0BA227DA1C3D}" type="datetime1">
               <a:rPr lang="en-US"/>
               <a:pPr>
                 <a:defRPr/>
               </a:pPr>
-              <a:t>11/15/14</a:t>
+              <a:t>11/16/14</a:t>
             </a:fld>
             <a:endParaRPr lang="en-US"/>
           </a:p>
@@ -648,7 +646,7 @@
             <a:pPr>
               <a:defRPr/>
             </a:pPr>
-            <a:fld id="{4C398650-EDEA-364B-A50C-6251BD272EE2}" type="slidenum">
+            <a:fld id="{5E557AA8-D6B6-6740-A714-64CD6EB636CE}" type="slidenum">
               <a:rPr lang="en-US"/>
               <a:pPr>
                 <a:defRPr/>
@@ -662,7 +660,7 @@
     </p:spTree>
     <p:extLst>
       <p:ext uri="{BB962C8B-B14F-4D97-AF65-F5344CB8AC3E}">
-        <p14:creationId xmlns:p14="http://schemas.microsoft.com/office/powerpoint/2010/main" val="158643205"/>
+        <p14:creationId xmlns:p14="http://schemas.microsoft.com/office/powerpoint/2010/main" val="3561342286"/>
       </p:ext>
     </p:extLst>
   </p:cSld>
@@ -811,6 +809,262 @@
       </p:grpSpPr>
       <p:sp>
         <p:nvSpPr>
+          <p:cNvPr id="13313" name="Rectangle 7"/>
+          <p:cNvSpPr>
+            <a:spLocks noGrp="1" noChangeArrowheads="1"/>
+          </p:cNvSpPr>
+          <p:nvPr>
+            <p:ph type="sldNum" sz="quarter" idx="5"/>
+          </p:nvPr>
+        </p:nvSpPr>
+        <p:spPr bwMode="auto">
+          <a:noFill/>
+          <a:extLst>
+            <a:ext uri="{909E8E84-426E-40dd-AFC4-6F175D3DCCD1}">
+              <a14:hiddenFill xmlns:a14="http://schemas.microsoft.com/office/drawing/2010/main">
+                <a:solidFill>
+                  <a:srgbClr val="FFFFFF"/>
+                </a:solidFill>
+              </a14:hiddenFill>
+            </a:ext>
+            <a:ext uri="{91240B29-F687-4f45-9708-019B960494DF}">
+              <a14:hiddenLine xmlns:a14="http://schemas.microsoft.com/office/drawing/2010/main" w="9525">
+                <a:solidFill>
+                  <a:srgbClr val="000000"/>
+                </a:solidFill>
+                <a:miter lim="800000"/>
+                <a:headEnd/>
+                <a:tailEnd/>
+              </a14:hiddenLine>
+            </a:ext>
+          </a:extLst>
+        </p:spPr>
+        <p:txBody>
+          <a:bodyPr/>
+          <a:lstStyle>
+            <a:lvl1pPr eaLnBrk="0" hangingPunct="0">
+              <a:defRPr sz="2400">
+                <a:solidFill>
+                  <a:schemeClr val="tx1"/>
+                </a:solidFill>
+                <a:latin typeface="Arial" charset="0"/>
+                <a:ea typeface="ＭＳ Ｐゴシック" charset="0"/>
+                <a:cs typeface="ＭＳ Ｐゴシック" charset="0"/>
+              </a:defRPr>
+            </a:lvl1pPr>
+            <a:lvl2pPr marL="742950" indent="-285750" eaLnBrk="0" hangingPunct="0">
+              <a:defRPr sz="2400">
+                <a:solidFill>
+                  <a:schemeClr val="tx1"/>
+                </a:solidFill>
+                <a:latin typeface="Arial" charset="0"/>
+                <a:ea typeface="ＭＳ Ｐゴシック" charset="0"/>
+              </a:defRPr>
+            </a:lvl2pPr>
+            <a:lvl3pPr marL="1143000" indent="-228600" eaLnBrk="0" hangingPunct="0">
+              <a:defRPr sz="2400">
+                <a:solidFill>
+                  <a:schemeClr val="tx1"/>
+                </a:solidFill>
+                <a:latin typeface="Arial" charset="0"/>
+                <a:ea typeface="ＭＳ Ｐゴシック" charset="0"/>
+              </a:defRPr>
+            </a:lvl3pPr>
+            <a:lvl4pPr marL="1600200" indent="-228600" eaLnBrk="0" hangingPunct="0">
+              <a:defRPr sz="2400">
+                <a:solidFill>
+                  <a:schemeClr val="tx1"/>
+                </a:solidFill>
+                <a:latin typeface="Arial" charset="0"/>
+                <a:ea typeface="ＭＳ Ｐゴシック" charset="0"/>
+              </a:defRPr>
+            </a:lvl4pPr>
+            <a:lvl5pPr marL="2057400" indent="-228600" eaLnBrk="0" hangingPunct="0">
+              <a:defRPr sz="2400">
+                <a:solidFill>
+                  <a:schemeClr val="tx1"/>
+                </a:solidFill>
+                <a:latin typeface="Arial" charset="0"/>
+                <a:ea typeface="ＭＳ Ｐゴシック" charset="0"/>
+              </a:defRPr>
+            </a:lvl5pPr>
+            <a:lvl6pPr marL="2514600" indent="-228600" eaLnBrk="0" fontAlgn="base" hangingPunct="0">
+              <a:spcBef>
+                <a:spcPct val="0"/>
+              </a:spcBef>
+              <a:spcAft>
+                <a:spcPct val="0"/>
+              </a:spcAft>
+              <a:defRPr sz="2400">
+                <a:solidFill>
+                  <a:schemeClr val="tx1"/>
+                </a:solidFill>
+                <a:latin typeface="Arial" charset="0"/>
+                <a:ea typeface="ＭＳ Ｐゴシック" charset="0"/>
+              </a:defRPr>
+            </a:lvl6pPr>
+            <a:lvl7pPr marL="2971800" indent="-228600" eaLnBrk="0" fontAlgn="base" hangingPunct="0">
+              <a:spcBef>
+                <a:spcPct val="0"/>
+              </a:spcBef>
+              <a:spcAft>
+                <a:spcPct val="0"/>
+              </a:spcAft>
+              <a:defRPr sz="2400">
+                <a:solidFill>
+                  <a:schemeClr val="tx1"/>
+                </a:solidFill>
+                <a:latin typeface="Arial" charset="0"/>
+                <a:ea typeface="ＭＳ Ｐゴシック" charset="0"/>
+              </a:defRPr>
+            </a:lvl7pPr>
+            <a:lvl8pPr marL="3429000" indent="-228600" eaLnBrk="0" fontAlgn="base" hangingPunct="0">
+              <a:spcBef>
+                <a:spcPct val="0"/>
+              </a:spcBef>
+              <a:spcAft>
+                <a:spcPct val="0"/>
+              </a:spcAft>
+              <a:defRPr sz="2400">
+                <a:solidFill>
+                  <a:schemeClr val="tx1"/>
+                </a:solidFill>
+                <a:latin typeface="Arial" charset="0"/>
+                <a:ea typeface="ＭＳ Ｐゴシック" charset="0"/>
+              </a:defRPr>
+            </a:lvl8pPr>
+            <a:lvl9pPr marL="3886200" indent="-228600" eaLnBrk="0" fontAlgn="base" hangingPunct="0">
+              <a:spcBef>
+                <a:spcPct val="0"/>
+              </a:spcBef>
+              <a:spcAft>
+                <a:spcPct val="0"/>
+              </a:spcAft>
+              <a:defRPr sz="2400">
+                <a:solidFill>
+                  <a:schemeClr val="tx1"/>
+                </a:solidFill>
+                <a:latin typeface="Arial" charset="0"/>
+                <a:ea typeface="ＭＳ Ｐゴシック" charset="0"/>
+              </a:defRPr>
+            </a:lvl9pPr>
+          </a:lstStyle>
+          <a:p>
+            <a:pPr eaLnBrk="1" hangingPunct="1"/>
+            <a:fld id="{D924F94F-8486-FD4A-B1DC-4D561309089E}" type="slidenum">
+              <a:rPr lang="en-US" sz="1300">
+                <a:latin typeface="Calibri" charset="0"/>
+              </a:rPr>
+              <a:pPr eaLnBrk="1" hangingPunct="1"/>
+              <a:t>3</a:t>
+            </a:fld>
+            <a:endParaRPr lang="en-US" sz="1300">
+              <a:latin typeface="Calibri" charset="0"/>
+            </a:endParaRPr>
+          </a:p>
+        </p:txBody>
+      </p:sp>
+      <p:sp>
+        <p:nvSpPr>
+          <p:cNvPr id="13314" name="Rectangle 2"/>
+          <p:cNvSpPr>
+            <a:spLocks noGrp="1" noRot="1" noChangeAspect="1" noChangeArrowheads="1" noTextEdit="1"/>
+          </p:cNvSpPr>
+          <p:nvPr>
+            <p:ph type="sldImg"/>
+          </p:nvPr>
+        </p:nvSpPr>
+        <p:spPr bwMode="auto">
+          <a:solidFill>
+            <a:srgbClr val="FFFFFF"/>
+          </a:solidFill>
+          <a:ln>
+            <a:solidFill>
+              <a:srgbClr val="000000"/>
+            </a:solidFill>
+            <a:miter lim="800000"/>
+            <a:headEnd/>
+            <a:tailEnd/>
+          </a:ln>
+          <a:extLst>
+            <a:ext uri="{FAA26D3D-D897-4be2-8F04-BA451C77F1D7}">
+              <ma14:placeholderFlag xmlns:ma14="http://schemas.microsoft.com/office/mac/drawingml/2011/main" val="1"/>
+            </a:ext>
+          </a:extLst>
+        </p:spPr>
+      </p:sp>
+      <p:sp>
+        <p:nvSpPr>
+          <p:cNvPr id="13315" name="Rectangle 3"/>
+          <p:cNvSpPr>
+            <a:spLocks noGrp="1" noChangeArrowheads="1"/>
+          </p:cNvSpPr>
+          <p:nvPr>
+            <p:ph type="body" idx="1"/>
+          </p:nvPr>
+        </p:nvSpPr>
+        <p:spPr bwMode="auto">
+          <a:solidFill>
+            <a:srgbClr val="FFFFFF"/>
+          </a:solidFill>
+          <a:ln>
+            <a:solidFill>
+              <a:srgbClr val="000000"/>
+            </a:solidFill>
+            <a:miter lim="800000"/>
+            <a:headEnd/>
+            <a:tailEnd/>
+          </a:ln>
+          <a:extLst>
+            <a:ext uri="{FAA26D3D-D897-4be2-8F04-BA451C77F1D7}">
+              <ma14:placeholderFlag xmlns:ma14="http://schemas.microsoft.com/office/mac/drawingml/2011/main" val="1"/>
+            </a:ext>
+          </a:extLst>
+        </p:spPr>
+        <p:txBody>
+          <a:bodyPr wrap="square" numCol="1" anchor="t" anchorCtr="0" compatLnSpc="1">
+            <a:prstTxWarp prst="textNoShape">
+              <a:avLst/>
+            </a:prstTxWarp>
+          </a:bodyPr>
+          <a:lstStyle/>
+          <a:p>
+            <a:pPr eaLnBrk="1" hangingPunct="1"/>
+            <a:endParaRPr lang="en-US">
+              <a:latin typeface="Calibri" charset="0"/>
+              <a:ea typeface="ＭＳ Ｐゴシック" charset="0"/>
+              <a:cs typeface="ＭＳ Ｐゴシック" charset="0"/>
+            </a:endParaRPr>
+          </a:p>
+        </p:txBody>
+      </p:sp>
+    </p:spTree>
+  </p:cSld>
+  <p:clrMapOvr>
+    <a:masterClrMapping/>
+  </p:clrMapOvr>
+</p:notes>
+</file>
+
+<file path=ppt/notesSlides/notesSlide2.xml><?xml version="1.0" encoding="utf-8"?>
+<p:notes xmlns:a="http://schemas.openxmlformats.org/drawingml/2006/main" xmlns:r="http://schemas.openxmlformats.org/officeDocument/2006/relationships" xmlns:p="http://schemas.openxmlformats.org/presentationml/2006/main">
+  <p:cSld>
+    <p:spTree>
+      <p:nvGrpSpPr>
+        <p:cNvPr id="1" name=""/>
+        <p:cNvGrpSpPr/>
+        <p:nvPr/>
+      </p:nvGrpSpPr>
+      <p:grpSpPr>
+        <a:xfrm>
+          <a:off x="0" y="0"/>
+          <a:ext cx="0" cy="0"/>
+          <a:chOff x="0" y="0"/>
+          <a:chExt cx="0" cy="0"/>
+        </a:xfrm>
+      </p:grpSpPr>
+      <p:sp>
+        <p:nvSpPr>
           <p:cNvPr id="16385" name="Rectangle 7"/>
           <p:cNvSpPr>
             <a:spLocks noGrp="1" noChangeArrowheads="1"/>
@@ -953,12 +1207,12 @@
           </a:lstStyle>
           <a:p>
             <a:pPr eaLnBrk="1" hangingPunct="1"/>
-            <a:fld id="{EA35BC24-D481-3E4E-87EB-03E08E404FBF}" type="slidenum">
+            <a:fld id="{1F39B608-01F2-F045-96A3-C8EFC3ACD74C}" type="slidenum">
               <a:rPr lang="en-US" sz="1300">
                 <a:latin typeface="Calibri" charset="0"/>
               </a:rPr>
               <a:pPr eaLnBrk="1" hangingPunct="1"/>
-              <a:t>3</a:t>
+              <a:t>4</a:t>
             </a:fld>
             <a:endParaRPr lang="en-US" sz="1300">
               <a:latin typeface="Calibri" charset="0"/>
@@ -1048,7 +1302,7 @@
 </p:notes>
 </file>
 
-<file path=ppt/notesSlides/notesSlide2.xml><?xml version="1.0" encoding="utf-8"?>
+<file path=ppt/notesSlides/notesSlide3.xml><?xml version="1.0" encoding="utf-8"?>
 <p:notes xmlns:a="http://schemas.openxmlformats.org/drawingml/2006/main" xmlns:r="http://schemas.openxmlformats.org/officeDocument/2006/relationships" xmlns:p="http://schemas.openxmlformats.org/presentationml/2006/main">
   <p:cSld>
     <p:spTree>
@@ -1067,16 +1321,175 @@
       </p:grpSpPr>
       <p:sp>
         <p:nvSpPr>
-          <p:cNvPr id="18433" name="Slide Image Placeholder 1"/>
+          <p:cNvPr id="18433" name="Rectangle 7"/>
           <p:cNvSpPr>
-            <a:spLocks noGrp="1" noRot="1" noChangeAspect="1"/>
+            <a:spLocks noGrp="1" noChangeArrowheads="1"/>
+          </p:cNvSpPr>
+          <p:nvPr>
+            <p:ph type="sldNum" sz="quarter" idx="5"/>
+          </p:nvPr>
+        </p:nvSpPr>
+        <p:spPr bwMode="auto">
+          <a:noFill/>
+          <a:extLst>
+            <a:ext uri="{909E8E84-426E-40dd-AFC4-6F175D3DCCD1}">
+              <a14:hiddenFill xmlns:a14="http://schemas.microsoft.com/office/drawing/2010/main">
+                <a:solidFill>
+                  <a:srgbClr val="FFFFFF"/>
+                </a:solidFill>
+              </a14:hiddenFill>
+            </a:ext>
+            <a:ext uri="{91240B29-F687-4f45-9708-019B960494DF}">
+              <a14:hiddenLine xmlns:a14="http://schemas.microsoft.com/office/drawing/2010/main" w="9525">
+                <a:solidFill>
+                  <a:srgbClr val="000000"/>
+                </a:solidFill>
+                <a:miter lim="800000"/>
+                <a:headEnd/>
+                <a:tailEnd/>
+              </a14:hiddenLine>
+            </a:ext>
+          </a:extLst>
+        </p:spPr>
+        <p:txBody>
+          <a:bodyPr/>
+          <a:lstStyle>
+            <a:lvl1pPr eaLnBrk="0" hangingPunct="0">
+              <a:defRPr sz="2400">
+                <a:solidFill>
+                  <a:schemeClr val="tx1"/>
+                </a:solidFill>
+                <a:latin typeface="Arial" charset="0"/>
+                <a:ea typeface="ＭＳ Ｐゴシック" charset="0"/>
+                <a:cs typeface="ＭＳ Ｐゴシック" charset="0"/>
+              </a:defRPr>
+            </a:lvl1pPr>
+            <a:lvl2pPr marL="742950" indent="-285750" eaLnBrk="0" hangingPunct="0">
+              <a:defRPr sz="2400">
+                <a:solidFill>
+                  <a:schemeClr val="tx1"/>
+                </a:solidFill>
+                <a:latin typeface="Arial" charset="0"/>
+                <a:ea typeface="ＭＳ Ｐゴシック" charset="0"/>
+              </a:defRPr>
+            </a:lvl2pPr>
+            <a:lvl3pPr marL="1143000" indent="-228600" eaLnBrk="0" hangingPunct="0">
+              <a:defRPr sz="2400">
+                <a:solidFill>
+                  <a:schemeClr val="tx1"/>
+                </a:solidFill>
+                <a:latin typeface="Arial" charset="0"/>
+                <a:ea typeface="ＭＳ Ｐゴシック" charset="0"/>
+              </a:defRPr>
+            </a:lvl3pPr>
+            <a:lvl4pPr marL="1600200" indent="-228600" eaLnBrk="0" hangingPunct="0">
+              <a:defRPr sz="2400">
+                <a:solidFill>
+                  <a:schemeClr val="tx1"/>
+                </a:solidFill>
+                <a:latin typeface="Arial" charset="0"/>
+                <a:ea typeface="ＭＳ Ｐゴシック" charset="0"/>
+              </a:defRPr>
+            </a:lvl4pPr>
+            <a:lvl5pPr marL="2057400" indent="-228600" eaLnBrk="0" hangingPunct="0">
+              <a:defRPr sz="2400">
+                <a:solidFill>
+                  <a:schemeClr val="tx1"/>
+                </a:solidFill>
+                <a:latin typeface="Arial" charset="0"/>
+                <a:ea typeface="ＭＳ Ｐゴシック" charset="0"/>
+              </a:defRPr>
+            </a:lvl5pPr>
+            <a:lvl6pPr marL="2514600" indent="-228600" eaLnBrk="0" fontAlgn="base" hangingPunct="0">
+              <a:spcBef>
+                <a:spcPct val="0"/>
+              </a:spcBef>
+              <a:spcAft>
+                <a:spcPct val="0"/>
+              </a:spcAft>
+              <a:defRPr sz="2400">
+                <a:solidFill>
+                  <a:schemeClr val="tx1"/>
+                </a:solidFill>
+                <a:latin typeface="Arial" charset="0"/>
+                <a:ea typeface="ＭＳ Ｐゴシック" charset="0"/>
+              </a:defRPr>
+            </a:lvl6pPr>
+            <a:lvl7pPr marL="2971800" indent="-228600" eaLnBrk="0" fontAlgn="base" hangingPunct="0">
+              <a:spcBef>
+                <a:spcPct val="0"/>
+              </a:spcBef>
+              <a:spcAft>
+                <a:spcPct val="0"/>
+              </a:spcAft>
+              <a:defRPr sz="2400">
+                <a:solidFill>
+                  <a:schemeClr val="tx1"/>
+                </a:solidFill>
+                <a:latin typeface="Arial" charset="0"/>
+                <a:ea typeface="ＭＳ Ｐゴシック" charset="0"/>
+              </a:defRPr>
+            </a:lvl7pPr>
+            <a:lvl8pPr marL="3429000" indent="-228600" eaLnBrk="0" fontAlgn="base" hangingPunct="0">
+              <a:spcBef>
+                <a:spcPct val="0"/>
+              </a:spcBef>
+              <a:spcAft>
+                <a:spcPct val="0"/>
+              </a:spcAft>
+              <a:defRPr sz="2400">
+                <a:solidFill>
+                  <a:schemeClr val="tx1"/>
+                </a:solidFill>
+                <a:latin typeface="Arial" charset="0"/>
+                <a:ea typeface="ＭＳ Ｐゴシック" charset="0"/>
+              </a:defRPr>
+            </a:lvl8pPr>
+            <a:lvl9pPr marL="3886200" indent="-228600" eaLnBrk="0" fontAlgn="base" hangingPunct="0">
+              <a:spcBef>
+                <a:spcPct val="0"/>
+              </a:spcBef>
+              <a:spcAft>
+                <a:spcPct val="0"/>
+              </a:spcAft>
+              <a:defRPr sz="2400">
+                <a:solidFill>
+                  <a:schemeClr val="tx1"/>
+                </a:solidFill>
+                <a:latin typeface="Arial" charset="0"/>
+                <a:ea typeface="ＭＳ Ｐゴシック" charset="0"/>
+              </a:defRPr>
+            </a:lvl9pPr>
+          </a:lstStyle>
+          <a:p>
+            <a:pPr eaLnBrk="1" hangingPunct="1"/>
+            <a:fld id="{A707C12B-C7F8-A148-90F7-B89CE4A5E032}" type="slidenum">
+              <a:rPr lang="en-US" sz="1300">
+                <a:latin typeface="Calibri" charset="0"/>
+              </a:rPr>
+              <a:pPr eaLnBrk="1" hangingPunct="1"/>
+              <a:t>5</a:t>
+            </a:fld>
+            <a:endParaRPr lang="en-US" sz="1300">
+              <a:latin typeface="Calibri" charset="0"/>
+            </a:endParaRPr>
+          </a:p>
+        </p:txBody>
+      </p:sp>
+      <p:sp>
+        <p:nvSpPr>
+          <p:cNvPr id="18434" name="Rectangle 2"/>
+          <p:cNvSpPr>
+            <a:spLocks noGrp="1" noRot="1" noChangeAspect="1" noChangeArrowheads="1" noTextEdit="1"/>
           </p:cNvSpPr>
           <p:nvPr>
             <p:ph type="sldImg"/>
           </p:nvPr>
         </p:nvSpPr>
         <p:spPr bwMode="auto">
-          <a:noFill/>
+          <a:solidFill>
+            <a:srgbClr val="FFFFFF"/>
+          </a:solidFill>
           <a:ln>
             <a:solidFill>
               <a:srgbClr val="000000"/>
@@ -1086,13 +1499,6 @@
             <a:tailEnd/>
           </a:ln>
           <a:extLst>
-            <a:ext uri="{909E8E84-426E-40dd-AFC4-6F175D3DCCD1}">
-              <a14:hiddenFill xmlns:a14="http://schemas.microsoft.com/office/drawing/2010/main">
-                <a:solidFill>
-                  <a:srgbClr val="FFFFFF"/>
-                </a:solidFill>
-              </a14:hiddenFill>
-            </a:ext>
             <a:ext uri="{FAA26D3D-D897-4be2-8F04-BA451C77F1D7}">
               <ma14:placeholderFlag xmlns:ma14="http://schemas.microsoft.com/office/mac/drawingml/2011/main" val="1"/>
             </a:ext>
@@ -1101,34 +1507,27 @@
       </p:sp>
       <p:sp>
         <p:nvSpPr>
-          <p:cNvPr id="18434" name="Notes Placeholder 2"/>
+          <p:cNvPr id="18435" name="Rectangle 3"/>
           <p:cNvSpPr>
-            <a:spLocks noGrp="1"/>
+            <a:spLocks noGrp="1" noChangeArrowheads="1"/>
           </p:cNvSpPr>
           <p:nvPr>
             <p:ph type="body" idx="1"/>
           </p:nvPr>
         </p:nvSpPr>
         <p:spPr bwMode="auto">
-          <a:noFill/>
+          <a:solidFill>
+            <a:srgbClr val="FFFFFF"/>
+          </a:solidFill>
+          <a:ln>
+            <a:solidFill>
+              <a:srgbClr val="000000"/>
+            </a:solidFill>
+            <a:miter lim="800000"/>
+            <a:headEnd/>
+            <a:tailEnd/>
+          </a:ln>
           <a:extLst>
-            <a:ext uri="{909E8E84-426E-40dd-AFC4-6F175D3DCCD1}">
-              <a14:hiddenFill xmlns:a14="http://schemas.microsoft.com/office/drawing/2010/main">
-                <a:solidFill>
-                  <a:srgbClr val="FFFFFF"/>
-                </a:solidFill>
-              </a14:hiddenFill>
-            </a:ext>
-            <a:ext uri="{91240B29-F687-4f45-9708-019B960494DF}">
-              <a14:hiddenLine xmlns:a14="http://schemas.microsoft.com/office/drawing/2010/main" w="9525">
-                <a:solidFill>
-                  <a:srgbClr val="000000"/>
-                </a:solidFill>
-                <a:miter lim="800000"/>
-                <a:headEnd/>
-                <a:tailEnd/>
-              </a14:hiddenLine>
-            </a:ext>
             <a:ext uri="{FAA26D3D-D897-4be2-8F04-BA451C77F1D7}">
               <ma14:placeholderFlag xmlns:ma14="http://schemas.microsoft.com/office/mac/drawingml/2011/main" val="1"/>
             </a:ext>
@@ -1142,167 +1541,11 @@
           </a:bodyPr>
           <a:lstStyle/>
           <a:p>
+            <a:pPr eaLnBrk="1" hangingPunct="1"/>
             <a:endParaRPr lang="en-US">
               <a:latin typeface="Calibri" charset="0"/>
               <a:ea typeface="ＭＳ Ｐゴシック" charset="0"/>
               <a:cs typeface="ＭＳ Ｐゴシック" charset="0"/>
-            </a:endParaRPr>
-          </a:p>
-        </p:txBody>
-      </p:sp>
-      <p:sp>
-        <p:nvSpPr>
-          <p:cNvPr id="18435" name="Slide Number Placeholder 3"/>
-          <p:cNvSpPr>
-            <a:spLocks noGrp="1"/>
-          </p:cNvSpPr>
-          <p:nvPr>
-            <p:ph type="sldNum" sz="quarter" idx="5"/>
-          </p:nvPr>
-        </p:nvSpPr>
-        <p:spPr bwMode="auto">
-          <a:noFill/>
-          <a:extLst>
-            <a:ext uri="{909E8E84-426E-40dd-AFC4-6F175D3DCCD1}">
-              <a14:hiddenFill xmlns:a14="http://schemas.microsoft.com/office/drawing/2010/main">
-                <a:solidFill>
-                  <a:srgbClr val="FFFFFF"/>
-                </a:solidFill>
-              </a14:hiddenFill>
-            </a:ext>
-            <a:ext uri="{91240B29-F687-4f45-9708-019B960494DF}">
-              <a14:hiddenLine xmlns:a14="http://schemas.microsoft.com/office/drawing/2010/main" w="9525">
-                <a:solidFill>
-                  <a:srgbClr val="000000"/>
-                </a:solidFill>
-                <a:miter lim="800000"/>
-                <a:headEnd/>
-                <a:tailEnd/>
-              </a14:hiddenLine>
-            </a:ext>
-          </a:extLst>
-        </p:spPr>
-        <p:txBody>
-          <a:bodyPr/>
-          <a:lstStyle>
-            <a:lvl1pPr eaLnBrk="0" hangingPunct="0">
-              <a:defRPr sz="2400">
-                <a:solidFill>
-                  <a:schemeClr val="tx1"/>
-                </a:solidFill>
-                <a:latin typeface="Arial" charset="0"/>
-                <a:ea typeface="ＭＳ Ｐゴシック" charset="0"/>
-                <a:cs typeface="ＭＳ Ｐゴシック" charset="0"/>
-              </a:defRPr>
-            </a:lvl1pPr>
-            <a:lvl2pPr marL="742950" indent="-285750" eaLnBrk="0" hangingPunct="0">
-              <a:defRPr sz="2400">
-                <a:solidFill>
-                  <a:schemeClr val="tx1"/>
-                </a:solidFill>
-                <a:latin typeface="Arial" charset="0"/>
-                <a:ea typeface="ＭＳ Ｐゴシック" charset="0"/>
-              </a:defRPr>
-            </a:lvl2pPr>
-            <a:lvl3pPr marL="1143000" indent="-228600" eaLnBrk="0" hangingPunct="0">
-              <a:defRPr sz="2400">
-                <a:solidFill>
-                  <a:schemeClr val="tx1"/>
-                </a:solidFill>
-                <a:latin typeface="Arial" charset="0"/>
-                <a:ea typeface="ＭＳ Ｐゴシック" charset="0"/>
-              </a:defRPr>
-            </a:lvl3pPr>
-            <a:lvl4pPr marL="1600200" indent="-228600" eaLnBrk="0" hangingPunct="0">
-              <a:defRPr sz="2400">
-                <a:solidFill>
-                  <a:schemeClr val="tx1"/>
-                </a:solidFill>
-                <a:latin typeface="Arial" charset="0"/>
-                <a:ea typeface="ＭＳ Ｐゴシック" charset="0"/>
-              </a:defRPr>
-            </a:lvl4pPr>
-            <a:lvl5pPr marL="2057400" indent="-228600" eaLnBrk="0" hangingPunct="0">
-              <a:defRPr sz="2400">
-                <a:solidFill>
-                  <a:schemeClr val="tx1"/>
-                </a:solidFill>
-                <a:latin typeface="Arial" charset="0"/>
-                <a:ea typeface="ＭＳ Ｐゴシック" charset="0"/>
-              </a:defRPr>
-            </a:lvl5pPr>
-            <a:lvl6pPr marL="2514600" indent="-228600" eaLnBrk="0" fontAlgn="base" hangingPunct="0">
-              <a:spcBef>
-                <a:spcPct val="0"/>
-              </a:spcBef>
-              <a:spcAft>
-                <a:spcPct val="0"/>
-              </a:spcAft>
-              <a:defRPr sz="2400">
-                <a:solidFill>
-                  <a:schemeClr val="tx1"/>
-                </a:solidFill>
-                <a:latin typeface="Arial" charset="0"/>
-                <a:ea typeface="ＭＳ Ｐゴシック" charset="0"/>
-              </a:defRPr>
-            </a:lvl6pPr>
-            <a:lvl7pPr marL="2971800" indent="-228600" eaLnBrk="0" fontAlgn="base" hangingPunct="0">
-              <a:spcBef>
-                <a:spcPct val="0"/>
-              </a:spcBef>
-              <a:spcAft>
-                <a:spcPct val="0"/>
-              </a:spcAft>
-              <a:defRPr sz="2400">
-                <a:solidFill>
-                  <a:schemeClr val="tx1"/>
-                </a:solidFill>
-                <a:latin typeface="Arial" charset="0"/>
-                <a:ea typeface="ＭＳ Ｐゴシック" charset="0"/>
-              </a:defRPr>
-            </a:lvl7pPr>
-            <a:lvl8pPr marL="3429000" indent="-228600" eaLnBrk="0" fontAlgn="base" hangingPunct="0">
-              <a:spcBef>
-                <a:spcPct val="0"/>
-              </a:spcBef>
-              <a:spcAft>
-                <a:spcPct val="0"/>
-              </a:spcAft>
-              <a:defRPr sz="2400">
-                <a:solidFill>
-                  <a:schemeClr val="tx1"/>
-                </a:solidFill>
-                <a:latin typeface="Arial" charset="0"/>
-                <a:ea typeface="ＭＳ Ｐゴシック" charset="0"/>
-              </a:defRPr>
-            </a:lvl8pPr>
-            <a:lvl9pPr marL="3886200" indent="-228600" eaLnBrk="0" fontAlgn="base" hangingPunct="0">
-              <a:spcBef>
-                <a:spcPct val="0"/>
-              </a:spcBef>
-              <a:spcAft>
-                <a:spcPct val="0"/>
-              </a:spcAft>
-              <a:defRPr sz="2400">
-                <a:solidFill>
-                  <a:schemeClr val="tx1"/>
-                </a:solidFill>
-                <a:latin typeface="Arial" charset="0"/>
-                <a:ea typeface="ＭＳ Ｐゴシック" charset="0"/>
-              </a:defRPr>
-            </a:lvl9pPr>
-          </a:lstStyle>
-          <a:p>
-            <a:pPr eaLnBrk="1" hangingPunct="1"/>
-            <a:fld id="{BBBFA5FC-11B1-0343-A89E-177E6EDD86E4}" type="slidenum">
-              <a:rPr lang="en-US" sz="1300">
-                <a:latin typeface="Calibri" charset="0"/>
-              </a:rPr>
-              <a:pPr eaLnBrk="1" hangingPunct="1"/>
-              <a:t>4</a:t>
-            </a:fld>
-            <a:endParaRPr lang="en-US" sz="1300">
-              <a:latin typeface="Calibri" charset="0"/>
             </a:endParaRPr>
           </a:p>
         </p:txBody>
@@ -1315,7 +1558,7 @@
 </p:notes>
 </file>
 
-<file path=ppt/notesSlides/notesSlide3.xml><?xml version="1.0" encoding="utf-8"?>
+<file path=ppt/notesSlides/notesSlide4.xml><?xml version="1.0" encoding="utf-8"?>
 <p:notes xmlns:a="http://schemas.openxmlformats.org/drawingml/2006/main" xmlns:r="http://schemas.openxmlformats.org/officeDocument/2006/relationships" xmlns:p="http://schemas.openxmlformats.org/presentationml/2006/main">
   <p:cSld>
     <p:spTree>
@@ -1476,12 +1719,12 @@
           </a:lstStyle>
           <a:p>
             <a:pPr eaLnBrk="1" hangingPunct="1"/>
-            <a:fld id="{F1758CF9-5807-8248-9D3D-E297C55461D4}" type="slidenum">
+            <a:fld id="{67CE1E5D-C0B3-4744-88D8-D81E5041DD69}" type="slidenum">
               <a:rPr lang="en-US" sz="1300">
                 <a:latin typeface="Calibri" charset="0"/>
               </a:rPr>
               <a:pPr eaLnBrk="1" hangingPunct="1"/>
-              <a:t>5</a:t>
+              <a:t>6</a:t>
             </a:fld>
             <a:endParaRPr lang="en-US" sz="1300">
               <a:latin typeface="Calibri" charset="0"/>
@@ -1540,6 +1783,11 @@
             <a:headEnd/>
             <a:tailEnd/>
           </a:ln>
+          <a:extLst>
+            <a:ext uri="{FAA26D3D-D897-4be2-8F04-BA451C77F1D7}">
+              <ma14:placeholderFlag xmlns:ma14="http://schemas.microsoft.com/office/mac/drawingml/2011/main" val="1"/>
+            </a:ext>
+          </a:extLst>
         </p:spPr>
         <p:txBody>
           <a:bodyPr wrap="square" numCol="1" anchor="t" anchorCtr="0" compatLnSpc="1">
@@ -1550,273 +1798,6 @@
           <a:lstStyle/>
           <a:p>
             <a:pPr eaLnBrk="1" hangingPunct="1"/>
-            <a:r>
-              <a:rPr lang="en-US" altLang="ko-KR">
-                <a:latin typeface="Calibri" charset="0"/>
-                <a:ea typeface="ＭＳ Ｐゴシック" charset="0"/>
-                <a:cs typeface="ＭＳ Ｐゴシック" charset="0"/>
-              </a:rPr>
-              <a:t>Consequtive basepairs</a:t>
-            </a:r>
-            <a:endParaRPr lang="en-US">
-              <a:latin typeface="Calibri" charset="0"/>
-              <a:ea typeface="ＭＳ Ｐゴシック" charset="0"/>
-              <a:cs typeface="ＭＳ Ｐゴシック" charset="0"/>
-            </a:endParaRPr>
-          </a:p>
-        </p:txBody>
-      </p:sp>
-    </p:spTree>
-  </p:cSld>
-  <p:clrMapOvr>
-    <a:masterClrMapping/>
-  </p:clrMapOvr>
-</p:notes>
-</file>
-
-<file path=ppt/notesSlides/notesSlide4.xml><?xml version="1.0" encoding="utf-8"?>
-<p:notes xmlns:a="http://schemas.openxmlformats.org/drawingml/2006/main" xmlns:r="http://schemas.openxmlformats.org/officeDocument/2006/relationships" xmlns:p="http://schemas.openxmlformats.org/presentationml/2006/main">
-  <p:cSld>
-    <p:spTree>
-      <p:nvGrpSpPr>
-        <p:cNvPr id="1" name=""/>
-        <p:cNvGrpSpPr/>
-        <p:nvPr/>
-      </p:nvGrpSpPr>
-      <p:grpSpPr>
-        <a:xfrm>
-          <a:off x="0" y="0"/>
-          <a:ext cx="0" cy="0"/>
-          <a:chOff x="0" y="0"/>
-          <a:chExt cx="0" cy="0"/>
-        </a:xfrm>
-      </p:grpSpPr>
-      <p:sp>
-        <p:nvSpPr>
-          <p:cNvPr id="22529" name="Rectangle 7"/>
-          <p:cNvSpPr>
-            <a:spLocks noGrp="1" noChangeArrowheads="1"/>
-          </p:cNvSpPr>
-          <p:nvPr>
-            <p:ph type="sldNum" sz="quarter" idx="5"/>
-          </p:nvPr>
-        </p:nvSpPr>
-        <p:spPr bwMode="auto">
-          <a:noFill/>
-          <a:extLst>
-            <a:ext uri="{909E8E84-426E-40dd-AFC4-6F175D3DCCD1}">
-              <a14:hiddenFill xmlns:a14="http://schemas.microsoft.com/office/drawing/2010/main">
-                <a:solidFill>
-                  <a:srgbClr val="FFFFFF"/>
-                </a:solidFill>
-              </a14:hiddenFill>
-            </a:ext>
-            <a:ext uri="{91240B29-F687-4f45-9708-019B960494DF}">
-              <a14:hiddenLine xmlns:a14="http://schemas.microsoft.com/office/drawing/2010/main" w="9525">
-                <a:solidFill>
-                  <a:srgbClr val="000000"/>
-                </a:solidFill>
-                <a:miter lim="800000"/>
-                <a:headEnd/>
-                <a:tailEnd/>
-              </a14:hiddenLine>
-            </a:ext>
-          </a:extLst>
-        </p:spPr>
-        <p:txBody>
-          <a:bodyPr/>
-          <a:lstStyle>
-            <a:lvl1pPr eaLnBrk="0" hangingPunct="0">
-              <a:defRPr sz="2400">
-                <a:solidFill>
-                  <a:schemeClr val="tx1"/>
-                </a:solidFill>
-                <a:latin typeface="Arial" charset="0"/>
-                <a:ea typeface="ＭＳ Ｐゴシック" charset="0"/>
-                <a:cs typeface="ＭＳ Ｐゴシック" charset="0"/>
-              </a:defRPr>
-            </a:lvl1pPr>
-            <a:lvl2pPr marL="742950" indent="-285750" eaLnBrk="0" hangingPunct="0">
-              <a:defRPr sz="2400">
-                <a:solidFill>
-                  <a:schemeClr val="tx1"/>
-                </a:solidFill>
-                <a:latin typeface="Arial" charset="0"/>
-                <a:ea typeface="ＭＳ Ｐゴシック" charset="0"/>
-              </a:defRPr>
-            </a:lvl2pPr>
-            <a:lvl3pPr marL="1143000" indent="-228600" eaLnBrk="0" hangingPunct="0">
-              <a:defRPr sz="2400">
-                <a:solidFill>
-                  <a:schemeClr val="tx1"/>
-                </a:solidFill>
-                <a:latin typeface="Arial" charset="0"/>
-                <a:ea typeface="ＭＳ Ｐゴシック" charset="0"/>
-              </a:defRPr>
-            </a:lvl3pPr>
-            <a:lvl4pPr marL="1600200" indent="-228600" eaLnBrk="0" hangingPunct="0">
-              <a:defRPr sz="2400">
-                <a:solidFill>
-                  <a:schemeClr val="tx1"/>
-                </a:solidFill>
-                <a:latin typeface="Arial" charset="0"/>
-                <a:ea typeface="ＭＳ Ｐゴシック" charset="0"/>
-              </a:defRPr>
-            </a:lvl4pPr>
-            <a:lvl5pPr marL="2057400" indent="-228600" eaLnBrk="0" hangingPunct="0">
-              <a:defRPr sz="2400">
-                <a:solidFill>
-                  <a:schemeClr val="tx1"/>
-                </a:solidFill>
-                <a:latin typeface="Arial" charset="0"/>
-                <a:ea typeface="ＭＳ Ｐゴシック" charset="0"/>
-              </a:defRPr>
-            </a:lvl5pPr>
-            <a:lvl6pPr marL="2514600" indent="-228600" eaLnBrk="0" fontAlgn="base" hangingPunct="0">
-              <a:spcBef>
-                <a:spcPct val="0"/>
-              </a:spcBef>
-              <a:spcAft>
-                <a:spcPct val="0"/>
-              </a:spcAft>
-              <a:defRPr sz="2400">
-                <a:solidFill>
-                  <a:schemeClr val="tx1"/>
-                </a:solidFill>
-                <a:latin typeface="Arial" charset="0"/>
-                <a:ea typeface="ＭＳ Ｐゴシック" charset="0"/>
-              </a:defRPr>
-            </a:lvl6pPr>
-            <a:lvl7pPr marL="2971800" indent="-228600" eaLnBrk="0" fontAlgn="base" hangingPunct="0">
-              <a:spcBef>
-                <a:spcPct val="0"/>
-              </a:spcBef>
-              <a:spcAft>
-                <a:spcPct val="0"/>
-              </a:spcAft>
-              <a:defRPr sz="2400">
-                <a:solidFill>
-                  <a:schemeClr val="tx1"/>
-                </a:solidFill>
-                <a:latin typeface="Arial" charset="0"/>
-                <a:ea typeface="ＭＳ Ｐゴシック" charset="0"/>
-              </a:defRPr>
-            </a:lvl7pPr>
-            <a:lvl8pPr marL="3429000" indent="-228600" eaLnBrk="0" fontAlgn="base" hangingPunct="0">
-              <a:spcBef>
-                <a:spcPct val="0"/>
-              </a:spcBef>
-              <a:spcAft>
-                <a:spcPct val="0"/>
-              </a:spcAft>
-              <a:defRPr sz="2400">
-                <a:solidFill>
-                  <a:schemeClr val="tx1"/>
-                </a:solidFill>
-                <a:latin typeface="Arial" charset="0"/>
-                <a:ea typeface="ＭＳ Ｐゴシック" charset="0"/>
-              </a:defRPr>
-            </a:lvl8pPr>
-            <a:lvl9pPr marL="3886200" indent="-228600" eaLnBrk="0" fontAlgn="base" hangingPunct="0">
-              <a:spcBef>
-                <a:spcPct val="0"/>
-              </a:spcBef>
-              <a:spcAft>
-                <a:spcPct val="0"/>
-              </a:spcAft>
-              <a:defRPr sz="2400">
-                <a:solidFill>
-                  <a:schemeClr val="tx1"/>
-                </a:solidFill>
-                <a:latin typeface="Arial" charset="0"/>
-                <a:ea typeface="ＭＳ Ｐゴシック" charset="0"/>
-              </a:defRPr>
-            </a:lvl9pPr>
-          </a:lstStyle>
-          <a:p>
-            <a:pPr eaLnBrk="1" hangingPunct="1"/>
-            <a:fld id="{72DF4BBA-550F-B14D-9056-5F008541DBF8}" type="slidenum">
-              <a:rPr lang="en-US" sz="1300">
-                <a:latin typeface="Calibri" charset="0"/>
-              </a:rPr>
-              <a:pPr eaLnBrk="1" hangingPunct="1"/>
-              <a:t>6</a:t>
-            </a:fld>
-            <a:endParaRPr lang="en-US" sz="1300">
-              <a:latin typeface="Calibri" charset="0"/>
-            </a:endParaRPr>
-          </a:p>
-        </p:txBody>
-      </p:sp>
-      <p:sp>
-        <p:nvSpPr>
-          <p:cNvPr id="22530" name="Rectangle 2"/>
-          <p:cNvSpPr>
-            <a:spLocks noGrp="1" noRot="1" noChangeAspect="1" noChangeArrowheads="1" noTextEdit="1"/>
-          </p:cNvSpPr>
-          <p:nvPr>
-            <p:ph type="sldImg"/>
-          </p:nvPr>
-        </p:nvSpPr>
-        <p:spPr bwMode="auto">
-          <a:solidFill>
-            <a:srgbClr val="FFFFFF"/>
-          </a:solidFill>
-          <a:ln>
-            <a:solidFill>
-              <a:srgbClr val="000000"/>
-            </a:solidFill>
-            <a:miter lim="800000"/>
-            <a:headEnd/>
-            <a:tailEnd/>
-          </a:ln>
-          <a:extLst>
-            <a:ext uri="{FAA26D3D-D897-4be2-8F04-BA451C77F1D7}">
-              <ma14:placeholderFlag xmlns:ma14="http://schemas.microsoft.com/office/mac/drawingml/2011/main" val="1"/>
-            </a:ext>
-          </a:extLst>
-        </p:spPr>
-      </p:sp>
-      <p:sp>
-        <p:nvSpPr>
-          <p:cNvPr id="22531" name="Rectangle 3"/>
-          <p:cNvSpPr>
-            <a:spLocks noGrp="1" noChangeArrowheads="1"/>
-          </p:cNvSpPr>
-          <p:nvPr>
-            <p:ph type="body" idx="1"/>
-          </p:nvPr>
-        </p:nvSpPr>
-        <p:spPr bwMode="auto">
-          <a:solidFill>
-            <a:srgbClr val="FFFFFF"/>
-          </a:solidFill>
-          <a:ln>
-            <a:solidFill>
-              <a:srgbClr val="000000"/>
-            </a:solidFill>
-            <a:miter lim="800000"/>
-            <a:headEnd/>
-            <a:tailEnd/>
-          </a:ln>
-        </p:spPr>
-        <p:txBody>
-          <a:bodyPr wrap="square" numCol="1" anchor="t" anchorCtr="0" compatLnSpc="1">
-            <a:prstTxWarp prst="textNoShape">
-              <a:avLst/>
-            </a:prstTxWarp>
-          </a:bodyPr>
-          <a:lstStyle/>
-          <a:p>
-            <a:pPr eaLnBrk="1" hangingPunct="1"/>
-            <a:r>
-              <a:rPr lang="en-US" altLang="ko-KR">
-                <a:latin typeface="Calibri" charset="0"/>
-                <a:ea typeface="ＭＳ Ｐゴシック" charset="0"/>
-                <a:cs typeface="ＭＳ Ｐゴシック" charset="0"/>
-              </a:rPr>
-              <a:t>Consequtive basepairs</a:t>
-            </a:r>
             <a:endParaRPr lang="en-US">
               <a:latin typeface="Calibri" charset="0"/>
               <a:ea typeface="ＭＳ Ｐゴシック" charset="0"/>
@@ -1852,7 +1833,7 @@
       </p:grpSpPr>
       <p:sp>
         <p:nvSpPr>
-          <p:cNvPr id="24577" name="Rectangle 7"/>
+          <p:cNvPr id="23553" name="Rectangle 7"/>
           <p:cNvSpPr>
             <a:spLocks noGrp="1" noChangeArrowheads="1"/>
           </p:cNvSpPr>
@@ -1994,12 +1975,12 @@
           </a:lstStyle>
           <a:p>
             <a:pPr eaLnBrk="1" hangingPunct="1"/>
-            <a:fld id="{7C407D49-CE09-FF42-8A27-F71FEB2F9CCB}" type="slidenum">
+            <a:fld id="{184844F5-9029-0D45-8E07-E6B77CE66171}" type="slidenum">
               <a:rPr lang="en-US" sz="1300">
                 <a:latin typeface="Calibri" charset="0"/>
               </a:rPr>
               <a:pPr eaLnBrk="1" hangingPunct="1"/>
-              <a:t>7</a:t>
+              <a:t>8</a:t>
             </a:fld>
             <a:endParaRPr lang="en-US" sz="1300">
               <a:latin typeface="Calibri" charset="0"/>
@@ -2009,7 +1990,7 @@
       </p:sp>
       <p:sp>
         <p:nvSpPr>
-          <p:cNvPr id="24578" name="Rectangle 2"/>
+          <p:cNvPr id="23554" name="Rectangle 2"/>
           <p:cNvSpPr>
             <a:spLocks noGrp="1" noRot="1" noChangeAspect="1" noChangeArrowheads="1" noTextEdit="1"/>
           </p:cNvSpPr>
@@ -2038,7 +2019,7 @@
       </p:sp>
       <p:sp>
         <p:nvSpPr>
-          <p:cNvPr id="24579" name="Rectangle 3"/>
+          <p:cNvPr id="23555" name="Rectangle 3"/>
           <p:cNvSpPr>
             <a:spLocks noGrp="1" noChangeArrowheads="1"/>
           </p:cNvSpPr>
@@ -2077,1074 +2058,6 @@
               <a:latin typeface="Calibri" charset="0"/>
               <a:ea typeface="ＭＳ Ｐゴシック" charset="0"/>
               <a:cs typeface="ＭＳ Ｐゴシック" charset="0"/>
-            </a:endParaRPr>
-          </a:p>
-        </p:txBody>
-      </p:sp>
-    </p:spTree>
-  </p:cSld>
-  <p:clrMapOvr>
-    <a:masterClrMapping/>
-  </p:clrMapOvr>
-</p:notes>
-</file>
-
-<file path=ppt/notesSlides/notesSlide6.xml><?xml version="1.0" encoding="utf-8"?>
-<p:notes xmlns:a="http://schemas.openxmlformats.org/drawingml/2006/main" xmlns:r="http://schemas.openxmlformats.org/officeDocument/2006/relationships" xmlns:p="http://schemas.openxmlformats.org/presentationml/2006/main">
-  <p:cSld>
-    <p:spTree>
-      <p:nvGrpSpPr>
-        <p:cNvPr id="1" name=""/>
-        <p:cNvGrpSpPr/>
-        <p:nvPr/>
-      </p:nvGrpSpPr>
-      <p:grpSpPr>
-        <a:xfrm>
-          <a:off x="0" y="0"/>
-          <a:ext cx="0" cy="0"/>
-          <a:chOff x="0" y="0"/>
-          <a:chExt cx="0" cy="0"/>
-        </a:xfrm>
-      </p:grpSpPr>
-      <p:sp>
-        <p:nvSpPr>
-          <p:cNvPr id="26625" name="Slide Image Placeholder 1"/>
-          <p:cNvSpPr>
-            <a:spLocks noGrp="1" noRot="1" noChangeAspect="1"/>
-          </p:cNvSpPr>
-          <p:nvPr>
-            <p:ph type="sldImg"/>
-          </p:nvPr>
-        </p:nvSpPr>
-        <p:spPr bwMode="auto">
-          <a:noFill/>
-          <a:ln>
-            <a:solidFill>
-              <a:srgbClr val="000000"/>
-            </a:solidFill>
-            <a:miter lim="800000"/>
-            <a:headEnd/>
-            <a:tailEnd/>
-          </a:ln>
-          <a:extLst>
-            <a:ext uri="{909E8E84-426E-40dd-AFC4-6F175D3DCCD1}">
-              <a14:hiddenFill xmlns:a14="http://schemas.microsoft.com/office/drawing/2010/main">
-                <a:solidFill>
-                  <a:srgbClr val="FFFFFF"/>
-                </a:solidFill>
-              </a14:hiddenFill>
-            </a:ext>
-            <a:ext uri="{FAA26D3D-D897-4be2-8F04-BA451C77F1D7}">
-              <ma14:placeholderFlag xmlns:ma14="http://schemas.microsoft.com/office/mac/drawingml/2011/main" val="1"/>
-            </a:ext>
-          </a:extLst>
-        </p:spPr>
-      </p:sp>
-      <p:sp>
-        <p:nvSpPr>
-          <p:cNvPr id="26626" name="Notes Placeholder 2"/>
-          <p:cNvSpPr>
-            <a:spLocks noGrp="1"/>
-          </p:cNvSpPr>
-          <p:nvPr>
-            <p:ph type="body" idx="1"/>
-          </p:nvPr>
-        </p:nvSpPr>
-        <p:spPr bwMode="auto">
-          <a:noFill/>
-          <a:extLst>
-            <a:ext uri="{909E8E84-426E-40dd-AFC4-6F175D3DCCD1}">
-              <a14:hiddenFill xmlns:a14="http://schemas.microsoft.com/office/drawing/2010/main">
-                <a:solidFill>
-                  <a:srgbClr val="FFFFFF"/>
-                </a:solidFill>
-              </a14:hiddenFill>
-            </a:ext>
-            <a:ext uri="{91240B29-F687-4f45-9708-019B960494DF}">
-              <a14:hiddenLine xmlns:a14="http://schemas.microsoft.com/office/drawing/2010/main" w="9525">
-                <a:solidFill>
-                  <a:srgbClr val="000000"/>
-                </a:solidFill>
-                <a:miter lim="800000"/>
-                <a:headEnd/>
-                <a:tailEnd/>
-              </a14:hiddenLine>
-            </a:ext>
-            <a:ext uri="{FAA26D3D-D897-4be2-8F04-BA451C77F1D7}">
-              <ma14:placeholderFlag xmlns:ma14="http://schemas.microsoft.com/office/mac/drawingml/2011/main" val="1"/>
-            </a:ext>
-          </a:extLst>
-        </p:spPr>
-        <p:txBody>
-          <a:bodyPr wrap="square" numCol="1" anchor="t" anchorCtr="0" compatLnSpc="1">
-            <a:prstTxWarp prst="textNoShape">
-              <a:avLst/>
-            </a:prstTxWarp>
-          </a:bodyPr>
-          <a:lstStyle/>
-          <a:p>
-            <a:endParaRPr lang="en-US">
-              <a:latin typeface="Calibri" charset="0"/>
-              <a:ea typeface="ＭＳ Ｐゴシック" charset="0"/>
-              <a:cs typeface="ＭＳ Ｐゴシック" charset="0"/>
-            </a:endParaRPr>
-          </a:p>
-        </p:txBody>
-      </p:sp>
-      <p:sp>
-        <p:nvSpPr>
-          <p:cNvPr id="26627" name="Slide Number Placeholder 3"/>
-          <p:cNvSpPr>
-            <a:spLocks noGrp="1"/>
-          </p:cNvSpPr>
-          <p:nvPr>
-            <p:ph type="sldNum" sz="quarter" idx="5"/>
-          </p:nvPr>
-        </p:nvSpPr>
-        <p:spPr bwMode="auto">
-          <a:noFill/>
-          <a:extLst>
-            <a:ext uri="{909E8E84-426E-40dd-AFC4-6F175D3DCCD1}">
-              <a14:hiddenFill xmlns:a14="http://schemas.microsoft.com/office/drawing/2010/main">
-                <a:solidFill>
-                  <a:srgbClr val="FFFFFF"/>
-                </a:solidFill>
-              </a14:hiddenFill>
-            </a:ext>
-            <a:ext uri="{91240B29-F687-4f45-9708-019B960494DF}">
-              <a14:hiddenLine xmlns:a14="http://schemas.microsoft.com/office/drawing/2010/main" w="9525">
-                <a:solidFill>
-                  <a:srgbClr val="000000"/>
-                </a:solidFill>
-                <a:miter lim="800000"/>
-                <a:headEnd/>
-                <a:tailEnd/>
-              </a14:hiddenLine>
-            </a:ext>
-          </a:extLst>
-        </p:spPr>
-        <p:txBody>
-          <a:bodyPr/>
-          <a:lstStyle>
-            <a:lvl1pPr eaLnBrk="0" hangingPunct="0">
-              <a:defRPr sz="2400">
-                <a:solidFill>
-                  <a:schemeClr val="tx1"/>
-                </a:solidFill>
-                <a:latin typeface="Arial" charset="0"/>
-                <a:ea typeface="ＭＳ Ｐゴシック" charset="0"/>
-                <a:cs typeface="ＭＳ Ｐゴシック" charset="0"/>
-              </a:defRPr>
-            </a:lvl1pPr>
-            <a:lvl2pPr marL="742950" indent="-285750" eaLnBrk="0" hangingPunct="0">
-              <a:defRPr sz="2400">
-                <a:solidFill>
-                  <a:schemeClr val="tx1"/>
-                </a:solidFill>
-                <a:latin typeface="Arial" charset="0"/>
-                <a:ea typeface="ＭＳ Ｐゴシック" charset="0"/>
-              </a:defRPr>
-            </a:lvl2pPr>
-            <a:lvl3pPr marL="1143000" indent="-228600" eaLnBrk="0" hangingPunct="0">
-              <a:defRPr sz="2400">
-                <a:solidFill>
-                  <a:schemeClr val="tx1"/>
-                </a:solidFill>
-                <a:latin typeface="Arial" charset="0"/>
-                <a:ea typeface="ＭＳ Ｐゴシック" charset="0"/>
-              </a:defRPr>
-            </a:lvl3pPr>
-            <a:lvl4pPr marL="1600200" indent="-228600" eaLnBrk="0" hangingPunct="0">
-              <a:defRPr sz="2400">
-                <a:solidFill>
-                  <a:schemeClr val="tx1"/>
-                </a:solidFill>
-                <a:latin typeface="Arial" charset="0"/>
-                <a:ea typeface="ＭＳ Ｐゴシック" charset="0"/>
-              </a:defRPr>
-            </a:lvl4pPr>
-            <a:lvl5pPr marL="2057400" indent="-228600" eaLnBrk="0" hangingPunct="0">
-              <a:defRPr sz="2400">
-                <a:solidFill>
-                  <a:schemeClr val="tx1"/>
-                </a:solidFill>
-                <a:latin typeface="Arial" charset="0"/>
-                <a:ea typeface="ＭＳ Ｐゴシック" charset="0"/>
-              </a:defRPr>
-            </a:lvl5pPr>
-            <a:lvl6pPr marL="2514600" indent="-228600" eaLnBrk="0" fontAlgn="base" hangingPunct="0">
-              <a:spcBef>
-                <a:spcPct val="0"/>
-              </a:spcBef>
-              <a:spcAft>
-                <a:spcPct val="0"/>
-              </a:spcAft>
-              <a:defRPr sz="2400">
-                <a:solidFill>
-                  <a:schemeClr val="tx1"/>
-                </a:solidFill>
-                <a:latin typeface="Arial" charset="0"/>
-                <a:ea typeface="ＭＳ Ｐゴシック" charset="0"/>
-              </a:defRPr>
-            </a:lvl6pPr>
-            <a:lvl7pPr marL="2971800" indent="-228600" eaLnBrk="0" fontAlgn="base" hangingPunct="0">
-              <a:spcBef>
-                <a:spcPct val="0"/>
-              </a:spcBef>
-              <a:spcAft>
-                <a:spcPct val="0"/>
-              </a:spcAft>
-              <a:defRPr sz="2400">
-                <a:solidFill>
-                  <a:schemeClr val="tx1"/>
-                </a:solidFill>
-                <a:latin typeface="Arial" charset="0"/>
-                <a:ea typeface="ＭＳ Ｐゴシック" charset="0"/>
-              </a:defRPr>
-            </a:lvl7pPr>
-            <a:lvl8pPr marL="3429000" indent="-228600" eaLnBrk="0" fontAlgn="base" hangingPunct="0">
-              <a:spcBef>
-                <a:spcPct val="0"/>
-              </a:spcBef>
-              <a:spcAft>
-                <a:spcPct val="0"/>
-              </a:spcAft>
-              <a:defRPr sz="2400">
-                <a:solidFill>
-                  <a:schemeClr val="tx1"/>
-                </a:solidFill>
-                <a:latin typeface="Arial" charset="0"/>
-                <a:ea typeface="ＭＳ Ｐゴシック" charset="0"/>
-              </a:defRPr>
-            </a:lvl8pPr>
-            <a:lvl9pPr marL="3886200" indent="-228600" eaLnBrk="0" fontAlgn="base" hangingPunct="0">
-              <a:spcBef>
-                <a:spcPct val="0"/>
-              </a:spcBef>
-              <a:spcAft>
-                <a:spcPct val="0"/>
-              </a:spcAft>
-              <a:defRPr sz="2400">
-                <a:solidFill>
-                  <a:schemeClr val="tx1"/>
-                </a:solidFill>
-                <a:latin typeface="Arial" charset="0"/>
-                <a:ea typeface="ＭＳ Ｐゴシック" charset="0"/>
-              </a:defRPr>
-            </a:lvl9pPr>
-          </a:lstStyle>
-          <a:p>
-            <a:pPr eaLnBrk="1" hangingPunct="1"/>
-            <a:fld id="{F57BF14C-B391-D343-9D96-B77D9EBD185F}" type="slidenum">
-              <a:rPr lang="en-US" sz="1300">
-                <a:latin typeface="Calibri" charset="0"/>
-              </a:rPr>
-              <a:pPr eaLnBrk="1" hangingPunct="1"/>
-              <a:t>8</a:t>
-            </a:fld>
-            <a:endParaRPr lang="en-US" sz="1300">
-              <a:latin typeface="Calibri" charset="0"/>
-            </a:endParaRPr>
-          </a:p>
-        </p:txBody>
-      </p:sp>
-    </p:spTree>
-  </p:cSld>
-  <p:clrMapOvr>
-    <a:masterClrMapping/>
-  </p:clrMapOvr>
-</p:notes>
-</file>
-
-<file path=ppt/notesSlides/notesSlide7.xml><?xml version="1.0" encoding="utf-8"?>
-<p:notes xmlns:a="http://schemas.openxmlformats.org/drawingml/2006/main" xmlns:r="http://schemas.openxmlformats.org/officeDocument/2006/relationships" xmlns:p="http://schemas.openxmlformats.org/presentationml/2006/main">
-  <p:cSld>
-    <p:spTree>
-      <p:nvGrpSpPr>
-        <p:cNvPr id="1" name=""/>
-        <p:cNvGrpSpPr/>
-        <p:nvPr/>
-      </p:nvGrpSpPr>
-      <p:grpSpPr>
-        <a:xfrm>
-          <a:off x="0" y="0"/>
-          <a:ext cx="0" cy="0"/>
-          <a:chOff x="0" y="0"/>
-          <a:chExt cx="0" cy="0"/>
-        </a:xfrm>
-      </p:grpSpPr>
-      <p:sp>
-        <p:nvSpPr>
-          <p:cNvPr id="28673" name="Slide Image Placeholder 1"/>
-          <p:cNvSpPr>
-            <a:spLocks noGrp="1" noRot="1" noChangeAspect="1"/>
-          </p:cNvSpPr>
-          <p:nvPr>
-            <p:ph type="sldImg"/>
-          </p:nvPr>
-        </p:nvSpPr>
-        <p:spPr bwMode="auto">
-          <a:noFill/>
-          <a:ln>
-            <a:solidFill>
-              <a:srgbClr val="000000"/>
-            </a:solidFill>
-            <a:miter lim="800000"/>
-            <a:headEnd/>
-            <a:tailEnd/>
-          </a:ln>
-          <a:extLst>
-            <a:ext uri="{909E8E84-426E-40dd-AFC4-6F175D3DCCD1}">
-              <a14:hiddenFill xmlns:a14="http://schemas.microsoft.com/office/drawing/2010/main">
-                <a:solidFill>
-                  <a:srgbClr val="FFFFFF"/>
-                </a:solidFill>
-              </a14:hiddenFill>
-            </a:ext>
-            <a:ext uri="{FAA26D3D-D897-4be2-8F04-BA451C77F1D7}">
-              <ma14:placeholderFlag xmlns:ma14="http://schemas.microsoft.com/office/mac/drawingml/2011/main" val="1"/>
-            </a:ext>
-          </a:extLst>
-        </p:spPr>
-      </p:sp>
-      <p:sp>
-        <p:nvSpPr>
-          <p:cNvPr id="28674" name="Notes Placeholder 2"/>
-          <p:cNvSpPr>
-            <a:spLocks noGrp="1"/>
-          </p:cNvSpPr>
-          <p:nvPr>
-            <p:ph type="body" idx="1"/>
-          </p:nvPr>
-        </p:nvSpPr>
-        <p:spPr bwMode="auto">
-          <a:noFill/>
-          <a:extLst>
-            <a:ext uri="{909E8E84-426E-40dd-AFC4-6F175D3DCCD1}">
-              <a14:hiddenFill xmlns:a14="http://schemas.microsoft.com/office/drawing/2010/main">
-                <a:solidFill>
-                  <a:srgbClr val="FFFFFF"/>
-                </a:solidFill>
-              </a14:hiddenFill>
-            </a:ext>
-            <a:ext uri="{91240B29-F687-4f45-9708-019B960494DF}">
-              <a14:hiddenLine xmlns:a14="http://schemas.microsoft.com/office/drawing/2010/main" w="9525">
-                <a:solidFill>
-                  <a:srgbClr val="000000"/>
-                </a:solidFill>
-                <a:miter lim="800000"/>
-                <a:headEnd/>
-                <a:tailEnd/>
-              </a14:hiddenLine>
-            </a:ext>
-            <a:ext uri="{FAA26D3D-D897-4be2-8F04-BA451C77F1D7}">
-              <ma14:placeholderFlag xmlns:ma14="http://schemas.microsoft.com/office/mac/drawingml/2011/main" val="1"/>
-            </a:ext>
-          </a:extLst>
-        </p:spPr>
-        <p:txBody>
-          <a:bodyPr wrap="square" numCol="1" anchor="t" anchorCtr="0" compatLnSpc="1">
-            <a:prstTxWarp prst="textNoShape">
-              <a:avLst/>
-            </a:prstTxWarp>
-          </a:bodyPr>
-          <a:lstStyle/>
-          <a:p>
-            <a:endParaRPr lang="en-US">
-              <a:latin typeface="Calibri" charset="0"/>
-              <a:ea typeface="ＭＳ Ｐゴシック" charset="0"/>
-              <a:cs typeface="ＭＳ Ｐゴシック" charset="0"/>
-            </a:endParaRPr>
-          </a:p>
-        </p:txBody>
-      </p:sp>
-      <p:sp>
-        <p:nvSpPr>
-          <p:cNvPr id="28675" name="Slide Number Placeholder 3"/>
-          <p:cNvSpPr>
-            <a:spLocks noGrp="1"/>
-          </p:cNvSpPr>
-          <p:nvPr>
-            <p:ph type="sldNum" sz="quarter" idx="5"/>
-          </p:nvPr>
-        </p:nvSpPr>
-        <p:spPr bwMode="auto">
-          <a:noFill/>
-          <a:extLst>
-            <a:ext uri="{909E8E84-426E-40dd-AFC4-6F175D3DCCD1}">
-              <a14:hiddenFill xmlns:a14="http://schemas.microsoft.com/office/drawing/2010/main">
-                <a:solidFill>
-                  <a:srgbClr val="FFFFFF"/>
-                </a:solidFill>
-              </a14:hiddenFill>
-            </a:ext>
-            <a:ext uri="{91240B29-F687-4f45-9708-019B960494DF}">
-              <a14:hiddenLine xmlns:a14="http://schemas.microsoft.com/office/drawing/2010/main" w="9525">
-                <a:solidFill>
-                  <a:srgbClr val="000000"/>
-                </a:solidFill>
-                <a:miter lim="800000"/>
-                <a:headEnd/>
-                <a:tailEnd/>
-              </a14:hiddenLine>
-            </a:ext>
-          </a:extLst>
-        </p:spPr>
-        <p:txBody>
-          <a:bodyPr/>
-          <a:lstStyle>
-            <a:lvl1pPr eaLnBrk="0" hangingPunct="0">
-              <a:defRPr sz="2400">
-                <a:solidFill>
-                  <a:schemeClr val="tx1"/>
-                </a:solidFill>
-                <a:latin typeface="Arial" charset="0"/>
-                <a:ea typeface="ＭＳ Ｐゴシック" charset="0"/>
-                <a:cs typeface="ＭＳ Ｐゴシック" charset="0"/>
-              </a:defRPr>
-            </a:lvl1pPr>
-            <a:lvl2pPr marL="742950" indent="-285750" eaLnBrk="0" hangingPunct="0">
-              <a:defRPr sz="2400">
-                <a:solidFill>
-                  <a:schemeClr val="tx1"/>
-                </a:solidFill>
-                <a:latin typeface="Arial" charset="0"/>
-                <a:ea typeface="ＭＳ Ｐゴシック" charset="0"/>
-              </a:defRPr>
-            </a:lvl2pPr>
-            <a:lvl3pPr marL="1143000" indent="-228600" eaLnBrk="0" hangingPunct="0">
-              <a:defRPr sz="2400">
-                <a:solidFill>
-                  <a:schemeClr val="tx1"/>
-                </a:solidFill>
-                <a:latin typeface="Arial" charset="0"/>
-                <a:ea typeface="ＭＳ Ｐゴシック" charset="0"/>
-              </a:defRPr>
-            </a:lvl3pPr>
-            <a:lvl4pPr marL="1600200" indent="-228600" eaLnBrk="0" hangingPunct="0">
-              <a:defRPr sz="2400">
-                <a:solidFill>
-                  <a:schemeClr val="tx1"/>
-                </a:solidFill>
-                <a:latin typeface="Arial" charset="0"/>
-                <a:ea typeface="ＭＳ Ｐゴシック" charset="0"/>
-              </a:defRPr>
-            </a:lvl4pPr>
-            <a:lvl5pPr marL="2057400" indent="-228600" eaLnBrk="0" hangingPunct="0">
-              <a:defRPr sz="2400">
-                <a:solidFill>
-                  <a:schemeClr val="tx1"/>
-                </a:solidFill>
-                <a:latin typeface="Arial" charset="0"/>
-                <a:ea typeface="ＭＳ Ｐゴシック" charset="0"/>
-              </a:defRPr>
-            </a:lvl5pPr>
-            <a:lvl6pPr marL="2514600" indent="-228600" eaLnBrk="0" fontAlgn="base" hangingPunct="0">
-              <a:spcBef>
-                <a:spcPct val="0"/>
-              </a:spcBef>
-              <a:spcAft>
-                <a:spcPct val="0"/>
-              </a:spcAft>
-              <a:defRPr sz="2400">
-                <a:solidFill>
-                  <a:schemeClr val="tx1"/>
-                </a:solidFill>
-                <a:latin typeface="Arial" charset="0"/>
-                <a:ea typeface="ＭＳ Ｐゴシック" charset="0"/>
-              </a:defRPr>
-            </a:lvl6pPr>
-            <a:lvl7pPr marL="2971800" indent="-228600" eaLnBrk="0" fontAlgn="base" hangingPunct="0">
-              <a:spcBef>
-                <a:spcPct val="0"/>
-              </a:spcBef>
-              <a:spcAft>
-                <a:spcPct val="0"/>
-              </a:spcAft>
-              <a:defRPr sz="2400">
-                <a:solidFill>
-                  <a:schemeClr val="tx1"/>
-                </a:solidFill>
-                <a:latin typeface="Arial" charset="0"/>
-                <a:ea typeface="ＭＳ Ｐゴシック" charset="0"/>
-              </a:defRPr>
-            </a:lvl7pPr>
-            <a:lvl8pPr marL="3429000" indent="-228600" eaLnBrk="0" fontAlgn="base" hangingPunct="0">
-              <a:spcBef>
-                <a:spcPct val="0"/>
-              </a:spcBef>
-              <a:spcAft>
-                <a:spcPct val="0"/>
-              </a:spcAft>
-              <a:defRPr sz="2400">
-                <a:solidFill>
-                  <a:schemeClr val="tx1"/>
-                </a:solidFill>
-                <a:latin typeface="Arial" charset="0"/>
-                <a:ea typeface="ＭＳ Ｐゴシック" charset="0"/>
-              </a:defRPr>
-            </a:lvl8pPr>
-            <a:lvl9pPr marL="3886200" indent="-228600" eaLnBrk="0" fontAlgn="base" hangingPunct="0">
-              <a:spcBef>
-                <a:spcPct val="0"/>
-              </a:spcBef>
-              <a:spcAft>
-                <a:spcPct val="0"/>
-              </a:spcAft>
-              <a:defRPr sz="2400">
-                <a:solidFill>
-                  <a:schemeClr val="tx1"/>
-                </a:solidFill>
-                <a:latin typeface="Arial" charset="0"/>
-                <a:ea typeface="ＭＳ Ｐゴシック" charset="0"/>
-              </a:defRPr>
-            </a:lvl9pPr>
-          </a:lstStyle>
-          <a:p>
-            <a:pPr eaLnBrk="1" hangingPunct="1"/>
-            <a:fld id="{ABCF8106-5EF8-BF4B-B46B-805FE806D34D}" type="slidenum">
-              <a:rPr lang="en-US" sz="1300">
-                <a:latin typeface="Calibri" charset="0"/>
-              </a:rPr>
-              <a:pPr eaLnBrk="1" hangingPunct="1"/>
-              <a:t>9</a:t>
-            </a:fld>
-            <a:endParaRPr lang="en-US" sz="1300">
-              <a:latin typeface="Calibri" charset="0"/>
-            </a:endParaRPr>
-          </a:p>
-        </p:txBody>
-      </p:sp>
-    </p:spTree>
-  </p:cSld>
-  <p:clrMapOvr>
-    <a:masterClrMapping/>
-  </p:clrMapOvr>
-</p:notes>
-</file>
-
-<file path=ppt/notesSlides/notesSlide8.xml><?xml version="1.0" encoding="utf-8"?>
-<p:notes xmlns:a="http://schemas.openxmlformats.org/drawingml/2006/main" xmlns:r="http://schemas.openxmlformats.org/officeDocument/2006/relationships" xmlns:p="http://schemas.openxmlformats.org/presentationml/2006/main">
-  <p:cSld>
-    <p:spTree>
-      <p:nvGrpSpPr>
-        <p:cNvPr id="1" name=""/>
-        <p:cNvGrpSpPr/>
-        <p:nvPr/>
-      </p:nvGrpSpPr>
-      <p:grpSpPr>
-        <a:xfrm>
-          <a:off x="0" y="0"/>
-          <a:ext cx="0" cy="0"/>
-          <a:chOff x="0" y="0"/>
-          <a:chExt cx="0" cy="0"/>
-        </a:xfrm>
-      </p:grpSpPr>
-      <p:sp>
-        <p:nvSpPr>
-          <p:cNvPr id="30721" name="Slide Image Placeholder 1"/>
-          <p:cNvSpPr>
-            <a:spLocks noGrp="1" noRot="1" noChangeAspect="1"/>
-          </p:cNvSpPr>
-          <p:nvPr>
-            <p:ph type="sldImg"/>
-          </p:nvPr>
-        </p:nvSpPr>
-        <p:spPr bwMode="auto">
-          <a:noFill/>
-          <a:ln>
-            <a:solidFill>
-              <a:srgbClr val="000000"/>
-            </a:solidFill>
-            <a:miter lim="800000"/>
-            <a:headEnd/>
-            <a:tailEnd/>
-          </a:ln>
-          <a:extLst>
-            <a:ext uri="{909E8E84-426E-40dd-AFC4-6F175D3DCCD1}">
-              <a14:hiddenFill xmlns:a14="http://schemas.microsoft.com/office/drawing/2010/main">
-                <a:solidFill>
-                  <a:srgbClr val="FFFFFF"/>
-                </a:solidFill>
-              </a14:hiddenFill>
-            </a:ext>
-            <a:ext uri="{FAA26D3D-D897-4be2-8F04-BA451C77F1D7}">
-              <ma14:placeholderFlag xmlns:ma14="http://schemas.microsoft.com/office/mac/drawingml/2011/main" val="1"/>
-            </a:ext>
-          </a:extLst>
-        </p:spPr>
-      </p:sp>
-      <p:sp>
-        <p:nvSpPr>
-          <p:cNvPr id="30722" name="Notes Placeholder 2"/>
-          <p:cNvSpPr>
-            <a:spLocks noGrp="1"/>
-          </p:cNvSpPr>
-          <p:nvPr>
-            <p:ph type="body" idx="1"/>
-          </p:nvPr>
-        </p:nvSpPr>
-        <p:spPr bwMode="auto">
-          <a:noFill/>
-          <a:extLst>
-            <a:ext uri="{909E8E84-426E-40dd-AFC4-6F175D3DCCD1}">
-              <a14:hiddenFill xmlns:a14="http://schemas.microsoft.com/office/drawing/2010/main">
-                <a:solidFill>
-                  <a:srgbClr val="FFFFFF"/>
-                </a:solidFill>
-              </a14:hiddenFill>
-            </a:ext>
-            <a:ext uri="{91240B29-F687-4f45-9708-019B960494DF}">
-              <a14:hiddenLine xmlns:a14="http://schemas.microsoft.com/office/drawing/2010/main" w="9525">
-                <a:solidFill>
-                  <a:srgbClr val="000000"/>
-                </a:solidFill>
-                <a:miter lim="800000"/>
-                <a:headEnd/>
-                <a:tailEnd/>
-              </a14:hiddenLine>
-            </a:ext>
-            <a:ext uri="{FAA26D3D-D897-4be2-8F04-BA451C77F1D7}">
-              <ma14:placeholderFlag xmlns:ma14="http://schemas.microsoft.com/office/mac/drawingml/2011/main" val="1"/>
-            </a:ext>
-          </a:extLst>
-        </p:spPr>
-        <p:txBody>
-          <a:bodyPr wrap="square" numCol="1" anchor="t" anchorCtr="0" compatLnSpc="1">
-            <a:prstTxWarp prst="textNoShape">
-              <a:avLst/>
-            </a:prstTxWarp>
-          </a:bodyPr>
-          <a:lstStyle/>
-          <a:p>
-            <a:endParaRPr lang="en-US">
-              <a:latin typeface="Calibri" charset="0"/>
-              <a:ea typeface="ＭＳ Ｐゴシック" charset="0"/>
-              <a:cs typeface="ＭＳ Ｐゴシック" charset="0"/>
-            </a:endParaRPr>
-          </a:p>
-        </p:txBody>
-      </p:sp>
-      <p:sp>
-        <p:nvSpPr>
-          <p:cNvPr id="30723" name="Slide Number Placeholder 3"/>
-          <p:cNvSpPr>
-            <a:spLocks noGrp="1"/>
-          </p:cNvSpPr>
-          <p:nvPr>
-            <p:ph type="sldNum" sz="quarter" idx="5"/>
-          </p:nvPr>
-        </p:nvSpPr>
-        <p:spPr bwMode="auto">
-          <a:noFill/>
-          <a:extLst>
-            <a:ext uri="{909E8E84-426E-40dd-AFC4-6F175D3DCCD1}">
-              <a14:hiddenFill xmlns:a14="http://schemas.microsoft.com/office/drawing/2010/main">
-                <a:solidFill>
-                  <a:srgbClr val="FFFFFF"/>
-                </a:solidFill>
-              </a14:hiddenFill>
-            </a:ext>
-            <a:ext uri="{91240B29-F687-4f45-9708-019B960494DF}">
-              <a14:hiddenLine xmlns:a14="http://schemas.microsoft.com/office/drawing/2010/main" w="9525">
-                <a:solidFill>
-                  <a:srgbClr val="000000"/>
-                </a:solidFill>
-                <a:miter lim="800000"/>
-                <a:headEnd/>
-                <a:tailEnd/>
-              </a14:hiddenLine>
-            </a:ext>
-          </a:extLst>
-        </p:spPr>
-        <p:txBody>
-          <a:bodyPr/>
-          <a:lstStyle>
-            <a:lvl1pPr eaLnBrk="0" hangingPunct="0">
-              <a:defRPr sz="2400">
-                <a:solidFill>
-                  <a:schemeClr val="tx1"/>
-                </a:solidFill>
-                <a:latin typeface="Arial" charset="0"/>
-                <a:ea typeface="ＭＳ Ｐゴシック" charset="0"/>
-                <a:cs typeface="ＭＳ Ｐゴシック" charset="0"/>
-              </a:defRPr>
-            </a:lvl1pPr>
-            <a:lvl2pPr marL="742950" indent="-285750" eaLnBrk="0" hangingPunct="0">
-              <a:defRPr sz="2400">
-                <a:solidFill>
-                  <a:schemeClr val="tx1"/>
-                </a:solidFill>
-                <a:latin typeface="Arial" charset="0"/>
-                <a:ea typeface="ＭＳ Ｐゴシック" charset="0"/>
-              </a:defRPr>
-            </a:lvl2pPr>
-            <a:lvl3pPr marL="1143000" indent="-228600" eaLnBrk="0" hangingPunct="0">
-              <a:defRPr sz="2400">
-                <a:solidFill>
-                  <a:schemeClr val="tx1"/>
-                </a:solidFill>
-                <a:latin typeface="Arial" charset="0"/>
-                <a:ea typeface="ＭＳ Ｐゴシック" charset="0"/>
-              </a:defRPr>
-            </a:lvl3pPr>
-            <a:lvl4pPr marL="1600200" indent="-228600" eaLnBrk="0" hangingPunct="0">
-              <a:defRPr sz="2400">
-                <a:solidFill>
-                  <a:schemeClr val="tx1"/>
-                </a:solidFill>
-                <a:latin typeface="Arial" charset="0"/>
-                <a:ea typeface="ＭＳ Ｐゴシック" charset="0"/>
-              </a:defRPr>
-            </a:lvl4pPr>
-            <a:lvl5pPr marL="2057400" indent="-228600" eaLnBrk="0" hangingPunct="0">
-              <a:defRPr sz="2400">
-                <a:solidFill>
-                  <a:schemeClr val="tx1"/>
-                </a:solidFill>
-                <a:latin typeface="Arial" charset="0"/>
-                <a:ea typeface="ＭＳ Ｐゴシック" charset="0"/>
-              </a:defRPr>
-            </a:lvl5pPr>
-            <a:lvl6pPr marL="2514600" indent="-228600" eaLnBrk="0" fontAlgn="base" hangingPunct="0">
-              <a:spcBef>
-                <a:spcPct val="0"/>
-              </a:spcBef>
-              <a:spcAft>
-                <a:spcPct val="0"/>
-              </a:spcAft>
-              <a:defRPr sz="2400">
-                <a:solidFill>
-                  <a:schemeClr val="tx1"/>
-                </a:solidFill>
-                <a:latin typeface="Arial" charset="0"/>
-                <a:ea typeface="ＭＳ Ｐゴシック" charset="0"/>
-              </a:defRPr>
-            </a:lvl6pPr>
-            <a:lvl7pPr marL="2971800" indent="-228600" eaLnBrk="0" fontAlgn="base" hangingPunct="0">
-              <a:spcBef>
-                <a:spcPct val="0"/>
-              </a:spcBef>
-              <a:spcAft>
-                <a:spcPct val="0"/>
-              </a:spcAft>
-              <a:defRPr sz="2400">
-                <a:solidFill>
-                  <a:schemeClr val="tx1"/>
-                </a:solidFill>
-                <a:latin typeface="Arial" charset="0"/>
-                <a:ea typeface="ＭＳ Ｐゴシック" charset="0"/>
-              </a:defRPr>
-            </a:lvl7pPr>
-            <a:lvl8pPr marL="3429000" indent="-228600" eaLnBrk="0" fontAlgn="base" hangingPunct="0">
-              <a:spcBef>
-                <a:spcPct val="0"/>
-              </a:spcBef>
-              <a:spcAft>
-                <a:spcPct val="0"/>
-              </a:spcAft>
-              <a:defRPr sz="2400">
-                <a:solidFill>
-                  <a:schemeClr val="tx1"/>
-                </a:solidFill>
-                <a:latin typeface="Arial" charset="0"/>
-                <a:ea typeface="ＭＳ Ｐゴシック" charset="0"/>
-              </a:defRPr>
-            </a:lvl8pPr>
-            <a:lvl9pPr marL="3886200" indent="-228600" eaLnBrk="0" fontAlgn="base" hangingPunct="0">
-              <a:spcBef>
-                <a:spcPct val="0"/>
-              </a:spcBef>
-              <a:spcAft>
-                <a:spcPct val="0"/>
-              </a:spcAft>
-              <a:defRPr sz="2400">
-                <a:solidFill>
-                  <a:schemeClr val="tx1"/>
-                </a:solidFill>
-                <a:latin typeface="Arial" charset="0"/>
-                <a:ea typeface="ＭＳ Ｐゴシック" charset="0"/>
-              </a:defRPr>
-            </a:lvl9pPr>
-          </a:lstStyle>
-          <a:p>
-            <a:pPr eaLnBrk="1" hangingPunct="1"/>
-            <a:fld id="{FA14D0B7-6444-3B4F-B6D9-1161969E1B4F}" type="slidenum">
-              <a:rPr lang="en-US" sz="1300">
-                <a:latin typeface="Calibri" charset="0"/>
-              </a:rPr>
-              <a:pPr eaLnBrk="1" hangingPunct="1"/>
-              <a:t>10</a:t>
-            </a:fld>
-            <a:endParaRPr lang="en-US" sz="1300">
-              <a:latin typeface="Calibri" charset="0"/>
-            </a:endParaRPr>
-          </a:p>
-        </p:txBody>
-      </p:sp>
-    </p:spTree>
-  </p:cSld>
-  <p:clrMapOvr>
-    <a:masterClrMapping/>
-  </p:clrMapOvr>
-</p:notes>
-</file>
-
-<file path=ppt/notesSlides/notesSlide9.xml><?xml version="1.0" encoding="utf-8"?>
-<p:notes xmlns:a="http://schemas.openxmlformats.org/drawingml/2006/main" xmlns:r="http://schemas.openxmlformats.org/officeDocument/2006/relationships" xmlns:p="http://schemas.openxmlformats.org/presentationml/2006/main">
-  <p:cSld>
-    <p:spTree>
-      <p:nvGrpSpPr>
-        <p:cNvPr id="1" name=""/>
-        <p:cNvGrpSpPr/>
-        <p:nvPr/>
-      </p:nvGrpSpPr>
-      <p:grpSpPr>
-        <a:xfrm>
-          <a:off x="0" y="0"/>
-          <a:ext cx="0" cy="0"/>
-          <a:chOff x="0" y="0"/>
-          <a:chExt cx="0" cy="0"/>
-        </a:xfrm>
-      </p:grpSpPr>
-      <p:sp>
-        <p:nvSpPr>
-          <p:cNvPr id="32769" name="Slide Image Placeholder 1"/>
-          <p:cNvSpPr>
-            <a:spLocks noGrp="1" noRot="1" noChangeAspect="1"/>
-          </p:cNvSpPr>
-          <p:nvPr>
-            <p:ph type="sldImg"/>
-          </p:nvPr>
-        </p:nvSpPr>
-        <p:spPr bwMode="auto">
-          <a:noFill/>
-          <a:ln>
-            <a:solidFill>
-              <a:srgbClr val="000000"/>
-            </a:solidFill>
-            <a:miter lim="800000"/>
-            <a:headEnd/>
-            <a:tailEnd/>
-          </a:ln>
-          <a:extLst>
-            <a:ext uri="{909E8E84-426E-40dd-AFC4-6F175D3DCCD1}">
-              <a14:hiddenFill xmlns:a14="http://schemas.microsoft.com/office/drawing/2010/main">
-                <a:solidFill>
-                  <a:srgbClr val="FFFFFF"/>
-                </a:solidFill>
-              </a14:hiddenFill>
-            </a:ext>
-            <a:ext uri="{FAA26D3D-D897-4be2-8F04-BA451C77F1D7}">
-              <ma14:placeholderFlag xmlns:ma14="http://schemas.microsoft.com/office/mac/drawingml/2011/main" val="1"/>
-            </a:ext>
-          </a:extLst>
-        </p:spPr>
-      </p:sp>
-      <p:sp>
-        <p:nvSpPr>
-          <p:cNvPr id="32770" name="Notes Placeholder 2"/>
-          <p:cNvSpPr>
-            <a:spLocks noGrp="1"/>
-          </p:cNvSpPr>
-          <p:nvPr>
-            <p:ph type="body" idx="1"/>
-          </p:nvPr>
-        </p:nvSpPr>
-        <p:spPr bwMode="auto">
-          <a:noFill/>
-          <a:extLst>
-            <a:ext uri="{909E8E84-426E-40dd-AFC4-6F175D3DCCD1}">
-              <a14:hiddenFill xmlns:a14="http://schemas.microsoft.com/office/drawing/2010/main">
-                <a:solidFill>
-                  <a:srgbClr val="FFFFFF"/>
-                </a:solidFill>
-              </a14:hiddenFill>
-            </a:ext>
-            <a:ext uri="{91240B29-F687-4f45-9708-019B960494DF}">
-              <a14:hiddenLine xmlns:a14="http://schemas.microsoft.com/office/drawing/2010/main" w="9525">
-                <a:solidFill>
-                  <a:srgbClr val="000000"/>
-                </a:solidFill>
-                <a:miter lim="800000"/>
-                <a:headEnd/>
-                <a:tailEnd/>
-              </a14:hiddenLine>
-            </a:ext>
-            <a:ext uri="{FAA26D3D-D897-4be2-8F04-BA451C77F1D7}">
-              <ma14:placeholderFlag xmlns:ma14="http://schemas.microsoft.com/office/mac/drawingml/2011/main" val="1"/>
-            </a:ext>
-          </a:extLst>
-        </p:spPr>
-        <p:txBody>
-          <a:bodyPr wrap="square" numCol="1" anchor="t" anchorCtr="0" compatLnSpc="1">
-            <a:prstTxWarp prst="textNoShape">
-              <a:avLst/>
-            </a:prstTxWarp>
-          </a:bodyPr>
-          <a:lstStyle/>
-          <a:p>
-            <a:endParaRPr lang="en-US">
-              <a:latin typeface="Calibri" charset="0"/>
-              <a:ea typeface="ＭＳ Ｐゴシック" charset="0"/>
-              <a:cs typeface="ＭＳ Ｐゴシック" charset="0"/>
-            </a:endParaRPr>
-          </a:p>
-        </p:txBody>
-      </p:sp>
-      <p:sp>
-        <p:nvSpPr>
-          <p:cNvPr id="32771" name="Slide Number Placeholder 3"/>
-          <p:cNvSpPr>
-            <a:spLocks noGrp="1"/>
-          </p:cNvSpPr>
-          <p:nvPr>
-            <p:ph type="sldNum" sz="quarter" idx="5"/>
-          </p:nvPr>
-        </p:nvSpPr>
-        <p:spPr bwMode="auto">
-          <a:noFill/>
-          <a:extLst>
-            <a:ext uri="{909E8E84-426E-40dd-AFC4-6F175D3DCCD1}">
-              <a14:hiddenFill xmlns:a14="http://schemas.microsoft.com/office/drawing/2010/main">
-                <a:solidFill>
-                  <a:srgbClr val="FFFFFF"/>
-                </a:solidFill>
-              </a14:hiddenFill>
-            </a:ext>
-            <a:ext uri="{91240B29-F687-4f45-9708-019B960494DF}">
-              <a14:hiddenLine xmlns:a14="http://schemas.microsoft.com/office/drawing/2010/main" w="9525">
-                <a:solidFill>
-                  <a:srgbClr val="000000"/>
-                </a:solidFill>
-                <a:miter lim="800000"/>
-                <a:headEnd/>
-                <a:tailEnd/>
-              </a14:hiddenLine>
-            </a:ext>
-          </a:extLst>
-        </p:spPr>
-        <p:txBody>
-          <a:bodyPr/>
-          <a:lstStyle>
-            <a:lvl1pPr eaLnBrk="0" hangingPunct="0">
-              <a:defRPr sz="2400">
-                <a:solidFill>
-                  <a:schemeClr val="tx1"/>
-                </a:solidFill>
-                <a:latin typeface="Arial" charset="0"/>
-                <a:ea typeface="ＭＳ Ｐゴシック" charset="0"/>
-                <a:cs typeface="ＭＳ Ｐゴシック" charset="0"/>
-              </a:defRPr>
-            </a:lvl1pPr>
-            <a:lvl2pPr marL="742950" indent="-285750" eaLnBrk="0" hangingPunct="0">
-              <a:defRPr sz="2400">
-                <a:solidFill>
-                  <a:schemeClr val="tx1"/>
-                </a:solidFill>
-                <a:latin typeface="Arial" charset="0"/>
-                <a:ea typeface="ＭＳ Ｐゴシック" charset="0"/>
-              </a:defRPr>
-            </a:lvl2pPr>
-            <a:lvl3pPr marL="1143000" indent="-228600" eaLnBrk="0" hangingPunct="0">
-              <a:defRPr sz="2400">
-                <a:solidFill>
-                  <a:schemeClr val="tx1"/>
-                </a:solidFill>
-                <a:latin typeface="Arial" charset="0"/>
-                <a:ea typeface="ＭＳ Ｐゴシック" charset="0"/>
-              </a:defRPr>
-            </a:lvl3pPr>
-            <a:lvl4pPr marL="1600200" indent="-228600" eaLnBrk="0" hangingPunct="0">
-              <a:defRPr sz="2400">
-                <a:solidFill>
-                  <a:schemeClr val="tx1"/>
-                </a:solidFill>
-                <a:latin typeface="Arial" charset="0"/>
-                <a:ea typeface="ＭＳ Ｐゴシック" charset="0"/>
-              </a:defRPr>
-            </a:lvl4pPr>
-            <a:lvl5pPr marL="2057400" indent="-228600" eaLnBrk="0" hangingPunct="0">
-              <a:defRPr sz="2400">
-                <a:solidFill>
-                  <a:schemeClr val="tx1"/>
-                </a:solidFill>
-                <a:latin typeface="Arial" charset="0"/>
-                <a:ea typeface="ＭＳ Ｐゴシック" charset="0"/>
-              </a:defRPr>
-            </a:lvl5pPr>
-            <a:lvl6pPr marL="2514600" indent="-228600" eaLnBrk="0" fontAlgn="base" hangingPunct="0">
-              <a:spcBef>
-                <a:spcPct val="0"/>
-              </a:spcBef>
-              <a:spcAft>
-                <a:spcPct val="0"/>
-              </a:spcAft>
-              <a:defRPr sz="2400">
-                <a:solidFill>
-                  <a:schemeClr val="tx1"/>
-                </a:solidFill>
-                <a:latin typeface="Arial" charset="0"/>
-                <a:ea typeface="ＭＳ Ｐゴシック" charset="0"/>
-              </a:defRPr>
-            </a:lvl6pPr>
-            <a:lvl7pPr marL="2971800" indent="-228600" eaLnBrk="0" fontAlgn="base" hangingPunct="0">
-              <a:spcBef>
-                <a:spcPct val="0"/>
-              </a:spcBef>
-              <a:spcAft>
-                <a:spcPct val="0"/>
-              </a:spcAft>
-              <a:defRPr sz="2400">
-                <a:solidFill>
-                  <a:schemeClr val="tx1"/>
-                </a:solidFill>
-                <a:latin typeface="Arial" charset="0"/>
-                <a:ea typeface="ＭＳ Ｐゴシック" charset="0"/>
-              </a:defRPr>
-            </a:lvl7pPr>
-            <a:lvl8pPr marL="3429000" indent="-228600" eaLnBrk="0" fontAlgn="base" hangingPunct="0">
-              <a:spcBef>
-                <a:spcPct val="0"/>
-              </a:spcBef>
-              <a:spcAft>
-                <a:spcPct val="0"/>
-              </a:spcAft>
-              <a:defRPr sz="2400">
-                <a:solidFill>
-                  <a:schemeClr val="tx1"/>
-                </a:solidFill>
-                <a:latin typeface="Arial" charset="0"/>
-                <a:ea typeface="ＭＳ Ｐゴシック" charset="0"/>
-              </a:defRPr>
-            </a:lvl8pPr>
-            <a:lvl9pPr marL="3886200" indent="-228600" eaLnBrk="0" fontAlgn="base" hangingPunct="0">
-              <a:spcBef>
-                <a:spcPct val="0"/>
-              </a:spcBef>
-              <a:spcAft>
-                <a:spcPct val="0"/>
-              </a:spcAft>
-              <a:defRPr sz="2400">
-                <a:solidFill>
-                  <a:schemeClr val="tx1"/>
-                </a:solidFill>
-                <a:latin typeface="Arial" charset="0"/>
-                <a:ea typeface="ＭＳ Ｐゴシック" charset="0"/>
-              </a:defRPr>
-            </a:lvl9pPr>
-          </a:lstStyle>
-          <a:p>
-            <a:pPr eaLnBrk="1" hangingPunct="1"/>
-            <a:fld id="{B7C34CE4-4685-5149-89F2-9FD0582F0AB7}" type="slidenum">
-              <a:rPr lang="en-US" sz="1300">
-                <a:latin typeface="Calibri" charset="0"/>
-              </a:rPr>
-              <a:pPr eaLnBrk="1" hangingPunct="1"/>
-              <a:t>11</a:t>
-            </a:fld>
-            <a:endParaRPr lang="en-US" sz="1300">
-              <a:latin typeface="Calibri" charset="0"/>
             </a:endParaRPr>
           </a:p>
         </p:txBody>
@@ -3286,7 +2199,7 @@
     </p:spTree>
     <p:extLst>
       <p:ext uri="{BB962C8B-B14F-4D97-AF65-F5344CB8AC3E}">
-        <p14:creationId xmlns:p14="http://schemas.microsoft.com/office/powerpoint/2010/main" val="3137782509"/>
+        <p14:creationId xmlns:p14="http://schemas.microsoft.com/office/powerpoint/2010/main" val="1678810967"/>
       </p:ext>
     </p:extLst>
   </p:cSld>
@@ -3783,7 +2696,7 @@
     </p:spTree>
     <p:extLst>
       <p:ext uri="{BB962C8B-B14F-4D97-AF65-F5344CB8AC3E}">
-        <p14:creationId xmlns:p14="http://schemas.microsoft.com/office/powerpoint/2010/main" val="1687939397"/>
+        <p14:creationId xmlns:p14="http://schemas.microsoft.com/office/powerpoint/2010/main" val="1219821176"/>
       </p:ext>
     </p:extLst>
   </p:cSld>
@@ -4192,7 +3105,7 @@
     </p:spTree>
     <p:extLst>
       <p:ext uri="{BB962C8B-B14F-4D97-AF65-F5344CB8AC3E}">
-        <p14:creationId xmlns:p14="http://schemas.microsoft.com/office/powerpoint/2010/main" val="2968431732"/>
+        <p14:creationId xmlns:p14="http://schemas.microsoft.com/office/powerpoint/2010/main" val="22528860"/>
       </p:ext>
     </p:extLst>
   </p:cSld>
@@ -4777,7 +3690,7 @@
     </p:spTree>
     <p:extLst>
       <p:ext uri="{BB962C8B-B14F-4D97-AF65-F5344CB8AC3E}">
-        <p14:creationId xmlns:p14="http://schemas.microsoft.com/office/powerpoint/2010/main" val="2139946233"/>
+        <p14:creationId xmlns:p14="http://schemas.microsoft.com/office/powerpoint/2010/main" val="1085592759"/>
       </p:ext>
     </p:extLst>
   </p:cSld>
@@ -5239,7 +4152,7 @@
     </p:spTree>
     <p:extLst>
       <p:ext uri="{BB962C8B-B14F-4D97-AF65-F5344CB8AC3E}">
-        <p14:creationId xmlns:p14="http://schemas.microsoft.com/office/powerpoint/2010/main" val="2866573443"/>
+        <p14:creationId xmlns:p14="http://schemas.microsoft.com/office/powerpoint/2010/main" val="2213001308"/>
       </p:ext>
     </p:extLst>
   </p:cSld>
@@ -5460,12 +4373,12 @@
             <a:pPr>
               <a:defRPr/>
             </a:pPr>
-            <a:fld id="{A1637B03-6D8A-7945-8CC2-92B5E21C10BE}" type="datetime1">
+            <a:fld id="{B575DCB9-CCFA-024B-8781-22736FE723FD}" type="datetime1">
               <a:rPr lang="en-US"/>
               <a:pPr>
                 <a:defRPr/>
               </a:pPr>
-              <a:t>11/15/14</a:t>
+              <a:t>11/16/14</a:t>
             </a:fld>
             <a:endParaRPr lang="en-US"/>
           </a:p>
@@ -5553,7 +4466,7 @@
             <a:pPr>
               <a:defRPr/>
             </a:pPr>
-            <a:fld id="{49544189-5766-B744-B718-2AE68FF06676}" type="slidenum">
+            <a:fld id="{DC090146-E435-DE46-844D-F5BC5EBEFB92}" type="slidenum">
               <a:rPr lang="en-US"/>
               <a:pPr>
                 <a:defRPr/>
@@ -6221,460 +5134,6 @@
       </p:grpSpPr>
       <p:sp>
         <p:nvSpPr>
-          <p:cNvPr id="29697" name="Title 1"/>
-          <p:cNvSpPr>
-            <a:spLocks noGrp="1"/>
-          </p:cNvSpPr>
-          <p:nvPr>
-            <p:ph type="title"/>
-          </p:nvPr>
-        </p:nvSpPr>
-        <p:spPr>
-          <a:xfrm>
-            <a:off x="152400" y="44450"/>
-            <a:ext cx="8839200" cy="1143000"/>
-          </a:xfrm>
-        </p:spPr>
-        <p:txBody>
-          <a:bodyPr/>
-          <a:lstStyle/>
-          <a:p>
-            <a:r>
-              <a:rPr lang="en-US" sz="3600">
-                <a:latin typeface="Calibri" charset="0"/>
-                <a:ea typeface="ＭＳ Ｐゴシック" charset="0"/>
-              </a:rPr>
-              <a:t>12b. Summarize and visualize results</a:t>
-            </a:r>
-            <a:br>
-              <a:rPr lang="en-US" sz="3600">
-                <a:latin typeface="Calibri" charset="0"/>
-                <a:ea typeface="ＭＳ Ｐゴシック" charset="0"/>
-              </a:rPr>
-            </a:br>
-            <a:r>
-              <a:rPr lang="en-US" sz="3600">
-                <a:latin typeface="Calibri" charset="0"/>
-                <a:ea typeface="ＭＳ Ｐゴシック" charset="0"/>
-              </a:rPr>
-              <a:t>(optional)</a:t>
-            </a:r>
-          </a:p>
-        </p:txBody>
-      </p:sp>
-      <p:sp>
-        <p:nvSpPr>
-          <p:cNvPr id="29698" name="Content Placeholder 2"/>
-          <p:cNvSpPr>
-            <a:spLocks noGrp="1"/>
-          </p:cNvSpPr>
-          <p:nvPr>
-            <p:ph idx="1"/>
-          </p:nvPr>
-        </p:nvSpPr>
-        <p:spPr>
-          <a:xfrm>
-            <a:off x="152400" y="1268413"/>
-            <a:ext cx="8839200" cy="5056187"/>
-          </a:xfrm>
-        </p:spPr>
-        <p:txBody>
-          <a:bodyPr/>
-          <a:lstStyle/>
-          <a:p>
-            <a:pPr>
-              <a:lnSpc>
-                <a:spcPct val="90000"/>
-              </a:lnSpc>
-            </a:pPr>
-            <a:r>
-              <a:rPr lang="en-US" sz="2600">
-                <a:latin typeface="Calibri" charset="0"/>
-                <a:ea typeface="ＭＳ Ｐゴシック" charset="0"/>
-              </a:rPr>
-              <a:t>In this step we will use R to summarize and visualize the results of the previous steps</a:t>
-            </a:r>
-          </a:p>
-          <a:p>
-            <a:pPr marL="342900" lvl="1" indent="-342900">
-              <a:lnSpc>
-                <a:spcPct val="90000"/>
-              </a:lnSpc>
-              <a:buFont typeface="Arial" charset="0"/>
-              <a:buChar char="•"/>
-            </a:pPr>
-            <a:r>
-              <a:rPr lang="en-US" sz="2200">
-                <a:latin typeface="Calibri" charset="0"/>
-                <a:ea typeface="ＭＳ Ｐゴシック" charset="0"/>
-              </a:rPr>
-              <a:t>Explanation of the R commands is provided in a separate tutorial file </a:t>
-            </a:r>
-            <a:r>
-              <a:rPr lang="ja-JP" altLang="en-US" sz="2200">
-                <a:latin typeface="Calibri" charset="0"/>
-                <a:ea typeface="ＭＳ Ｐゴシック" charset="0"/>
-              </a:rPr>
-              <a:t>‘</a:t>
-            </a:r>
-            <a:r>
-              <a:rPr lang="en-US" altLang="ja-JP" sz="2200" b="1">
-                <a:latin typeface="Calibri" charset="0"/>
-                <a:ea typeface="ＭＳ Ｐゴシック" charset="0"/>
-              </a:rPr>
-              <a:t>Tutorial_Module3_Part3_Supplementary_R.R</a:t>
-            </a:r>
-            <a:r>
-              <a:rPr lang="ja-JP" altLang="en-US" sz="2200">
-                <a:latin typeface="Calibri" charset="0"/>
-                <a:ea typeface="ＭＳ Ｐゴシック" charset="0"/>
-              </a:rPr>
-              <a:t>’</a:t>
-            </a:r>
-            <a:endParaRPr lang="en-US" altLang="ja-JP" sz="2200">
-              <a:latin typeface="Calibri" charset="0"/>
-              <a:ea typeface="ＭＳ Ｐゴシック" charset="0"/>
-            </a:endParaRPr>
-          </a:p>
-          <a:p>
-            <a:pPr>
-              <a:lnSpc>
-                <a:spcPct val="90000"/>
-              </a:lnSpc>
-            </a:pPr>
-            <a:r>
-              <a:rPr lang="en-US" sz="2600">
-                <a:latin typeface="Calibri" charset="0"/>
-                <a:ea typeface="ＭＳ Ｐゴシック" charset="0"/>
-              </a:rPr>
-              <a:t>Examples of the tasks performed:</a:t>
-            </a:r>
-          </a:p>
-          <a:p>
-            <a:pPr marL="342900" lvl="1" indent="-342900">
-              <a:lnSpc>
-                <a:spcPct val="90000"/>
-              </a:lnSpc>
-            </a:pPr>
-            <a:r>
-              <a:rPr lang="en-US" sz="2200">
-                <a:latin typeface="Calibri" charset="0"/>
-                <a:ea typeface="ＭＳ Ｐゴシック" charset="0"/>
-              </a:rPr>
-              <a:t>Examine the expression estimates</a:t>
-            </a:r>
-          </a:p>
-          <a:p>
-            <a:pPr lvl="2">
-              <a:lnSpc>
-                <a:spcPct val="90000"/>
-              </a:lnSpc>
-            </a:pPr>
-            <a:r>
-              <a:rPr lang="en-US" sz="1900">
-                <a:latin typeface="Calibri" charset="0"/>
-                <a:ea typeface="ＭＳ Ｐゴシック" charset="0"/>
-              </a:rPr>
-              <a:t>How reproducible are the technical replicates?  </a:t>
-            </a:r>
-          </a:p>
-          <a:p>
-            <a:pPr lvl="2">
-              <a:lnSpc>
-                <a:spcPct val="90000"/>
-              </a:lnSpc>
-            </a:pPr>
-            <a:r>
-              <a:rPr lang="en-US" sz="1900">
-                <a:latin typeface="Calibri" charset="0"/>
-                <a:ea typeface="ＭＳ Ｐゴシック" charset="0"/>
-              </a:rPr>
-              <a:t>How well do the different library construction methods correlate? </a:t>
-            </a:r>
-          </a:p>
-          <a:p>
-            <a:pPr lvl="2">
-              <a:lnSpc>
-                <a:spcPct val="90000"/>
-              </a:lnSpc>
-            </a:pPr>
-            <a:r>
-              <a:rPr lang="en-US" sz="1900">
-                <a:latin typeface="Calibri" charset="0"/>
-                <a:ea typeface="ＭＳ Ｐゴシック" charset="0"/>
-              </a:rPr>
-              <a:t>Visualize the differences between/among replicates, library prep methods and tumor versus normal</a:t>
-            </a:r>
-          </a:p>
-          <a:p>
-            <a:pPr marL="342900" lvl="1" indent="-342900">
-              <a:lnSpc>
-                <a:spcPct val="90000"/>
-              </a:lnSpc>
-            </a:pPr>
-            <a:r>
-              <a:rPr lang="en-US" sz="2200">
-                <a:latin typeface="Calibri" charset="0"/>
-                <a:ea typeface="ＭＳ Ｐゴシック" charset="0"/>
-              </a:rPr>
-              <a:t>Examine the differential expression estimates</a:t>
-            </a:r>
-          </a:p>
-          <a:p>
-            <a:pPr lvl="2">
-              <a:lnSpc>
-                <a:spcPct val="90000"/>
-              </a:lnSpc>
-            </a:pPr>
-            <a:r>
-              <a:rPr lang="en-US" sz="1900">
-                <a:latin typeface="Calibri" charset="0"/>
-                <a:ea typeface="ＭＳ Ｐゴシック" charset="0"/>
-              </a:rPr>
-              <a:t>Visualize the expression estimates and highlight those genes that appear to be differentially expressed according to cuffdiff</a:t>
-            </a:r>
-          </a:p>
-          <a:p>
-            <a:pPr lvl="2">
-              <a:lnSpc>
-                <a:spcPct val="90000"/>
-              </a:lnSpc>
-            </a:pPr>
-            <a:r>
-              <a:rPr lang="en-US" sz="1900">
-                <a:latin typeface="Calibri" charset="0"/>
-                <a:ea typeface="ＭＳ Ｐゴシック" charset="0"/>
-              </a:rPr>
-              <a:t>Generate a list of the top differentially expressed genes</a:t>
-            </a:r>
-          </a:p>
-          <a:p>
-            <a:pPr>
-              <a:lnSpc>
-                <a:spcPct val="90000"/>
-              </a:lnSpc>
-            </a:pPr>
-            <a:endParaRPr lang="en-US" sz="2600">
-              <a:latin typeface="Calibri" charset="0"/>
-              <a:ea typeface="ＭＳ Ｐゴシック" charset="0"/>
-            </a:endParaRPr>
-          </a:p>
-          <a:p>
-            <a:pPr>
-              <a:lnSpc>
-                <a:spcPct val="90000"/>
-              </a:lnSpc>
-            </a:pPr>
-            <a:endParaRPr lang="en-US" sz="2600">
-              <a:latin typeface="Calibri" charset="0"/>
-              <a:ea typeface="ＭＳ Ｐゴシック" charset="0"/>
-            </a:endParaRPr>
-          </a:p>
-        </p:txBody>
-      </p:sp>
-    </p:spTree>
-    <p:extLst>
-      <p:ext uri="{BB962C8B-B14F-4D97-AF65-F5344CB8AC3E}">
-        <p14:creationId xmlns:p14="http://schemas.microsoft.com/office/powerpoint/2010/main" val="1491372023"/>
-      </p:ext>
-    </p:extLst>
-  </p:cSld>
-  <p:clrMapOvr>
-    <a:masterClrMapping/>
-  </p:clrMapOvr>
-  <p:timing>
-    <p:tnLst>
-      <p:par>
-        <p:cTn xmlns:p14="http://schemas.microsoft.com/office/powerpoint/2010/main" id="1" dur="indefinite" restart="never" nodeType="tmRoot"/>
-      </p:par>
-    </p:tnLst>
-  </p:timing>
-</p:sld>
-</file>
-
-<file path=ppt/slides/slide11.xml><?xml version="1.0" encoding="utf-8"?>
-<p:sld xmlns:a="http://schemas.openxmlformats.org/drawingml/2006/main" xmlns:r="http://schemas.openxmlformats.org/officeDocument/2006/relationships" xmlns:p="http://schemas.openxmlformats.org/presentationml/2006/main">
-  <p:cSld>
-    <p:spTree>
-      <p:nvGrpSpPr>
-        <p:cNvPr id="1" name=""/>
-        <p:cNvGrpSpPr/>
-        <p:nvPr/>
-      </p:nvGrpSpPr>
-      <p:grpSpPr>
-        <a:xfrm>
-          <a:off x="0" y="0"/>
-          <a:ext cx="0" cy="0"/>
-          <a:chOff x="0" y="0"/>
-          <a:chExt cx="0" cy="0"/>
-        </a:xfrm>
-      </p:grpSpPr>
-      <p:sp>
-        <p:nvSpPr>
-          <p:cNvPr id="31745" name="Title 1"/>
-          <p:cNvSpPr>
-            <a:spLocks noGrp="1"/>
-          </p:cNvSpPr>
-          <p:nvPr>
-            <p:ph type="title"/>
-          </p:nvPr>
-        </p:nvSpPr>
-        <p:spPr>
-          <a:xfrm>
-            <a:off x="152400" y="44450"/>
-            <a:ext cx="8839200" cy="1143000"/>
-          </a:xfrm>
-        </p:spPr>
-        <p:txBody>
-          <a:bodyPr/>
-          <a:lstStyle/>
-          <a:p>
-            <a:r>
-              <a:rPr lang="en-US" sz="3200">
-                <a:latin typeface="Calibri" charset="0"/>
-                <a:ea typeface="ＭＳ Ｐゴシック" charset="0"/>
-              </a:rPr>
-              <a:t>12c/d. Perform differential expression analysis with edgeR using htseq output (optional)</a:t>
-            </a:r>
-          </a:p>
-        </p:txBody>
-      </p:sp>
-      <p:sp>
-        <p:nvSpPr>
-          <p:cNvPr id="31746" name="Content Placeholder 2"/>
-          <p:cNvSpPr>
-            <a:spLocks noGrp="1"/>
-          </p:cNvSpPr>
-          <p:nvPr>
-            <p:ph idx="1"/>
-          </p:nvPr>
-        </p:nvSpPr>
-        <p:spPr>
-          <a:xfrm>
-            <a:off x="152400" y="1268413"/>
-            <a:ext cx="8839200" cy="5056187"/>
-          </a:xfrm>
-        </p:spPr>
-        <p:txBody>
-          <a:bodyPr/>
-          <a:lstStyle/>
-          <a:p>
-            <a:pPr>
-              <a:lnSpc>
-                <a:spcPct val="90000"/>
-              </a:lnSpc>
-            </a:pPr>
-            <a:r>
-              <a:rPr lang="en-US" sz="2600">
-                <a:latin typeface="Calibri" charset="0"/>
-                <a:ea typeface="ＭＳ Ｐゴシック" charset="0"/>
-              </a:rPr>
-              <a:t>Make use of raw counts generated by htseq-count</a:t>
-            </a:r>
-          </a:p>
-          <a:p>
-            <a:pPr>
-              <a:lnSpc>
-                <a:spcPct val="90000"/>
-              </a:lnSpc>
-            </a:pPr>
-            <a:r>
-              <a:rPr lang="en-US" sz="2600">
-                <a:latin typeface="Calibri" charset="0"/>
-                <a:ea typeface="ＭＳ Ｐゴシック" charset="0"/>
-              </a:rPr>
-              <a:t>Load into R and process with edgeR package</a:t>
-            </a:r>
-          </a:p>
-          <a:p>
-            <a:pPr>
-              <a:lnSpc>
-                <a:spcPct val="90000"/>
-              </a:lnSpc>
-            </a:pPr>
-            <a:r>
-              <a:rPr lang="en-US" sz="2600">
-                <a:latin typeface="Calibri" charset="0"/>
-                <a:ea typeface="ＭＳ Ｐゴシック" charset="0"/>
-              </a:rPr>
-              <a:t>Compare significantly differentially expressed genes from two methods</a:t>
-            </a:r>
-          </a:p>
-          <a:p>
-            <a:pPr>
-              <a:lnSpc>
-                <a:spcPct val="90000"/>
-              </a:lnSpc>
-            </a:pPr>
-            <a:endParaRPr lang="en-US" sz="2600">
-              <a:latin typeface="Calibri" charset="0"/>
-              <a:ea typeface="ＭＳ Ｐゴシック" charset="0"/>
-            </a:endParaRPr>
-          </a:p>
-        </p:txBody>
-      </p:sp>
-      <p:pic>
-        <p:nvPicPr>
-          <p:cNvPr id="2" name="Picture 1"/>
-          <p:cNvPicPr>
-            <a:picLocks noChangeAspect="1"/>
-          </p:cNvPicPr>
-          <p:nvPr/>
-        </p:nvPicPr>
-        <p:blipFill rotWithShape="1">
-          <a:blip r:embed="rId3"/>
-          <a:srcRect l="10528" t="20392" r="10234" b="25227"/>
-          <a:stretch/>
-        </p:blipFill>
-        <p:spPr>
-          <a:xfrm>
-            <a:off x="2162187" y="2780928"/>
-            <a:ext cx="4930093" cy="3383473"/>
-          </a:xfrm>
-          <a:prstGeom prst="rect">
-            <a:avLst/>
-          </a:prstGeom>
-        </p:spPr>
-      </p:pic>
-    </p:spTree>
-    <p:extLst>
-      <p:ext uri="{BB962C8B-B14F-4D97-AF65-F5344CB8AC3E}">
-        <p14:creationId xmlns:p14="http://schemas.microsoft.com/office/powerpoint/2010/main" val="1929787302"/>
-      </p:ext>
-    </p:extLst>
-  </p:cSld>
-  <p:clrMapOvr>
-    <a:masterClrMapping/>
-  </p:clrMapOvr>
-  <p:timing>
-    <p:tnLst>
-      <p:par>
-        <p:cTn xmlns:p14="http://schemas.microsoft.com/office/powerpoint/2010/main" id="1" dur="indefinite" restart="never" nodeType="tmRoot"/>
-      </p:par>
-    </p:tnLst>
-  </p:timing>
-</p:sld>
-</file>
-
-<file path=ppt/slides/slide12.xml><?xml version="1.0" encoding="utf-8"?>
-<p:sld xmlns:a="http://schemas.openxmlformats.org/drawingml/2006/main" xmlns:r="http://schemas.openxmlformats.org/officeDocument/2006/relationships" xmlns:p="http://schemas.openxmlformats.org/presentationml/2006/main">
-  <p:cSld>
-    <p:spTree>
-      <p:nvGrpSpPr>
-        <p:cNvPr id="1" name=""/>
-        <p:cNvGrpSpPr/>
-        <p:nvPr/>
-      </p:nvGrpSpPr>
-      <p:grpSpPr>
-        <a:xfrm>
-          <a:off x="0" y="0"/>
-          <a:ext cx="0" cy="0"/>
-          <a:chOff x="0" y="0"/>
-          <a:chExt cx="0" cy="0"/>
-        </a:xfrm>
-      </p:grpSpPr>
-      <p:sp>
-        <p:nvSpPr>
           <p:cNvPr id="11265" name="Content Placeholder 3"/>
           <p:cNvSpPr>
             <a:spLocks noGrp="1"/>
@@ -7055,7 +5514,27 @@
                 <a:latin typeface="Calibri" charset="0"/>
                 <a:cs typeface="Segoe UI" charset="0"/>
               </a:rPr>
-              <a:t>Module 3</a:t>
+              <a:t>Module </a:t>
+            </a:r>
+            <a:r>
+              <a:rPr lang="en-US" sz="2000" dirty="0" smtClean="0">
+                <a:solidFill>
+                  <a:schemeClr val="bg1"/>
+                </a:solidFill>
+                <a:latin typeface="Calibri" charset="0"/>
+                <a:cs typeface="Segoe UI" charset="0"/>
+              </a:rPr>
+              <a:t>3</a:t>
+            </a:r>
+            <a:r>
+              <a:rPr lang="en-US" sz="2000" dirty="0" smtClean="0">
+                <a:solidFill>
+                  <a:schemeClr val="bg1"/>
+                </a:solidFill>
+                <a:latin typeface="Calibri" charset="0"/>
+                <a:cs typeface="Segoe UI" charset="0"/>
+              </a:rPr>
+              <a:t/>
             </a:r>
             <a:br>
               <a:rPr lang="en-US" sz="2000" dirty="0" smtClean="0">
@@ -7074,7 +5553,7 @@
                 <a:latin typeface="Calibri" charset="0"/>
                 <a:cs typeface="Segoe UI" charset="0"/>
               </a:rPr>
-              <a:t>Expression and Differential Expression (tutorial)</a:t>
+              <a:t>RNA-seq alignment and visualization (tutorial)</a:t>
             </a:r>
             <a:endParaRPr lang="en-US" sz="1800" b="1" dirty="0">
               <a:solidFill>
@@ -7227,7 +5706,7 @@
       </p:grpSpPr>
       <p:sp>
         <p:nvSpPr>
-          <p:cNvPr id="15361" name="Rectangle 2"/>
+          <p:cNvPr id="12289" name="Rectangle 2"/>
           <p:cNvSpPr>
             <a:spLocks noGrp="1" noChangeArrowheads="1"/>
           </p:cNvSpPr>
@@ -7259,7 +5738,7 @@
       </p:sp>
       <p:sp>
         <p:nvSpPr>
-          <p:cNvPr id="15362" name="Content Placeholder 6"/>
+          <p:cNvPr id="12290" name="Content Placeholder 6"/>
           <p:cNvSpPr>
             <a:spLocks noGrp="1"/>
           </p:cNvSpPr>
@@ -7270,19 +5749,25 @@
         <p:spPr>
           <a:xfrm>
             <a:off x="179388" y="981075"/>
-            <a:ext cx="8839200" cy="4906963"/>
+            <a:ext cx="8856662" cy="5184775"/>
           </a:xfrm>
         </p:spPr>
         <p:txBody>
           <a:bodyPr/>
           <a:lstStyle/>
           <a:p>
+            <a:endParaRPr lang="en-US">
+              <a:latin typeface="Calibri" charset="0"/>
+              <a:ea typeface="ＭＳ Ｐゴシック" charset="0"/>
+            </a:endParaRPr>
+          </a:p>
+          <a:p>
             <a:r>
               <a:rPr lang="en-US">
                 <a:latin typeface="Calibri" charset="0"/>
                 <a:ea typeface="ＭＳ Ｐゴシック" charset="0"/>
               </a:rPr>
-              <a:t>Generate gene/transcript expression estimates with cufflinks</a:t>
+              <a:t>Run Bowtie2/TopHat2 (or STAR) with parameters suitable for gene expression analysis</a:t>
             </a:r>
           </a:p>
           <a:p>
@@ -7291,7 +5776,7 @@
                 <a:latin typeface="Calibri" charset="0"/>
                 <a:ea typeface="ＭＳ Ｐゴシック" charset="0"/>
               </a:rPr>
-              <a:t>Perform differential expression analysis with cuffmerge and cuffdiff</a:t>
+              <a:t>Use samtools to demonstrate the features of the SAM/BAM format and basic manipulation of these alignment files (view, sort, index, filter)</a:t>
             </a:r>
           </a:p>
           <a:p>
@@ -7300,27 +5785,25 @@
                 <a:latin typeface="Calibri" charset="0"/>
                 <a:ea typeface="ＭＳ Ｐゴシック" charset="0"/>
               </a:rPr>
-              <a:t>Summarize and visualize results</a:t>
-            </a:r>
-          </a:p>
-          <a:p>
-            <a:pPr lvl="1"/>
+              <a:t>Use IGV to visualize RNA-seq alignments, view a variant position, etc.</a:t>
+            </a:r>
+          </a:p>
+          <a:p>
             <a:r>
               <a:rPr lang="en-US">
                 <a:latin typeface="Calibri" charset="0"/>
                 <a:ea typeface="ＭＳ Ｐゴシック" charset="0"/>
               </a:rPr>
-              <a:t>cummeRbund</a:t>
-            </a:r>
-          </a:p>
-          <a:p>
-            <a:pPr lvl="1"/>
+              <a:t>Determine BAM-read counts at a variant position</a:t>
+            </a:r>
+          </a:p>
+          <a:p>
             <a:r>
               <a:rPr lang="en-US">
                 <a:latin typeface="Calibri" charset="0"/>
                 <a:ea typeface="ＭＳ Ｐゴシック" charset="0"/>
               </a:rPr>
-              <a:t>Old school R methods</a:t>
+              <a:t>Use samtools flagstat, samstat, FastQC to assess quality of alignments</a:t>
             </a:r>
           </a:p>
         </p:txBody>
@@ -7328,7 +5811,7 @@
     </p:spTree>
     <p:extLst>
       <p:ext uri="{BB962C8B-B14F-4D97-AF65-F5344CB8AC3E}">
-        <p14:creationId xmlns:p14="http://schemas.microsoft.com/office/powerpoint/2010/main" val="3032031053"/>
+        <p14:creationId xmlns:p14="http://schemas.microsoft.com/office/powerpoint/2010/main" val="285921979"/>
       </p:ext>
     </p:extLst>
   </p:cSld>
@@ -7364,9 +5847,9 @@
       </p:grpSpPr>
       <p:sp>
         <p:nvSpPr>
-          <p:cNvPr id="17409" name="Title 1"/>
+          <p:cNvPr id="15361" name="Rectangle 2"/>
           <p:cNvSpPr>
-            <a:spLocks noGrp="1"/>
+            <a:spLocks noGrp="1" noChangeArrowheads="1"/>
           </p:cNvSpPr>
           <p:nvPr>
             <p:ph type="title"/>
@@ -7374,27 +5857,58 @@
         </p:nvSpPr>
         <p:spPr>
           <a:xfrm>
-            <a:off x="152400" y="-26988"/>
-            <a:ext cx="8839200" cy="1143001"/>
+            <a:off x="152400" y="44450"/>
+            <a:ext cx="8839200" cy="1143000"/>
           </a:xfrm>
         </p:spPr>
         <p:txBody>
           <a:bodyPr/>
           <a:lstStyle/>
           <a:p>
-            <a:r>
-              <a:rPr lang="en-US">
-                <a:latin typeface="Calibri" charset="0"/>
-                <a:ea typeface="ＭＳ Ｐゴシック" charset="0"/>
-              </a:rPr>
-              <a:t>Tutorial files</a:t>
-            </a:r>
+            <a:pPr eaLnBrk="1" hangingPunct="1"/>
+            <a:r>
+              <a:rPr lang="en-US" altLang="ko-KR" dirty="0" smtClean="0">
+                <a:latin typeface="Calibri" charset="0"/>
+                <a:ea typeface="ＭＳ Ｐゴシック" charset="0"/>
+                <a:cs typeface="ＭＳ Ｐゴシック" charset="0"/>
+              </a:rPr>
+              <a:t>3-i</a:t>
+            </a:r>
+            <a:r>
+              <a:rPr lang="en-US" altLang="ko-KR" dirty="0" smtClean="0">
+                <a:latin typeface="Calibri" charset="0"/>
+                <a:ea typeface="ＭＳ Ｐゴシック" charset="0"/>
+                <a:cs typeface="ＭＳ Ｐゴシック" charset="0"/>
+              </a:rPr>
+              <a:t>. </a:t>
+            </a:r>
+            <a:r>
+              <a:rPr lang="en-US" altLang="ko-KR" dirty="0">
+                <a:latin typeface="Calibri" charset="0"/>
+                <a:ea typeface="ＭＳ Ｐゴシック" charset="0"/>
+                <a:cs typeface="ＭＳ Ｐゴシック" charset="0"/>
+              </a:rPr>
+              <a:t>Align reads with </a:t>
+            </a:r>
+            <a:r>
+              <a:rPr lang="en-US" altLang="ko-KR" dirty="0" err="1">
+                <a:latin typeface="Calibri" charset="0"/>
+                <a:ea typeface="ＭＳ Ｐゴシック" charset="0"/>
+                <a:cs typeface="ＭＳ Ｐゴシック" charset="0"/>
+              </a:rPr>
+              <a:t>tophat</a:t>
+            </a:r>
+            <a:endParaRPr lang="en-US" altLang="ko-KR" dirty="0">
+              <a:latin typeface="Calibri" charset="0"/>
+              <a:ea typeface="ＭＳ Ｐゴシック" charset="0"/>
+              <a:cs typeface="ＭＳ Ｐゴシック" charset="0"/>
+            </a:endParaRPr>
           </a:p>
         </p:txBody>
       </p:sp>
       <p:sp>
         <p:nvSpPr>
-          <p:cNvPr id="17410" name="Content Placeholder 2"/>
+          <p:cNvPr id="15362" name="Content Placeholder 6"/>
           <p:cNvSpPr>
             <a:spLocks noGrp="1"/>
           </p:cNvSpPr>
@@ -7404,118 +5918,203 @@
         </p:nvSpPr>
         <p:spPr>
           <a:xfrm>
-            <a:off x="152400" y="1196975"/>
-            <a:ext cx="8839200" cy="4968875"/>
+            <a:off x="152400" y="1268413"/>
+            <a:ext cx="8839200" cy="4979987"/>
           </a:xfrm>
         </p:spPr>
         <p:txBody>
           <a:bodyPr/>
           <a:lstStyle/>
           <a:p>
-            <a:r>
-              <a:rPr lang="en-US">
-                <a:latin typeface="Calibri" charset="0"/>
-                <a:ea typeface="ＭＳ Ｐゴシック" charset="0"/>
-              </a:rPr>
-              <a:t>Three parts</a:t>
-            </a:r>
-          </a:p>
-          <a:p>
-            <a:pPr lvl="1"/>
-            <a:r>
-              <a:rPr lang="en-US" b="1">
-                <a:latin typeface="Calibri" charset="0"/>
-                <a:ea typeface="ＭＳ Ｐゴシック" charset="0"/>
-              </a:rPr>
-              <a:t>Tutorial_Module3_Part1_Linux.txt</a:t>
-            </a:r>
-          </a:p>
-          <a:p>
-            <a:pPr lvl="2"/>
-            <a:r>
-              <a:rPr lang="en-US">
-                <a:latin typeface="Calibri" charset="0"/>
-                <a:ea typeface="ＭＳ Ｐゴシック" charset="0"/>
-              </a:rPr>
-              <a:t>Use Cufflinks to generate expression estimates</a:t>
-            </a:r>
-          </a:p>
-          <a:p>
-            <a:pPr lvl="2"/>
-            <a:r>
-              <a:rPr lang="en-US">
-                <a:latin typeface="Calibri" charset="0"/>
-                <a:ea typeface="ＭＳ Ｐゴシック" charset="0"/>
-              </a:rPr>
-              <a:t>Use Cuffmerge and Cuffdiff to compare tumor and normal conditions</a:t>
-            </a:r>
-          </a:p>
-          <a:p>
-            <a:pPr lvl="1"/>
-            <a:r>
-              <a:rPr lang="en-US" b="1">
-                <a:latin typeface="Calibri" charset="0"/>
-                <a:ea typeface="ＭＳ Ｐゴシック" charset="0"/>
-              </a:rPr>
-              <a:t>Tutorial_Module3_Part2_CummeRbund.txt</a:t>
-            </a:r>
-          </a:p>
-          <a:p>
-            <a:pPr lvl="2"/>
-            <a:r>
-              <a:rPr lang="en-US">
-                <a:latin typeface="Calibri" charset="0"/>
-                <a:ea typeface="ＭＳ Ｐゴシック" charset="0"/>
-              </a:rPr>
-              <a:t>Summarize and visualize expression and differential expression data</a:t>
-            </a:r>
-          </a:p>
-          <a:p>
-            <a:pPr lvl="1"/>
-            <a:r>
-              <a:rPr lang="en-US" b="1">
-                <a:latin typeface="Calibri" charset="0"/>
-                <a:ea typeface="ＭＳ Ｐゴシック" charset="0"/>
-              </a:rPr>
-              <a:t>Tutorial_Module3_Part3_Supplementary_R.txt</a:t>
-            </a:r>
-          </a:p>
-          <a:p>
-            <a:pPr lvl="2"/>
-            <a:r>
-              <a:rPr lang="en-US">
-                <a:latin typeface="Calibri" charset="0"/>
-                <a:ea typeface="ＭＳ Ｐゴシック" charset="0"/>
-              </a:rPr>
-              <a:t>Optional alternative to cummeRbund for interpreting expression and differential expression data</a:t>
-            </a:r>
-          </a:p>
-          <a:p>
-            <a:pPr lvl="1"/>
-            <a:r>
-              <a:rPr lang="en-US" b="1">
-                <a:latin typeface="Calibri" charset="0"/>
-                <a:ea typeface="ＭＳ Ｐゴシック" charset="0"/>
-              </a:rPr>
-              <a:t>Tutorial_Module3_Part4_edgeR.txt</a:t>
-            </a:r>
-          </a:p>
-          <a:p>
-            <a:pPr lvl="2"/>
-            <a:r>
-              <a:rPr lang="en-US">
-                <a:latin typeface="Calibri" charset="0"/>
-                <a:ea typeface="ＭＳ Ｐゴシック" charset="0"/>
-              </a:rPr>
-              <a:t>Optional alternative to process raw counts with edgeR instead of using cufflinks/cuffdiff</a:t>
-            </a:r>
+            <a:pPr>
+              <a:lnSpc>
+                <a:spcPct val="80000"/>
+              </a:lnSpc>
+            </a:pPr>
+            <a:r>
+              <a:rPr lang="en-US" sz="2600">
+                <a:latin typeface="Calibri" charset="0"/>
+                <a:ea typeface="ＭＳ Ｐゴシック" charset="0"/>
+              </a:rPr>
+              <a:t>Align all reads in the 8 libraries of the test data</a:t>
+            </a:r>
+          </a:p>
+          <a:p>
+            <a:pPr lvl="1">
+              <a:lnSpc>
+                <a:spcPct val="80000"/>
+              </a:lnSpc>
+            </a:pPr>
+            <a:r>
+              <a:rPr lang="en-US" sz="2200">
+                <a:latin typeface="Calibri" charset="0"/>
+                <a:ea typeface="ＭＳ Ｐゴシック" charset="0"/>
+              </a:rPr>
+              <a:t>8 libraries with two files each (one for each read1 and read2 of the paired-end reads)</a:t>
+            </a:r>
+          </a:p>
+          <a:p>
+            <a:pPr>
+              <a:lnSpc>
+                <a:spcPct val="80000"/>
+              </a:lnSpc>
+            </a:pPr>
+            <a:r>
+              <a:rPr lang="en-US" sz="2600">
+                <a:latin typeface="Calibri" charset="0"/>
+                <a:ea typeface="ＭＳ Ｐゴシック" charset="0"/>
+              </a:rPr>
+              <a:t>Use tophat for the alignment</a:t>
+            </a:r>
+          </a:p>
+          <a:p>
+            <a:pPr lvl="1">
+              <a:lnSpc>
+                <a:spcPct val="80000"/>
+              </a:lnSpc>
+            </a:pPr>
+            <a:r>
+              <a:rPr lang="en-US" sz="2200">
+                <a:latin typeface="Calibri" charset="0"/>
+                <a:ea typeface="ＭＳ Ｐゴシック" charset="0"/>
+              </a:rPr>
+              <a:t>Supply the gene GTF file obtained in step 3 </a:t>
+            </a:r>
+          </a:p>
+          <a:p>
+            <a:pPr lvl="1">
+              <a:lnSpc>
+                <a:spcPct val="80000"/>
+              </a:lnSpc>
+            </a:pPr>
+            <a:r>
+              <a:rPr lang="en-US" sz="2200">
+                <a:latin typeface="Calibri" charset="0"/>
+                <a:ea typeface="ＭＳ Ｐゴシック" charset="0"/>
+              </a:rPr>
+              <a:t>Supply the bowtie indexed genome obtained in step 4</a:t>
+            </a:r>
+          </a:p>
+          <a:p>
+            <a:pPr lvl="1">
+              <a:lnSpc>
+                <a:spcPct val="80000"/>
+              </a:lnSpc>
+            </a:pPr>
+            <a:r>
+              <a:rPr lang="en-US" sz="2200">
+                <a:latin typeface="Calibri" charset="0"/>
+                <a:ea typeface="ＭＳ Ｐゴシック" charset="0"/>
+              </a:rPr>
+              <a:t>The </a:t>
+            </a:r>
+            <a:r>
+              <a:rPr lang="ja-JP" altLang="en-US" sz="2200">
+                <a:latin typeface="Calibri" charset="0"/>
+                <a:ea typeface="ＭＳ Ｐゴシック" charset="0"/>
+              </a:rPr>
+              <a:t>‘</a:t>
+            </a:r>
+            <a:r>
+              <a:rPr lang="en-US" altLang="ja-JP" sz="2200">
+                <a:latin typeface="Calibri" charset="0"/>
+                <a:ea typeface="ＭＳ Ｐゴシック" charset="0"/>
+              </a:rPr>
+              <a:t>-G</a:t>
+            </a:r>
+            <a:r>
+              <a:rPr lang="ja-JP" altLang="en-US" sz="2200">
+                <a:latin typeface="Calibri" charset="0"/>
+                <a:ea typeface="ＭＳ Ｐゴシック" charset="0"/>
+              </a:rPr>
+              <a:t>’</a:t>
+            </a:r>
+            <a:r>
+              <a:rPr lang="en-US" altLang="ja-JP" sz="2200">
+                <a:latin typeface="Calibri" charset="0"/>
+                <a:ea typeface="ＭＳ Ｐゴシック" charset="0"/>
+              </a:rPr>
+              <a:t> option tells tophat to look for the exon-exon junctions of known transcripts.  It will still look for novel exon-exon junctions as well</a:t>
+            </a:r>
+          </a:p>
+          <a:p>
+            <a:pPr>
+              <a:lnSpc>
+                <a:spcPct val="80000"/>
+              </a:lnSpc>
+            </a:pPr>
+            <a:r>
+              <a:rPr lang="en-US" sz="2600">
+                <a:latin typeface="Calibri" charset="0"/>
+                <a:ea typeface="ＭＳ Ｐゴシック" charset="0"/>
+              </a:rPr>
+              <a:t>Since there are 8 libraries in the test data set, 8 alignment commands are run</a:t>
+            </a:r>
+          </a:p>
+          <a:p>
+            <a:pPr>
+              <a:lnSpc>
+                <a:spcPct val="80000"/>
+              </a:lnSpc>
+            </a:pPr>
+            <a:r>
+              <a:rPr lang="en-US" sz="2600">
+                <a:latin typeface="Calibri" charset="0"/>
+                <a:ea typeface="ＭＳ Ｐゴシック" charset="0"/>
+              </a:rPr>
+              <a:t>On a test system, each of these alignments took ~1.5 minutes using 8 CPUs</a:t>
+            </a:r>
+          </a:p>
+          <a:p>
+            <a:pPr>
+              <a:lnSpc>
+                <a:spcPct val="80000"/>
+              </a:lnSpc>
+            </a:pPr>
+            <a:r>
+              <a:rPr lang="en-US" sz="2600">
+                <a:latin typeface="Calibri" charset="0"/>
+                <a:ea typeface="ＭＳ Ｐゴシック" charset="0"/>
+              </a:rPr>
+              <a:t>Each alignment job outputs a SAM/BAM file</a:t>
+            </a:r>
+          </a:p>
+          <a:p>
+            <a:pPr lvl="1">
+              <a:lnSpc>
+                <a:spcPct val="80000"/>
+              </a:lnSpc>
+            </a:pPr>
+            <a:r>
+              <a:rPr lang="en-US" sz="2200">
+                <a:latin typeface="Calibri" charset="0"/>
+                <a:ea typeface="ＭＳ Ｐゴシック" charset="0"/>
+                <a:hlinkClick r:id="rId3"/>
+              </a:rPr>
+              <a:t>http://samtools.sourceforge.net/SAM1.pdf</a:t>
+            </a:r>
+            <a:endParaRPr lang="en-US" sz="2200">
+              <a:latin typeface="Calibri" charset="0"/>
+              <a:ea typeface="ＭＳ Ｐゴシック" charset="0"/>
+            </a:endParaRPr>
+          </a:p>
+          <a:p>
+            <a:pPr lvl="1">
+              <a:lnSpc>
+                <a:spcPct val="80000"/>
+              </a:lnSpc>
+            </a:pPr>
+            <a:endParaRPr lang="en-US" sz="2200">
+              <a:latin typeface="Calibri" charset="0"/>
+              <a:ea typeface="ＭＳ Ｐゴシック" charset="0"/>
+            </a:endParaRPr>
           </a:p>
         </p:txBody>
       </p:sp>
     </p:spTree>
     <p:extLst>
       <p:ext uri="{BB962C8B-B14F-4D97-AF65-F5344CB8AC3E}">
-        <p14:creationId xmlns:p14="http://schemas.microsoft.com/office/powerpoint/2010/main" val="566056326"/>
+        <p14:creationId xmlns:p14="http://schemas.microsoft.com/office/powerpoint/2010/main" val="2602189266"/>
       </p:ext>
     </p:extLst>
   </p:cSld>
@@ -7551,7 +6150,7 @@
       </p:grpSpPr>
       <p:sp>
         <p:nvSpPr>
-          <p:cNvPr id="19457" name="Rectangle 2"/>
+          <p:cNvPr id="17409" name="Rectangle 2"/>
           <p:cNvSpPr>
             <a:spLocks noGrp="1" noChangeArrowheads="1"/>
           </p:cNvSpPr>
@@ -7571,19 +6170,35 @@
           <a:p>
             <a:pPr eaLnBrk="1" hangingPunct="1"/>
             <a:r>
-              <a:rPr lang="en-US" altLang="ko-KR">
+              <a:rPr lang="en-US" altLang="ko-KR" dirty="0" smtClean="0">
                 <a:latin typeface="Calibri" charset="0"/>
                 <a:ea typeface="ＭＳ Ｐゴシック" charset="0"/>
                 <a:cs typeface="ＭＳ Ｐゴシック" charset="0"/>
               </a:rPr>
-              <a:t>9. Generate expression estimates</a:t>
+              <a:t>3-i</a:t>
+            </a:r>
+            <a:r>
+              <a:rPr lang="en-US" altLang="ko-KR" dirty="0" smtClean="0">
+                <a:latin typeface="Calibri" charset="0"/>
+                <a:ea typeface="ＭＳ Ｐゴシック" charset="0"/>
+                <a:cs typeface="ＭＳ Ｐゴシック" charset="0"/>
+              </a:rPr>
+              <a:t>. </a:t>
+            </a:r>
+            <a:r>
+              <a:rPr lang="en-US" altLang="ko-KR" dirty="0">
+                <a:latin typeface="Calibri" charset="0"/>
+                <a:ea typeface="ＭＳ Ｐゴシック" charset="0"/>
+                <a:cs typeface="ＭＳ Ｐゴシック" charset="0"/>
+              </a:rPr>
+              <a:t>Align reads with STAR</a:t>
             </a:r>
           </a:p>
         </p:txBody>
       </p:sp>
       <p:sp>
         <p:nvSpPr>
-          <p:cNvPr id="19458" name="Content Placeholder 6"/>
+          <p:cNvPr id="17410" name="Content Placeholder 6"/>
           <p:cNvSpPr>
             <a:spLocks noGrp="1"/>
           </p:cNvSpPr>
@@ -7603,283 +6218,115 @@
           <a:p>
             <a:pPr>
               <a:lnSpc>
-                <a:spcPct val="90000"/>
+                <a:spcPct val="80000"/>
               </a:lnSpc>
             </a:pPr>
             <a:r>
-              <a:rPr lang="en-US" sz="2400">
-                <a:latin typeface="Calibri" charset="0"/>
-                <a:ea typeface="ＭＳ Ｐゴシック" charset="0"/>
-              </a:rPr>
-              <a:t>The alignment SAM/BAM files generated in the previous step will now be used by cufflinks to calculate expression estimates </a:t>
+              <a:rPr lang="en-US" sz="2600">
+                <a:latin typeface="Calibri" charset="0"/>
+                <a:ea typeface="ＭＳ Ｐゴシック" charset="0"/>
+              </a:rPr>
+              <a:t>Again, align all reads in the 8 libraries of the test data, now with STAR</a:t>
             </a:r>
           </a:p>
           <a:p>
             <a:pPr lvl="1">
               <a:lnSpc>
-                <a:spcPct val="90000"/>
+                <a:spcPct val="80000"/>
               </a:lnSpc>
             </a:pPr>
             <a:r>
-              <a:rPr lang="en-US" sz="2000">
-                <a:latin typeface="Calibri" charset="0"/>
-                <a:ea typeface="ＭＳ Ｐゴシック" charset="0"/>
-              </a:rPr>
-              <a:t>For all transcripts on the target chromosome </a:t>
+              <a:rPr lang="en-US" sz="2200">
+                <a:latin typeface="Calibri" charset="0"/>
+                <a:ea typeface="ＭＳ Ｐゴシック" charset="0"/>
+              </a:rPr>
+              <a:t>Supply the same gene GTF file obtained in step 3 </a:t>
+            </a:r>
+          </a:p>
+          <a:p>
+            <a:pPr lvl="1">
+              <a:lnSpc>
+                <a:spcPct val="80000"/>
+              </a:lnSpc>
+            </a:pPr>
+            <a:r>
+              <a:rPr lang="en-US" sz="2200">
+                <a:latin typeface="Calibri" charset="0"/>
+                <a:ea typeface="ＭＳ Ｐゴシック" charset="0"/>
+              </a:rPr>
+              <a:t>Supply the STAR indexed genome obtained in step 4</a:t>
+            </a:r>
+          </a:p>
+          <a:p>
+            <a:pPr lvl="1">
+              <a:lnSpc>
+                <a:spcPct val="80000"/>
+              </a:lnSpc>
+            </a:pPr>
+            <a:r>
+              <a:rPr lang="en-US" sz="2200">
+                <a:latin typeface="Calibri" charset="0"/>
+                <a:ea typeface="ＭＳ Ｐゴシック" charset="0"/>
+              </a:rPr>
+              <a:t>The </a:t>
+            </a:r>
+            <a:r>
+              <a:rPr lang="ja-JP" altLang="en-US" sz="2200">
+                <a:latin typeface="Calibri" charset="0"/>
+                <a:ea typeface="ＭＳ Ｐゴシック" charset="0"/>
+              </a:rPr>
+              <a:t>‘</a:t>
+            </a:r>
+            <a:r>
+              <a:rPr lang="en-US" altLang="ja-JP" sz="2200">
+                <a:latin typeface="Calibri" charset="0"/>
+                <a:ea typeface="ＭＳ Ｐゴシック" charset="0"/>
+              </a:rPr>
+              <a:t>-outSAMstrandField intronMotif</a:t>
+            </a:r>
+            <a:r>
+              <a:rPr lang="ja-JP" altLang="en-US" sz="2200">
+                <a:latin typeface="Calibri" charset="0"/>
+                <a:ea typeface="ＭＳ Ｐゴシック" charset="0"/>
+              </a:rPr>
+              <a:t>’</a:t>
+            </a:r>
+            <a:r>
+              <a:rPr lang="en-US" altLang="ja-JP" sz="2200">
+                <a:latin typeface="Calibri" charset="0"/>
+                <a:ea typeface="ＭＳ Ｐゴシック" charset="0"/>
+              </a:rPr>
+              <a:t>is needed so that STAR produces an alignment compatible with cufflinks</a:t>
             </a:r>
           </a:p>
           <a:p>
             <a:pPr>
               <a:lnSpc>
-                <a:spcPct val="90000"/>
+                <a:spcPct val="80000"/>
               </a:lnSpc>
             </a:pPr>
             <a:r>
-              <a:rPr lang="en-US" sz="2400">
-                <a:latin typeface="Calibri" charset="0"/>
-                <a:ea typeface="ＭＳ Ｐゴシック" charset="0"/>
-              </a:rPr>
-              <a:t>For this step an option, confusingly also called </a:t>
-            </a:r>
-            <a:r>
-              <a:rPr lang="ja-JP" altLang="en-US" sz="2400">
-                <a:latin typeface="Calibri" charset="0"/>
-                <a:ea typeface="ＭＳ Ｐゴシック" charset="0"/>
-              </a:rPr>
-              <a:t>‘</a:t>
-            </a:r>
-            <a:r>
-              <a:rPr lang="en-US" altLang="ja-JP" sz="2400">
-                <a:latin typeface="Calibri" charset="0"/>
-                <a:ea typeface="ＭＳ Ｐゴシック" charset="0"/>
-              </a:rPr>
-              <a:t>-G</a:t>
-            </a:r>
-            <a:r>
-              <a:rPr lang="ja-JP" altLang="en-US" sz="2400">
-                <a:latin typeface="Calibri" charset="0"/>
-                <a:ea typeface="ＭＳ Ｐゴシック" charset="0"/>
-              </a:rPr>
-              <a:t>’</a:t>
-            </a:r>
-            <a:r>
-              <a:rPr lang="en-US" altLang="ja-JP" sz="2400">
-                <a:latin typeface="Calibri" charset="0"/>
-                <a:ea typeface="ＭＳ Ｐゴシック" charset="0"/>
-              </a:rPr>
-              <a:t> is used</a:t>
-            </a:r>
-          </a:p>
-          <a:p>
-            <a:pPr lvl="1">
+              <a:rPr lang="en-US" sz="2600">
+                <a:latin typeface="Calibri" charset="0"/>
+                <a:ea typeface="ＭＳ Ｐゴシック" charset="0"/>
+              </a:rPr>
+              <a:t>How long did the alignment take compared to tophat?</a:t>
+            </a:r>
+          </a:p>
+          <a:p>
+            <a:pPr>
               <a:lnSpc>
-                <a:spcPct val="90000"/>
+                <a:spcPct val="80000"/>
               </a:lnSpc>
             </a:pPr>
             <a:r>
-              <a:rPr lang="en-US" sz="2000">
-                <a:latin typeface="Calibri" charset="0"/>
-                <a:ea typeface="ＭＳ Ｐゴシック" charset="0"/>
-              </a:rPr>
-              <a:t>Forces cufflinks to calculate expression values for known transcripts</a:t>
-            </a:r>
-          </a:p>
-          <a:p>
-            <a:pPr lvl="1">
-              <a:lnSpc>
-                <a:spcPct val="90000"/>
-              </a:lnSpc>
-            </a:pPr>
-            <a:r>
-              <a:rPr lang="en-US" sz="2000">
-                <a:latin typeface="Calibri" charset="0"/>
-                <a:ea typeface="ＭＳ Ｐゴシック" charset="0"/>
-              </a:rPr>
-              <a:t>To discover novel transcripts with Cufflinks you should:</a:t>
-            </a:r>
-          </a:p>
-          <a:p>
-            <a:pPr lvl="2">
-              <a:lnSpc>
-                <a:spcPct val="90000"/>
-              </a:lnSpc>
-            </a:pPr>
-            <a:r>
-              <a:rPr lang="en-US" sz="1700" b="1">
-                <a:latin typeface="Calibri" charset="0"/>
-                <a:ea typeface="ＭＳ Ｐゴシック" charset="0"/>
-              </a:rPr>
-              <a:t>Not use the '-G' option.  De novo transcript assembly and estimation will be performed.  (we will try this in Module 4)  OR ...</a:t>
-            </a:r>
-          </a:p>
-          <a:p>
-            <a:pPr lvl="2">
-              <a:lnSpc>
-                <a:spcPct val="90000"/>
-              </a:lnSpc>
-            </a:pPr>
-            <a:r>
-              <a:rPr lang="en-US" sz="1700">
-                <a:latin typeface="Calibri" charset="0"/>
-                <a:ea typeface="ＭＳ Ｐゴシック" charset="0"/>
-              </a:rPr>
-              <a:t>Use the '-G' option along with the '-g' option.  Known transcripts will be used as a </a:t>
-            </a:r>
-            <a:r>
-              <a:rPr lang="ja-JP" altLang="en-US" sz="1700">
-                <a:latin typeface="Calibri" charset="0"/>
-                <a:ea typeface="ＭＳ Ｐゴシック" charset="0"/>
-              </a:rPr>
-              <a:t>‘</a:t>
-            </a:r>
-            <a:r>
-              <a:rPr lang="en-US" altLang="ja-JP" sz="1700">
-                <a:latin typeface="Calibri" charset="0"/>
-                <a:ea typeface="ＭＳ Ｐゴシック" charset="0"/>
-              </a:rPr>
-              <a:t>guide</a:t>
-            </a:r>
-            <a:r>
-              <a:rPr lang="ja-JP" altLang="en-US" sz="1700">
-                <a:latin typeface="Calibri" charset="0"/>
-                <a:ea typeface="ＭＳ Ｐゴシック" charset="0"/>
-              </a:rPr>
-              <a:t>’</a:t>
-            </a:r>
-            <a:r>
-              <a:rPr lang="en-US" altLang="ja-JP" sz="1700">
-                <a:latin typeface="Calibri" charset="0"/>
-                <a:ea typeface="ＭＳ Ｐゴシック" charset="0"/>
-              </a:rPr>
-              <a:t>, but novel transcripts will also be predicted</a:t>
-            </a:r>
-          </a:p>
-          <a:p>
-            <a:pPr>
-              <a:lnSpc>
-                <a:spcPct val="90000"/>
-              </a:lnSpc>
-            </a:pPr>
-            <a:r>
-              <a:rPr lang="en-US" sz="2400">
-                <a:latin typeface="Calibri" charset="0"/>
-                <a:ea typeface="ＭＳ Ｐゴシック" charset="0"/>
-              </a:rPr>
-              <a:t>This step will generate one isoform and one gene expression file for each library</a:t>
-            </a:r>
-          </a:p>
-          <a:p>
-            <a:pPr lvl="1">
-              <a:lnSpc>
-                <a:spcPct val="90000"/>
-              </a:lnSpc>
-            </a:pPr>
-            <a:r>
-              <a:rPr lang="en-US" sz="2000">
-                <a:latin typeface="Calibri" charset="0"/>
-                <a:ea typeface="ＭＳ Ｐゴシック" charset="0"/>
-              </a:rPr>
-              <a:t>Expression values are reported as </a:t>
-            </a:r>
-            <a:r>
-              <a:rPr lang="ja-JP" altLang="en-US" sz="2000">
-                <a:latin typeface="Calibri" charset="0"/>
-                <a:ea typeface="ＭＳ Ｐゴシック" charset="0"/>
-              </a:rPr>
-              <a:t>‘</a:t>
-            </a:r>
-            <a:r>
-              <a:rPr lang="en-US" altLang="ja-JP" sz="2000">
-                <a:latin typeface="Calibri" charset="0"/>
-                <a:ea typeface="ＭＳ Ｐゴシック" charset="0"/>
-              </a:rPr>
-              <a:t>FPKM</a:t>
-            </a:r>
-            <a:r>
-              <a:rPr lang="ja-JP" altLang="en-US" sz="2000">
-                <a:latin typeface="Calibri" charset="0"/>
-                <a:ea typeface="ＭＳ Ｐゴシック" charset="0"/>
-              </a:rPr>
-              <a:t>’</a:t>
-            </a:r>
-            <a:r>
-              <a:rPr lang="en-US" altLang="ja-JP" sz="2000">
-                <a:latin typeface="Calibri" charset="0"/>
-                <a:ea typeface="ＭＳ Ｐゴシック" charset="0"/>
-              </a:rPr>
-              <a:t>, or </a:t>
-            </a:r>
-            <a:r>
-              <a:rPr lang="ja-JP" altLang="en-US" sz="2000">
-                <a:latin typeface="Calibri" charset="0"/>
-                <a:ea typeface="ＭＳ Ｐゴシック" charset="0"/>
-              </a:rPr>
-              <a:t>‘</a:t>
-            </a:r>
-            <a:r>
-              <a:rPr lang="en-US" altLang="ja-JP" sz="2000" b="1">
-                <a:latin typeface="Calibri" charset="0"/>
-                <a:ea typeface="ＭＳ Ｐゴシック" charset="0"/>
-              </a:rPr>
-              <a:t>F</a:t>
-            </a:r>
-            <a:r>
-              <a:rPr lang="en-US" altLang="ja-JP" sz="2000">
-                <a:latin typeface="Calibri" charset="0"/>
-                <a:ea typeface="ＭＳ Ｐゴシック" charset="0"/>
-              </a:rPr>
-              <a:t>ragments </a:t>
-            </a:r>
-            <a:r>
-              <a:rPr lang="en-US" altLang="ja-JP" sz="2000" b="1">
-                <a:latin typeface="Calibri" charset="0"/>
-                <a:ea typeface="ＭＳ Ｐゴシック" charset="0"/>
-              </a:rPr>
-              <a:t>P</a:t>
-            </a:r>
-            <a:r>
-              <a:rPr lang="en-US" altLang="ja-JP" sz="2000">
-                <a:latin typeface="Calibri" charset="0"/>
-                <a:ea typeface="ＭＳ Ｐゴシック" charset="0"/>
-              </a:rPr>
-              <a:t>er </a:t>
-            </a:r>
-            <a:r>
-              <a:rPr lang="en-US" altLang="ja-JP" sz="2000" b="1">
-                <a:latin typeface="Calibri" charset="0"/>
-                <a:ea typeface="ＭＳ Ｐゴシック" charset="0"/>
-              </a:rPr>
-              <a:t>K</a:t>
-            </a:r>
-            <a:r>
-              <a:rPr lang="en-US" altLang="ja-JP" sz="2000">
-                <a:latin typeface="Calibri" charset="0"/>
-                <a:ea typeface="ＭＳ Ｐゴシック" charset="0"/>
-              </a:rPr>
-              <a:t>ilobase of exon per million fragments </a:t>
-            </a:r>
-            <a:r>
-              <a:rPr lang="en-US" altLang="ja-JP" sz="2000" b="1">
-                <a:latin typeface="Calibri" charset="0"/>
-                <a:ea typeface="ＭＳ Ｐゴシック" charset="0"/>
-              </a:rPr>
-              <a:t>M</a:t>
-            </a:r>
-            <a:r>
-              <a:rPr lang="en-US" altLang="ja-JP" sz="2000">
-                <a:latin typeface="Calibri" charset="0"/>
-                <a:ea typeface="ＭＳ Ｐゴシック" charset="0"/>
-              </a:rPr>
-              <a:t>apped</a:t>
-            </a:r>
-            <a:r>
-              <a:rPr lang="ja-JP" altLang="en-US" sz="2000">
-                <a:latin typeface="Calibri" charset="0"/>
-                <a:ea typeface="ＭＳ Ｐゴシック" charset="0"/>
-              </a:rPr>
-              <a:t>’</a:t>
-            </a:r>
-            <a:endParaRPr lang="en-US" altLang="ja-JP" sz="2000">
+              <a:rPr lang="en-US" sz="2600">
+                <a:latin typeface="Calibri" charset="0"/>
+                <a:ea typeface="ＭＳ Ｐゴシック" charset="0"/>
+              </a:rPr>
+              <a:t>What additional steps are needed?</a:t>
+            </a:r>
+            <a:endParaRPr lang="en-US" sz="2200">
               <a:latin typeface="Calibri" charset="0"/>
               <a:ea typeface="ＭＳ Ｐゴシック" charset="0"/>
             </a:endParaRPr>
@@ -7887,45 +6334,10 @@
           <a:p>
             <a:pPr lvl="1">
               <a:lnSpc>
-                <a:spcPct val="90000"/>
+                <a:spcPct val="80000"/>
               </a:lnSpc>
             </a:pPr>
-            <a:r>
-              <a:rPr lang="en-US" sz="2000">
-                <a:latin typeface="Calibri" charset="0"/>
-                <a:ea typeface="ＭＳ Ｐゴシック" charset="0"/>
-              </a:rPr>
-              <a:t>Where each </a:t>
-            </a:r>
-            <a:r>
-              <a:rPr lang="ja-JP" altLang="en-US" sz="2000">
-                <a:latin typeface="Calibri" charset="0"/>
-                <a:ea typeface="ＭＳ Ｐゴシック" charset="0"/>
-              </a:rPr>
-              <a:t>‘</a:t>
-            </a:r>
-            <a:r>
-              <a:rPr lang="en-US" altLang="ja-JP" sz="2000">
-                <a:latin typeface="Calibri" charset="0"/>
-                <a:ea typeface="ＭＳ Ｐゴシック" charset="0"/>
-              </a:rPr>
-              <a:t>fragment</a:t>
-            </a:r>
-            <a:r>
-              <a:rPr lang="ja-JP" altLang="en-US" sz="2000">
-                <a:latin typeface="Calibri" charset="0"/>
-                <a:ea typeface="ＭＳ Ｐゴシック" charset="0"/>
-              </a:rPr>
-              <a:t>’</a:t>
-            </a:r>
-            <a:r>
-              <a:rPr lang="en-US" altLang="ja-JP" sz="2000">
-                <a:latin typeface="Calibri" charset="0"/>
-                <a:ea typeface="ＭＳ Ｐゴシック" charset="0"/>
-              </a:rPr>
-              <a:t> corresponds to a read-pair mapped to the genome</a:t>
-            </a:r>
-            <a:endParaRPr lang="en-US" sz="2000">
+            <a:endParaRPr lang="en-US" sz="2200">
               <a:latin typeface="Calibri" charset="0"/>
               <a:ea typeface="ＭＳ Ｐゴシック" charset="0"/>
             </a:endParaRPr>
@@ -7935,7 +6347,7 @@
     </p:spTree>
     <p:extLst>
       <p:ext uri="{BB962C8B-B14F-4D97-AF65-F5344CB8AC3E}">
-        <p14:creationId xmlns:p14="http://schemas.microsoft.com/office/powerpoint/2010/main" val="862564927"/>
+        <p14:creationId xmlns:p14="http://schemas.microsoft.com/office/powerpoint/2010/main" val="1231978828"/>
       </p:ext>
     </p:extLst>
   </p:cSld>
@@ -7971,7 +6383,7 @@
       </p:grpSpPr>
       <p:sp>
         <p:nvSpPr>
-          <p:cNvPr id="21505" name="Rectangle 2"/>
+          <p:cNvPr id="19457" name="Rectangle 2"/>
           <p:cNvSpPr>
             <a:spLocks noGrp="1" noChangeArrowheads="1"/>
           </p:cNvSpPr>
@@ -7991,19 +6403,48 @@
           <a:p>
             <a:pPr eaLnBrk="1" hangingPunct="1"/>
             <a:r>
-              <a:rPr lang="en-US" altLang="ko-KR">
+              <a:rPr lang="en-US" altLang="ko-KR" dirty="0" smtClean="0">
                 <a:latin typeface="Calibri" charset="0"/>
                 <a:ea typeface="ＭＳ Ｐゴシック" charset="0"/>
                 <a:cs typeface="ＭＳ Ｐゴシック" charset="0"/>
               </a:rPr>
-              <a:t>9. Generate expression estimates (Optional Alternatives)</a:t>
-            </a:r>
+              <a:t>3-ii</a:t>
+            </a:r>
+            <a:r>
+              <a:rPr lang="en-US" altLang="ko-KR" dirty="0" smtClean="0">
+                <a:latin typeface="Calibri" charset="0"/>
+                <a:ea typeface="ＭＳ Ｐゴシック" charset="0"/>
+                <a:cs typeface="ＭＳ Ｐゴシック" charset="0"/>
+              </a:rPr>
+              <a:t>. </a:t>
+            </a:r>
+            <a:r>
+              <a:rPr lang="en-US" altLang="ko-KR" dirty="0">
+                <a:latin typeface="Calibri" charset="0"/>
+                <a:ea typeface="ＭＳ Ｐゴシック" charset="0"/>
+                <a:cs typeface="ＭＳ Ｐゴシック" charset="0"/>
+              </a:rPr>
+              <a:t>Post-alignment </a:t>
+            </a:r>
+            <a:r>
+              <a:rPr lang="en-US" altLang="ko-KR" dirty="0" smtClean="0">
+                <a:latin typeface="Calibri" charset="0"/>
+                <a:ea typeface="ＭＳ Ｐゴシック" charset="0"/>
+                <a:cs typeface="ＭＳ Ｐゴシック" charset="0"/>
+              </a:rPr>
+              <a:t>visualization</a:t>
+            </a:r>
+            <a:endParaRPr lang="en-US" altLang="ko-KR" dirty="0">
+              <a:latin typeface="Calibri" charset="0"/>
+              <a:ea typeface="ＭＳ Ｐゴシック" charset="0"/>
+              <a:cs typeface="ＭＳ Ｐゴシック" charset="0"/>
+            </a:endParaRPr>
           </a:p>
         </p:txBody>
       </p:sp>
       <p:sp>
         <p:nvSpPr>
-          <p:cNvPr id="15362" name="Content Placeholder 6"/>
+          <p:cNvPr id="19458" name="Content Placeholder 6"/>
           <p:cNvSpPr>
             <a:spLocks noGrp="1"/>
           </p:cNvSpPr>
@@ -8013,112 +6454,132 @@
         </p:nvSpPr>
         <p:spPr>
           <a:xfrm>
-            <a:off x="152400" y="1557338"/>
-            <a:ext cx="8839200" cy="4691062"/>
+            <a:off x="152400" y="1268413"/>
+            <a:ext cx="8839200" cy="4979987"/>
           </a:xfrm>
         </p:spPr>
         <p:txBody>
-          <a:bodyPr>
-            <a:normAutofit fontScale="92500" lnSpcReduction="10000"/>
-          </a:bodyPr>
+          <a:bodyPr/>
           <a:lstStyle/>
           <a:p>
             <a:pPr>
               <a:lnSpc>
-                <a:spcPct val="90000"/>
+                <a:spcPct val="80000"/>
               </a:lnSpc>
-              <a:defRPr/>
             </a:pPr>
             <a:r>
-              <a:rPr lang="en-US" dirty="0" smtClean="0">
-                <a:latin typeface="Calibri" charset="0"/>
-                <a:ea typeface="ＭＳ Ｐゴシック" charset="0"/>
-              </a:rPr>
-              <a:t>The Alignment SAM/BAM files generated from STAR can also be used in cufflinks to generate expression estimates – exactly as above</a:t>
+              <a:rPr lang="en-US" sz="2600" dirty="0">
+                <a:latin typeface="Calibri" charset="0"/>
+                <a:ea typeface="ＭＳ Ｐゴシック" charset="0"/>
+              </a:rPr>
+              <a:t>Create indexed versions of bam files</a:t>
+            </a:r>
+          </a:p>
+          <a:p>
+            <a:pPr lvl="1">
+              <a:lnSpc>
+                <a:spcPct val="80000"/>
+              </a:lnSpc>
+            </a:pPr>
+            <a:r>
+              <a:rPr lang="en-US" sz="2200" dirty="0">
+                <a:latin typeface="Calibri" charset="0"/>
+                <a:ea typeface="ＭＳ Ｐゴシック" charset="0"/>
+              </a:rPr>
+              <a:t>These are needed by IGV for efficient loading of alignments</a:t>
             </a:r>
           </a:p>
           <a:p>
             <a:pPr>
               <a:lnSpc>
-                <a:spcPct val="90000"/>
+                <a:spcPct val="80000"/>
               </a:lnSpc>
-              <a:defRPr/>
             </a:pPr>
             <a:r>
-              <a:rPr lang="en-US" dirty="0" smtClean="0">
-                <a:latin typeface="Calibri" charset="0"/>
-                <a:ea typeface="ＭＳ Ｐゴシック" charset="0"/>
-              </a:rPr>
-              <a:t>Another alternative we will explore is a count-based method</a:t>
+              <a:rPr lang="en-US" sz="2600" dirty="0">
+                <a:latin typeface="Calibri" charset="0"/>
+                <a:ea typeface="ＭＳ Ｐゴシック" charset="0"/>
+              </a:rPr>
+              <a:t>Visualize spliced alignments</a:t>
             </a:r>
           </a:p>
           <a:p>
             <a:pPr lvl="1">
               <a:lnSpc>
-                <a:spcPct val="90000"/>
+                <a:spcPct val="80000"/>
               </a:lnSpc>
-              <a:defRPr/>
             </a:pPr>
             <a:r>
-              <a:rPr lang="en-US" dirty="0" smtClean="0">
-                <a:latin typeface="Calibri" charset="0"/>
-                <a:ea typeface="ＭＳ Ｐゴシック" charset="0"/>
-              </a:rPr>
-              <a:t>We will use a program called </a:t>
-            </a:r>
-            <a:r>
-              <a:rPr lang="en-US" dirty="0" err="1" smtClean="0">
-                <a:latin typeface="Calibri" charset="0"/>
-                <a:ea typeface="ＭＳ Ｐゴシック" charset="0"/>
-              </a:rPr>
-              <a:t>htseq</a:t>
-            </a:r>
-            <a:r>
-              <a:rPr lang="en-US" dirty="0" smtClean="0">
-                <a:latin typeface="Calibri" charset="0"/>
-                <a:ea typeface="ＭＳ Ｐゴシック" charset="0"/>
-              </a:rPr>
-              <a:t>-count</a:t>
-            </a:r>
-          </a:p>
-          <a:p>
-            <a:pPr lvl="2">
+              <a:rPr lang="en-US" sz="2200" dirty="0">
+                <a:latin typeface="Calibri" charset="0"/>
+                <a:ea typeface="ＭＳ Ｐゴシック" charset="0"/>
+              </a:rPr>
+              <a:t>Identify exon-exon junction supporting reads</a:t>
+            </a:r>
+          </a:p>
+          <a:p>
+            <a:pPr lvl="1">
               <a:lnSpc>
-                <a:spcPct val="90000"/>
+                <a:spcPct val="80000"/>
               </a:lnSpc>
-              <a:defRPr/>
             </a:pPr>
             <a:r>
-              <a:rPr lang="en-US" dirty="0" smtClean="0">
-                <a:latin typeface="Calibri" charset="0"/>
-                <a:ea typeface="ＭＳ Ｐゴシック" charset="0"/>
-              </a:rPr>
-              <a:t>Requires name-sorted SAM file</a:t>
-            </a:r>
-          </a:p>
-          <a:p>
-            <a:pPr lvl="2">
+              <a:rPr lang="en-US" sz="2200" dirty="0">
+                <a:latin typeface="Calibri" charset="0"/>
+                <a:ea typeface="ＭＳ Ｐゴシック" charset="0"/>
+              </a:rPr>
+              <a:t> Identify differentially expressed genes</a:t>
+            </a:r>
+          </a:p>
+          <a:p>
+            <a:pPr lvl="1">
               <a:lnSpc>
-                <a:spcPct val="90000"/>
+                <a:spcPct val="80000"/>
               </a:lnSpc>
-              <a:defRPr/>
             </a:pPr>
             <a:r>
-              <a:rPr lang="en-US" dirty="0" smtClean="0">
-                <a:latin typeface="Calibri" charset="0"/>
-                <a:ea typeface="ＭＳ Ｐゴシック" charset="0"/>
-              </a:rPr>
-              <a:t>We will count at the gene level (transcript-level is also possible)</a:t>
-            </a:r>
-          </a:p>
-          <a:p>
-            <a:pPr lvl="2">
+              <a:rPr lang="en-US" sz="2200" dirty="0">
+                <a:latin typeface="Calibri" charset="0"/>
+                <a:ea typeface="ＭＳ Ｐゴシック" charset="0"/>
+              </a:rPr>
+              <a:t>Compare </a:t>
+            </a:r>
+            <a:r>
+              <a:rPr lang="en-US" sz="2200" dirty="0" err="1">
+                <a:latin typeface="Calibri" charset="0"/>
+                <a:ea typeface="ＭＳ Ｐゴシック" charset="0"/>
+              </a:rPr>
+              <a:t>tophat</a:t>
+            </a:r>
+            <a:r>
+              <a:rPr lang="en-US" sz="2200" dirty="0">
+                <a:latin typeface="Calibri" charset="0"/>
+                <a:ea typeface="ＭＳ Ｐゴシック" charset="0"/>
+              </a:rPr>
+              <a:t> and STAR alignments</a:t>
+            </a:r>
+          </a:p>
+          <a:p>
+            <a:pPr>
               <a:lnSpc>
-                <a:spcPct val="90000"/>
+                <a:spcPct val="80000"/>
               </a:lnSpc>
-              <a:defRPr/>
             </a:pPr>
-            <a:endParaRPr lang="en-US" dirty="0">
+            <a:r>
+              <a:rPr lang="en-US" sz="2600" dirty="0">
+                <a:latin typeface="Calibri" charset="0"/>
+                <a:ea typeface="ＭＳ Ｐゴシック" charset="0"/>
+              </a:rPr>
+              <a:t>Try to find variant positions</a:t>
+            </a:r>
+          </a:p>
+          <a:p>
+            <a:pPr>
+              <a:lnSpc>
+                <a:spcPct val="80000"/>
+              </a:lnSpc>
+            </a:pPr>
+            <a:endParaRPr lang="en-US" sz="2600" dirty="0">
               <a:latin typeface="Calibri" charset="0"/>
               <a:ea typeface="ＭＳ Ｐゴシック" charset="0"/>
             </a:endParaRPr>
@@ -8126,109 +6587,37 @@
           <a:p>
             <a:pPr>
               <a:lnSpc>
-                <a:spcPct val="90000"/>
+                <a:spcPct val="80000"/>
               </a:lnSpc>
-              <a:defRPr/>
             </a:pPr>
             <a:r>
-              <a:rPr lang="en-US" dirty="0" smtClean="0">
-                <a:latin typeface="Calibri" charset="0"/>
-                <a:ea typeface="ＭＳ Ｐゴシック" charset="0"/>
-              </a:rPr>
-              <a:t>In the end we will have three expression estimates for each sample</a:t>
-            </a:r>
-          </a:p>
-          <a:p>
-            <a:pPr lvl="1">
-              <a:lnSpc>
-                <a:spcPct val="90000"/>
-              </a:lnSpc>
-              <a:defRPr/>
-            </a:pPr>
-            <a:r>
-              <a:rPr lang="en-US" dirty="0" err="1" smtClean="0">
-                <a:latin typeface="Calibri" charset="0"/>
-                <a:ea typeface="ＭＳ Ｐゴシック" charset="0"/>
-              </a:rPr>
-              <a:t>Tophat</a:t>
-            </a:r>
-            <a:r>
-              <a:rPr lang="en-US" dirty="0" smtClean="0">
-                <a:latin typeface="Calibri" charset="0"/>
-                <a:ea typeface="ＭＳ Ｐゴシック" charset="0"/>
-              </a:rPr>
-              <a:t>/cufflinks</a:t>
-            </a:r>
-          </a:p>
-          <a:p>
-            <a:pPr lvl="1">
-              <a:lnSpc>
-                <a:spcPct val="90000"/>
-              </a:lnSpc>
-              <a:defRPr/>
-            </a:pPr>
-            <a:r>
-              <a:rPr lang="en-US" dirty="0" smtClean="0">
-                <a:latin typeface="Calibri" charset="0"/>
-                <a:ea typeface="ＭＳ Ｐゴシック" charset="0"/>
-              </a:rPr>
-              <a:t>STAR/cufflinks</a:t>
-            </a:r>
-          </a:p>
-          <a:p>
-            <a:pPr lvl="1">
-              <a:lnSpc>
-                <a:spcPct val="90000"/>
-              </a:lnSpc>
-              <a:defRPr/>
-            </a:pPr>
-            <a:r>
-              <a:rPr lang="en-US" dirty="0" err="1" smtClean="0">
-                <a:latin typeface="Calibri" charset="0"/>
-                <a:ea typeface="ＭＳ Ｐゴシック" charset="0"/>
-              </a:rPr>
-              <a:t>Tophat</a:t>
-            </a:r>
-            <a:r>
-              <a:rPr lang="en-US" dirty="0" smtClean="0">
-                <a:latin typeface="Calibri" charset="0"/>
-                <a:ea typeface="ＭＳ Ｐゴシック" charset="0"/>
-              </a:rPr>
-              <a:t>/</a:t>
-            </a:r>
-            <a:r>
-              <a:rPr lang="en-US" dirty="0" err="1" smtClean="0">
-                <a:latin typeface="Calibri" charset="0"/>
-                <a:ea typeface="ＭＳ Ｐゴシック" charset="0"/>
-              </a:rPr>
-              <a:t>Htseq</a:t>
-            </a:r>
-            <a:r>
-              <a:rPr lang="en-US" dirty="0" smtClean="0">
-                <a:latin typeface="Calibri" charset="0"/>
-                <a:ea typeface="ＭＳ Ｐゴシック" charset="0"/>
-              </a:rPr>
-              <a:t>-count</a:t>
+              <a:rPr lang="en-US" sz="2600" dirty="0">
+                <a:latin typeface="Calibri" charset="0"/>
+                <a:ea typeface="ＭＳ Ｐゴシック" charset="0"/>
+              </a:rPr>
+              <a:t>Create a pileup from bam file</a:t>
             </a:r>
           </a:p>
           <a:p>
             <a:pPr>
               <a:lnSpc>
-                <a:spcPct val="90000"/>
+                <a:spcPct val="80000"/>
               </a:lnSpc>
-              <a:defRPr/>
             </a:pPr>
-            <a:endParaRPr lang="en-US" dirty="0">
-              <a:latin typeface="Calibri" charset="0"/>
-              <a:ea typeface="ＭＳ Ｐゴシック" charset="0"/>
-            </a:endParaRPr>
+            <a:r>
+              <a:rPr lang="en-US" sz="2600" dirty="0">
+                <a:latin typeface="Calibri" charset="0"/>
+                <a:ea typeface="ＭＳ Ｐゴシック" charset="0"/>
+              </a:rPr>
+              <a:t>Determine read counts at a specific position</a:t>
+            </a:r>
           </a:p>
         </p:txBody>
       </p:sp>
     </p:spTree>
     <p:extLst>
       <p:ext uri="{BB962C8B-B14F-4D97-AF65-F5344CB8AC3E}">
-        <p14:creationId xmlns:p14="http://schemas.microsoft.com/office/powerpoint/2010/main" val="3333620023"/>
+        <p14:creationId xmlns:p14="http://schemas.microsoft.com/office/powerpoint/2010/main" val="3784241753"/>
       </p:ext>
     </p:extLst>
   </p:cSld>
@@ -8264,9 +6653,9 @@
       </p:grpSpPr>
       <p:sp>
         <p:nvSpPr>
-          <p:cNvPr id="23553" name="Rectangle 2"/>
+          <p:cNvPr id="21505" name="Title 1"/>
           <p:cNvSpPr>
-            <a:spLocks noGrp="1" noChangeArrowheads="1"/>
+            <a:spLocks noGrp="1"/>
           </p:cNvSpPr>
           <p:nvPr>
             <p:ph type="title"/>
@@ -8282,168 +6671,93 @@
           <a:bodyPr/>
           <a:lstStyle/>
           <a:p>
-            <a:pPr eaLnBrk="1" hangingPunct="1"/>
-            <a:r>
-              <a:rPr lang="en-US" altLang="ko-KR" sz="3600">
+            <a:r>
+              <a:rPr lang="en-US" altLang="ko-KR" dirty="0" smtClean="0">
                 <a:latin typeface="Calibri" charset="0"/>
                 <a:ea typeface="ＭＳ Ｐゴシック" charset="0"/>
                 <a:cs typeface="ＭＳ Ｐゴシック" charset="0"/>
               </a:rPr>
-              <a:t>10. Perform differential expression analysis</a:t>
-            </a:r>
+              <a:t>3-ii</a:t>
+            </a:r>
+            <a:r>
+              <a:rPr lang="en-US" altLang="ko-KR" dirty="0" smtClean="0">
+                <a:latin typeface="Calibri" charset="0"/>
+                <a:ea typeface="ＭＳ Ｐゴシック" charset="0"/>
+                <a:cs typeface="ＭＳ Ｐゴシック" charset="0"/>
+              </a:rPr>
+              <a:t>. </a:t>
+            </a:r>
+            <a:r>
+              <a:rPr lang="en-US" altLang="ko-KR" dirty="0">
+                <a:latin typeface="Calibri" charset="0"/>
+                <a:ea typeface="ＭＳ Ｐゴシック" charset="0"/>
+                <a:cs typeface="ＭＳ Ｐゴシック" charset="0"/>
+              </a:rPr>
+              <a:t>Post-alignment </a:t>
+            </a:r>
+            <a:r>
+              <a:rPr lang="en-US" altLang="ko-KR" dirty="0" smtClean="0">
+                <a:latin typeface="Calibri" charset="0"/>
+                <a:ea typeface="ＭＳ Ｐゴシック" charset="0"/>
+                <a:cs typeface="ＭＳ Ｐゴシック" charset="0"/>
+              </a:rPr>
+              <a:t>visualization </a:t>
+            </a:r>
+            <a:r>
+              <a:rPr lang="en-US" altLang="ko-KR" dirty="0">
+                <a:latin typeface="Calibri" charset="0"/>
+                <a:ea typeface="ＭＳ Ｐゴシック" charset="0"/>
+                <a:cs typeface="ＭＳ Ｐゴシック" charset="0"/>
+              </a:rPr>
+              <a:t>(IGV)</a:t>
+            </a:r>
+            <a:endParaRPr lang="en-US" dirty="0">
+              <a:latin typeface="Calibri" charset="0"/>
+              <a:ea typeface="ＭＳ Ｐゴシック" charset="0"/>
+            </a:endParaRPr>
           </a:p>
         </p:txBody>
       </p:sp>
-      <p:sp>
-        <p:nvSpPr>
-          <p:cNvPr id="23554" name="Content Placeholder 6"/>
-          <p:cNvSpPr>
-            <a:spLocks noGrp="1"/>
-          </p:cNvSpPr>
+      <p:pic>
+        <p:nvPicPr>
+          <p:cNvPr id="21506" name="Content Placeholder 3" descr="Screen Shot 2013-06-01 at 11.20.52 PM.png"/>
+          <p:cNvPicPr>
+            <a:picLocks noGrp="1" noChangeAspect="1"/>
+          </p:cNvPicPr>
           <p:nvPr>
             <p:ph idx="1"/>
           </p:nvPr>
-        </p:nvSpPr>
+        </p:nvPicPr>
+        <p:blipFill>
+          <a:blip r:embed="rId2">
+            <a:extLst>
+              <a:ext uri="{28A0092B-C50C-407E-A947-70E740481C1C}">
+                <a14:useLocalDpi xmlns:a14="http://schemas.microsoft.com/office/drawing/2010/main" val="0"/>
+              </a:ext>
+            </a:extLst>
+          </a:blip>
+          <a:srcRect t="-339" b="-339"/>
+          <a:stretch>
+            <a:fillRect/>
+          </a:stretch>
+        </p:blipFill>
         <p:spPr>
           <a:xfrm>
-            <a:off x="152400" y="1268413"/>
-            <a:ext cx="8839200" cy="4979987"/>
+            <a:off x="152400" y="1341438"/>
+            <a:ext cx="8839200" cy="4724400"/>
           </a:xfrm>
         </p:spPr>
-        <p:txBody>
-          <a:bodyPr/>
-          <a:lstStyle/>
-          <a:p>
-            <a:pPr>
-              <a:lnSpc>
-                <a:spcPct val="80000"/>
-              </a:lnSpc>
-            </a:pPr>
-            <a:r>
-              <a:rPr lang="en-US" sz="2600">
-                <a:latin typeface="Calibri" charset="0"/>
-                <a:ea typeface="ＭＳ Ｐゴシック" charset="0"/>
-              </a:rPr>
-              <a:t>In this step we will use cuffmerge and cuffdiff to:</a:t>
-            </a:r>
-          </a:p>
-          <a:p>
-            <a:pPr lvl="1">
-              <a:lnSpc>
-                <a:spcPct val="80000"/>
-              </a:lnSpc>
-            </a:pPr>
-            <a:r>
-              <a:rPr lang="en-US" sz="2200">
-                <a:latin typeface="Calibri" charset="0"/>
-                <a:ea typeface="ＭＳ Ｐゴシック" charset="0"/>
-              </a:rPr>
-              <a:t>Combine expression estimates from our 4 libraries into more convenient files</a:t>
-            </a:r>
-          </a:p>
-          <a:p>
-            <a:pPr lvl="1">
-              <a:lnSpc>
-                <a:spcPct val="80000"/>
-              </a:lnSpc>
-            </a:pPr>
-            <a:r>
-              <a:rPr lang="en-US" sz="2200">
-                <a:latin typeface="Calibri" charset="0"/>
-                <a:ea typeface="ＭＳ Ｐゴシック" charset="0"/>
-              </a:rPr>
-              <a:t>Combine expression estimates across replicates</a:t>
-            </a:r>
-          </a:p>
-          <a:p>
-            <a:pPr lvl="1">
-              <a:lnSpc>
-                <a:spcPct val="80000"/>
-              </a:lnSpc>
-            </a:pPr>
-            <a:r>
-              <a:rPr lang="en-US" sz="2200">
-                <a:latin typeface="Calibri" charset="0"/>
-                <a:ea typeface="ＭＳ Ｐゴシック" charset="0"/>
-              </a:rPr>
-              <a:t>Compare tumor vs. normal and identify significantly differentially expressed genes and isoforms (transcripts)</a:t>
-            </a:r>
-          </a:p>
-          <a:p>
-            <a:pPr>
-              <a:lnSpc>
-                <a:spcPct val="80000"/>
-              </a:lnSpc>
-            </a:pPr>
-            <a:r>
-              <a:rPr lang="en-US" sz="2600">
-                <a:latin typeface="Calibri" charset="0"/>
-                <a:ea typeface="ＭＳ Ｐゴシック" charset="0"/>
-              </a:rPr>
-              <a:t>Note that these commands can get quite complicated when you have replicates</a:t>
-            </a:r>
-          </a:p>
-          <a:p>
-            <a:pPr lvl="1">
-              <a:lnSpc>
-                <a:spcPct val="80000"/>
-              </a:lnSpc>
-            </a:pPr>
-            <a:r>
-              <a:rPr lang="en-US" sz="2200">
-                <a:latin typeface="Calibri" charset="0"/>
-                <a:ea typeface="ＭＳ Ｐゴシック" charset="0"/>
-              </a:rPr>
-              <a:t>The positioning of spaces and commas, and grouping of libraries matters!</a:t>
-            </a:r>
-          </a:p>
-          <a:p>
-            <a:pPr>
-              <a:lnSpc>
-                <a:spcPct val="80000"/>
-              </a:lnSpc>
-            </a:pPr>
-            <a:r>
-              <a:rPr lang="en-US" sz="2600">
-                <a:latin typeface="Calibri" charset="0"/>
-                <a:ea typeface="ＭＳ Ｐゴシック" charset="0"/>
-              </a:rPr>
-              <a:t>Comparisons</a:t>
-            </a:r>
-          </a:p>
-          <a:p>
-            <a:pPr lvl="1">
-              <a:lnSpc>
-                <a:spcPct val="80000"/>
-              </a:lnSpc>
-            </a:pPr>
-            <a:r>
-              <a:rPr lang="en-US" sz="1800">
-                <a:latin typeface="Calibri" charset="0"/>
-                <a:ea typeface="ＭＳ Ｐゴシック" charset="0"/>
-              </a:rPr>
-              <a:t>Compare Tumor vs. Normal using all replicates, for known (reference only mode) transcripts</a:t>
-            </a:r>
-          </a:p>
-        </p:txBody>
-      </p:sp>
+      </p:pic>
     </p:spTree>
     <p:extLst>
       <p:ext uri="{BB962C8B-B14F-4D97-AF65-F5344CB8AC3E}">
-        <p14:creationId xmlns:p14="http://schemas.microsoft.com/office/powerpoint/2010/main" val="1830382307"/>
+        <p14:creationId xmlns:p14="http://schemas.microsoft.com/office/powerpoint/2010/main" val="2772641768"/>
       </p:ext>
     </p:extLst>
   </p:cSld>
   <p:clrMapOvr>
     <a:masterClrMapping/>
   </p:clrMapOvr>
-  <p:timing>
-    <p:tnLst>
-      <p:par>
-        <p:cTn xmlns:p14="http://schemas.microsoft.com/office/powerpoint/2010/main" id="1" dur="indefinite" restart="never" nodeType="tmRoot"/>
-      </p:par>
-    </p:tnLst>
-  </p:timing>
 </p:sld>
 </file>
 
@@ -8466,9 +6780,9 @@
       </p:grpSpPr>
       <p:sp>
         <p:nvSpPr>
-          <p:cNvPr id="25601" name="Title 1"/>
+          <p:cNvPr id="22529" name="Rectangle 2"/>
           <p:cNvSpPr>
-            <a:spLocks noGrp="1"/>
+            <a:spLocks noGrp="1" noChangeArrowheads="1"/>
           </p:cNvSpPr>
           <p:nvPr>
             <p:ph type="title"/>
@@ -8476,27 +6790,45 @@
         </p:nvSpPr>
         <p:spPr>
           <a:xfrm>
-            <a:off x="152400" y="-26988"/>
-            <a:ext cx="8839200" cy="1143001"/>
+            <a:off x="152400" y="44450"/>
+            <a:ext cx="8839200" cy="1143000"/>
           </a:xfrm>
         </p:spPr>
         <p:txBody>
           <a:bodyPr/>
           <a:lstStyle/>
           <a:p>
-            <a:r>
-              <a:rPr lang="en-US">
-                <a:latin typeface="Calibri" charset="0"/>
-                <a:ea typeface="ＭＳ Ｐゴシック" charset="0"/>
-              </a:rPr>
-              <a:t>11. Summarize and visualize results</a:t>
+            <a:pPr eaLnBrk="1" hangingPunct="1"/>
+            <a:r>
+              <a:rPr lang="en-US" altLang="ko-KR" dirty="0" smtClean="0">
+                <a:latin typeface="Calibri" charset="0"/>
+                <a:ea typeface="ＭＳ Ｐゴシック" charset="0"/>
+                <a:cs typeface="ＭＳ Ｐゴシック" charset="0"/>
+              </a:rPr>
+              <a:t>3-iii</a:t>
+            </a:r>
+            <a:r>
+              <a:rPr lang="en-US" altLang="ko-KR" dirty="0" smtClean="0">
+                <a:latin typeface="Calibri" charset="0"/>
+                <a:ea typeface="ＭＳ Ｐゴシック" charset="0"/>
+                <a:cs typeface="ＭＳ Ｐゴシック" charset="0"/>
+              </a:rPr>
+              <a:t>. </a:t>
+            </a:r>
+            <a:r>
+              <a:rPr lang="en-US" altLang="ko-KR" dirty="0">
+                <a:latin typeface="Calibri" charset="0"/>
+                <a:ea typeface="ＭＳ Ｐゴシック" charset="0"/>
+                <a:cs typeface="ＭＳ Ｐゴシック" charset="0"/>
+              </a:rPr>
+              <a:t>Post-alignment QC</a:t>
             </a:r>
           </a:p>
         </p:txBody>
       </p:sp>
       <p:sp>
         <p:nvSpPr>
-          <p:cNvPr id="25602" name="Content Placeholder 2"/>
+          <p:cNvPr id="22530" name="Content Placeholder 6"/>
           <p:cNvSpPr>
             <a:spLocks noGrp="1"/>
           </p:cNvSpPr>
@@ -8506,298 +6838,89 @@
         </p:nvSpPr>
         <p:spPr>
           <a:xfrm>
-            <a:off x="152400" y="1125538"/>
-            <a:ext cx="8839200" cy="2403475"/>
+            <a:off x="152400" y="1268413"/>
+            <a:ext cx="8839200" cy="4979987"/>
           </a:xfrm>
         </p:spPr>
         <p:txBody>
           <a:bodyPr/>
           <a:lstStyle/>
           <a:p>
-            <a:r>
-              <a:rPr lang="en-US">
-                <a:latin typeface="Calibri" charset="0"/>
-                <a:ea typeface="ＭＳ Ｐゴシック" charset="0"/>
-              </a:rPr>
-              <a:t>In this step we will run the R package cummeRbund to visualize our expression and differential expression results from Cuffdiff.</a:t>
-            </a:r>
-          </a:p>
-          <a:p>
-            <a:pPr lvl="1"/>
-            <a:r>
-              <a:rPr lang="en-US">
-                <a:latin typeface="Calibri" charset="0"/>
-                <a:ea typeface="ＭＳ Ｐゴシック" charset="0"/>
-              </a:rPr>
-              <a:t>See </a:t>
-            </a:r>
-            <a:r>
-              <a:rPr lang="en-US" b="1">
-                <a:latin typeface="Calibri" charset="0"/>
-                <a:ea typeface="ＭＳ Ｐゴシック" charset="0"/>
-              </a:rPr>
-              <a:t>Tutorial_Module3_Part2_CummeRbund.R</a:t>
-            </a:r>
-            <a:r>
-              <a:rPr lang="en-US">
-                <a:latin typeface="Calibri" charset="0"/>
-                <a:ea typeface="ＭＳ Ｐゴシック" charset="0"/>
-              </a:rPr>
-              <a:t> for details</a:t>
-            </a:r>
-          </a:p>
-          <a:p>
-            <a:pPr lvl="1"/>
-            <a:r>
-              <a:rPr lang="en-US">
-                <a:latin typeface="Calibri" charset="0"/>
-                <a:ea typeface="ＭＳ Ｐゴシック" charset="0"/>
-                <a:hlinkClick r:id="rId3"/>
-              </a:rPr>
-              <a:t>http://compbio.mit.edu/cummeRbund/</a:t>
-            </a:r>
-            <a:endParaRPr lang="en-US">
-              <a:latin typeface="Calibri" charset="0"/>
-              <a:ea typeface="ＭＳ Ｐゴシック" charset="0"/>
-            </a:endParaRPr>
-          </a:p>
-          <a:p>
-            <a:pPr lvl="1"/>
-            <a:r>
-              <a:rPr lang="en-US">
-                <a:latin typeface="Calibri" charset="0"/>
-                <a:ea typeface="ＭＳ Ｐゴシック" charset="0"/>
-                <a:hlinkClick r:id="rId4"/>
-              </a:rPr>
-              <a:t>http://compbio.mit.edu/cummeRbund/manual_2_0.html</a:t>
-            </a:r>
-            <a:endParaRPr lang="en-US">
-              <a:latin typeface="Calibri" charset="0"/>
-              <a:ea typeface="ＭＳ Ｐゴシック" charset="0"/>
-            </a:endParaRPr>
+            <a:pPr>
+              <a:lnSpc>
+                <a:spcPct val="80000"/>
+              </a:lnSpc>
+            </a:pPr>
+            <a:r>
+              <a:rPr lang="en-US" sz="2600">
+                <a:latin typeface="Calibri" charset="0"/>
+                <a:ea typeface="ＭＳ Ｐゴシック" charset="0"/>
+              </a:rPr>
+              <a:t>Use 'samtools view' to see the format of a SAM/BAM alignment file</a:t>
+            </a:r>
+          </a:p>
+          <a:p>
+            <a:pPr lvl="1">
+              <a:lnSpc>
+                <a:spcPct val="80000"/>
+              </a:lnSpc>
+            </a:pPr>
+            <a:r>
+              <a:rPr lang="en-US" sz="2200">
+                <a:latin typeface="Calibri" charset="0"/>
+                <a:ea typeface="ＭＳ Ｐゴシック" charset="0"/>
+              </a:rPr>
+              <a:t>Use ‘FLAGs’ to filter out certain kinds of alignments</a:t>
+            </a:r>
+          </a:p>
+          <a:p>
+            <a:pPr>
+              <a:lnSpc>
+                <a:spcPct val="80000"/>
+              </a:lnSpc>
+            </a:pPr>
+            <a:r>
+              <a:rPr lang="en-US" sz="2600">
+                <a:latin typeface="Calibri" charset="0"/>
+                <a:ea typeface="ＭＳ Ｐゴシック" charset="0"/>
+              </a:rPr>
+              <a:t>Use 'samtools flagstat' to get a basic summary of an alignment</a:t>
+            </a:r>
+          </a:p>
+          <a:p>
+            <a:pPr>
+              <a:lnSpc>
+                <a:spcPct val="80000"/>
+              </a:lnSpc>
+            </a:pPr>
+            <a:r>
+              <a:rPr lang="en-US" sz="2600">
+                <a:latin typeface="Calibri" charset="0"/>
+                <a:ea typeface="ＭＳ Ｐゴシック" charset="0"/>
+              </a:rPr>
+              <a:t>Run samstat on Tumor/Normal BAMs and review the resulting report in your browser</a:t>
+            </a:r>
+          </a:p>
+          <a:p>
+            <a:pPr>
+              <a:lnSpc>
+                <a:spcPct val="80000"/>
+              </a:lnSpc>
+            </a:pPr>
+            <a:r>
+              <a:rPr lang="en-US" sz="2600">
+                <a:latin typeface="Calibri" charset="0"/>
+                <a:ea typeface="ＭＳ Ｐゴシック" charset="0"/>
+              </a:rPr>
+              <a:t>Use FastQC to perform basic QC of your alignments</a:t>
+            </a:r>
           </a:p>
         </p:txBody>
       </p:sp>
-      <p:pic>
-        <p:nvPicPr>
-          <p:cNvPr id="25603" name="Picture 3" descr="cummeRbund-manual-features_3.png"/>
-          <p:cNvPicPr>
-            <a:picLocks noChangeAspect="1"/>
-          </p:cNvPicPr>
-          <p:nvPr/>
-        </p:nvPicPr>
-        <p:blipFill>
-          <a:blip r:embed="rId5">
-            <a:extLst>
-              <a:ext uri="{28A0092B-C50C-407E-A947-70E740481C1C}">
-                <a14:useLocalDpi xmlns:a14="http://schemas.microsoft.com/office/drawing/2010/main" val="0"/>
-              </a:ext>
-            </a:extLst>
-          </a:blip>
-          <a:srcRect/>
-          <a:stretch>
-            <a:fillRect/>
-          </a:stretch>
-        </p:blipFill>
-        <p:spPr bwMode="auto">
-          <a:xfrm>
-            <a:off x="323850" y="4005263"/>
-            <a:ext cx="2095500" cy="2095500"/>
-          </a:xfrm>
-          <a:prstGeom prst="rect">
-            <a:avLst/>
-          </a:prstGeom>
-          <a:noFill/>
-          <a:ln>
-            <a:noFill/>
-          </a:ln>
-          <a:extLst>
-            <a:ext uri="{909E8E84-426E-40dd-AFC4-6F175D3DCCD1}">
-              <a14:hiddenFill xmlns:a14="http://schemas.microsoft.com/office/drawing/2010/main">
-                <a:solidFill>
-                  <a:srgbClr val="FFFFFF"/>
-                </a:solidFill>
-              </a14:hiddenFill>
-            </a:ext>
-            <a:ext uri="{91240B29-F687-4f45-9708-019B960494DF}">
-              <a14:hiddenLine xmlns:a14="http://schemas.microsoft.com/office/drawing/2010/main" w="9525">
-                <a:solidFill>
-                  <a:srgbClr val="000000"/>
-                </a:solidFill>
-                <a:miter lim="800000"/>
-                <a:headEnd/>
-                <a:tailEnd/>
-              </a14:hiddenLine>
-            </a:ext>
-          </a:extLst>
-        </p:spPr>
-      </p:pic>
-      <p:pic>
-        <p:nvPicPr>
-          <p:cNvPr id="25604" name="Picture 4" descr="cummeRbund-manual-geneset_plots_isoform_heatmap-2.png"/>
-          <p:cNvPicPr>
-            <a:picLocks noChangeAspect="1"/>
-          </p:cNvPicPr>
-          <p:nvPr/>
-        </p:nvPicPr>
-        <p:blipFill>
-          <a:blip r:embed="rId6">
-            <a:extLst>
-              <a:ext uri="{28A0092B-C50C-407E-A947-70E740481C1C}">
-                <a14:useLocalDpi xmlns:a14="http://schemas.microsoft.com/office/drawing/2010/main" val="0"/>
-              </a:ext>
-            </a:extLst>
-          </a:blip>
-          <a:srcRect/>
-          <a:stretch>
-            <a:fillRect/>
-          </a:stretch>
-        </p:blipFill>
-        <p:spPr bwMode="auto">
-          <a:xfrm>
-            <a:off x="2771775" y="4141788"/>
-            <a:ext cx="1806575" cy="1808162"/>
-          </a:xfrm>
-          <a:prstGeom prst="rect">
-            <a:avLst/>
-          </a:prstGeom>
-          <a:noFill/>
-          <a:ln>
-            <a:noFill/>
-          </a:ln>
-          <a:extLst>
-            <a:ext uri="{909E8E84-426E-40dd-AFC4-6F175D3DCCD1}">
-              <a14:hiddenFill xmlns:a14="http://schemas.microsoft.com/office/drawing/2010/main">
-                <a:solidFill>
-                  <a:srgbClr val="FFFFFF"/>
-                </a:solidFill>
-              </a14:hiddenFill>
-            </a:ext>
-            <a:ext uri="{91240B29-F687-4f45-9708-019B960494DF}">
-              <a14:hiddenLine xmlns:a14="http://schemas.microsoft.com/office/drawing/2010/main" w="9525">
-                <a:solidFill>
-                  <a:srgbClr val="000000"/>
-                </a:solidFill>
-                <a:miter lim="800000"/>
-                <a:headEnd/>
-                <a:tailEnd/>
-              </a14:hiddenLine>
-            </a:ext>
-          </a:extLst>
-        </p:spPr>
-      </p:pic>
-      <p:pic>
-        <p:nvPicPr>
-          <p:cNvPr id="25605" name="Picture 5" descr="cummeRbund-manual-global_plots_volcano_1-0.png"/>
-          <p:cNvPicPr>
-            <a:picLocks noChangeAspect="1"/>
-          </p:cNvPicPr>
-          <p:nvPr/>
-        </p:nvPicPr>
-        <p:blipFill>
-          <a:blip r:embed="rId7">
-            <a:extLst>
-              <a:ext uri="{28A0092B-C50C-407E-A947-70E740481C1C}">
-                <a14:useLocalDpi xmlns:a14="http://schemas.microsoft.com/office/drawing/2010/main" val="0"/>
-              </a:ext>
-            </a:extLst>
-          </a:blip>
-          <a:srcRect/>
-          <a:stretch>
-            <a:fillRect/>
-          </a:stretch>
-        </p:blipFill>
-        <p:spPr bwMode="auto">
-          <a:xfrm>
-            <a:off x="4787900" y="4076700"/>
-            <a:ext cx="2087563" cy="2089150"/>
-          </a:xfrm>
-          <a:prstGeom prst="rect">
-            <a:avLst/>
-          </a:prstGeom>
-          <a:noFill/>
-          <a:ln>
-            <a:noFill/>
-          </a:ln>
-          <a:extLst>
-            <a:ext uri="{909E8E84-426E-40dd-AFC4-6F175D3DCCD1}">
-              <a14:hiddenFill xmlns:a14="http://schemas.microsoft.com/office/drawing/2010/main">
-                <a:solidFill>
-                  <a:srgbClr val="FFFFFF"/>
-                </a:solidFill>
-              </a14:hiddenFill>
-            </a:ext>
-            <a:ext uri="{91240B29-F687-4f45-9708-019B960494DF}">
-              <a14:hiddenLine xmlns:a14="http://schemas.microsoft.com/office/drawing/2010/main" w="9525">
-                <a:solidFill>
-                  <a:srgbClr val="000000"/>
-                </a:solidFill>
-                <a:miter lim="800000"/>
-                <a:headEnd/>
-                <a:tailEnd/>
-              </a14:hiddenLine>
-            </a:ext>
-          </a:extLst>
-        </p:spPr>
-      </p:pic>
-      <p:pic>
-        <p:nvPicPr>
-          <p:cNvPr id="25606" name="Picture 6" descr="ENCODE_SCV.png"/>
-          <p:cNvPicPr>
-            <a:picLocks noChangeAspect="1"/>
-          </p:cNvPicPr>
-          <p:nvPr/>
-        </p:nvPicPr>
-        <p:blipFill>
-          <a:blip r:embed="rId8">
-            <a:extLst>
-              <a:ext uri="{28A0092B-C50C-407E-A947-70E740481C1C}">
-                <a14:useLocalDpi xmlns:a14="http://schemas.microsoft.com/office/drawing/2010/main" val="0"/>
-              </a:ext>
-            </a:extLst>
-          </a:blip>
-          <a:srcRect r="49957"/>
-          <a:stretch>
-            <a:fillRect/>
-          </a:stretch>
-        </p:blipFill>
-        <p:spPr bwMode="auto">
-          <a:xfrm>
-            <a:off x="6948488" y="4221163"/>
-            <a:ext cx="1763712" cy="1762125"/>
-          </a:xfrm>
-          <a:prstGeom prst="rect">
-            <a:avLst/>
-          </a:prstGeom>
-          <a:noFill/>
-          <a:ln>
-            <a:noFill/>
-          </a:ln>
-          <a:extLst>
-            <a:ext uri="{909E8E84-426E-40dd-AFC4-6F175D3DCCD1}">
-              <a14:hiddenFill xmlns:a14="http://schemas.microsoft.com/office/drawing/2010/main">
-                <a:solidFill>
-                  <a:srgbClr val="FFFFFF"/>
-                </a:solidFill>
-              </a14:hiddenFill>
-            </a:ext>
-            <a:ext uri="{91240B29-F687-4f45-9708-019B960494DF}">
-              <a14:hiddenLine xmlns:a14="http://schemas.microsoft.com/office/drawing/2010/main" w="9525">
-                <a:solidFill>
-                  <a:srgbClr val="000000"/>
-                </a:solidFill>
-                <a:miter lim="800000"/>
-                <a:headEnd/>
-                <a:tailEnd/>
-              </a14:hiddenLine>
-            </a:ext>
-          </a:extLst>
-        </p:spPr>
-      </p:pic>
     </p:spTree>
     <p:extLst>
       <p:ext uri="{BB962C8B-B14F-4D97-AF65-F5344CB8AC3E}">
-        <p14:creationId xmlns:p14="http://schemas.microsoft.com/office/powerpoint/2010/main" val="4078675946"/>
+        <p14:creationId xmlns:p14="http://schemas.microsoft.com/office/powerpoint/2010/main" val="387996559"/>
       </p:ext>
     </p:extLst>
   </p:cSld>
@@ -8833,7 +6956,7 @@
       </p:grpSpPr>
       <p:sp>
         <p:nvSpPr>
-          <p:cNvPr id="27649" name="Title 1"/>
+          <p:cNvPr id="24577" name="Title 1"/>
           <p:cNvSpPr>
             <a:spLocks noGrp="1"/>
           </p:cNvSpPr>
@@ -8852,141 +6975,92 @@
           <a:lstStyle/>
           <a:p>
             <a:r>
-              <a:rPr lang="en-US">
-                <a:latin typeface="Calibri" charset="0"/>
-                <a:ea typeface="ＭＳ Ｐゴシック" charset="0"/>
-              </a:rPr>
-              <a:t>12a. Post-process output files (optional)</a:t>
-            </a:r>
+              <a:rPr lang="en-US" altLang="ko-KR" dirty="0" smtClean="0">
+                <a:latin typeface="Calibri" charset="0"/>
+                <a:ea typeface="ＭＳ Ｐゴシック" charset="0"/>
+                <a:cs typeface="ＭＳ Ｐゴシック" charset="0"/>
+              </a:rPr>
+              <a:t>3-iii</a:t>
+            </a:r>
+            <a:r>
+              <a:rPr lang="en-US" altLang="ko-KR" dirty="0" smtClean="0">
+                <a:latin typeface="Calibri" charset="0"/>
+                <a:ea typeface="ＭＳ Ｐゴシック" charset="0"/>
+                <a:cs typeface="ＭＳ Ｐゴシック" charset="0"/>
+              </a:rPr>
+              <a:t>. </a:t>
+            </a:r>
+            <a:r>
+              <a:rPr lang="en-US" altLang="ko-KR" dirty="0">
+                <a:latin typeface="Calibri" charset="0"/>
+                <a:ea typeface="ＭＳ Ｐゴシック" charset="0"/>
+                <a:cs typeface="ＭＳ Ｐゴシック" charset="0"/>
+              </a:rPr>
+              <a:t>Post-alignment QC (</a:t>
+            </a:r>
+            <a:r>
+              <a:rPr lang="en-US" altLang="ko-KR" dirty="0" err="1">
+                <a:latin typeface="Calibri" charset="0"/>
+                <a:ea typeface="ＭＳ Ｐゴシック" charset="0"/>
+                <a:cs typeface="ＭＳ Ｐゴシック" charset="0"/>
+              </a:rPr>
+              <a:t>samstat</a:t>
+            </a:r>
+            <a:r>
+              <a:rPr lang="en-US" altLang="ko-KR" dirty="0">
+                <a:latin typeface="Calibri" charset="0"/>
+                <a:ea typeface="ＭＳ Ｐゴシック" charset="0"/>
+                <a:cs typeface="ＭＳ Ｐゴシック" charset="0"/>
+              </a:rPr>
+              <a:t>)</a:t>
+            </a:r>
+            <a:endParaRPr lang="en-US" dirty="0">
+              <a:latin typeface="Calibri" charset="0"/>
+              <a:ea typeface="ＭＳ Ｐゴシック" charset="0"/>
+            </a:endParaRPr>
           </a:p>
         </p:txBody>
       </p:sp>
-      <p:sp>
-        <p:nvSpPr>
-          <p:cNvPr id="27650" name="Content Placeholder 2"/>
-          <p:cNvSpPr>
-            <a:spLocks noGrp="1"/>
-          </p:cNvSpPr>
+      <p:pic>
+        <p:nvPicPr>
+          <p:cNvPr id="24578" name="Content Placeholder 3" descr="Screen Shot 2013-06-01 at 11.22.28 PM.png"/>
+          <p:cNvPicPr>
+            <a:picLocks noGrp="1" noChangeAspect="1"/>
+          </p:cNvPicPr>
           <p:nvPr>
             <p:ph idx="1"/>
           </p:nvPr>
-        </p:nvSpPr>
+        </p:nvPicPr>
+        <p:blipFill>
+          <a:blip r:embed="rId2">
+            <a:extLst>
+              <a:ext uri="{28A0092B-C50C-407E-A947-70E740481C1C}">
+                <a14:useLocalDpi xmlns:a14="http://schemas.microsoft.com/office/drawing/2010/main" val="0"/>
+              </a:ext>
+            </a:extLst>
+          </a:blip>
+          <a:srcRect l="-11166" r="-11166"/>
+          <a:stretch>
+            <a:fillRect/>
+          </a:stretch>
+        </p:blipFill>
         <p:spPr>
           <a:xfrm>
-            <a:off x="152400" y="1268413"/>
-            <a:ext cx="8839200" cy="5056187"/>
+            <a:off x="152400" y="1341438"/>
+            <a:ext cx="8839200" cy="4724400"/>
           </a:xfrm>
         </p:spPr>
-        <p:txBody>
-          <a:bodyPr/>
-          <a:lstStyle/>
-          <a:p>
-            <a:r>
-              <a:rPr lang="en-US">
-                <a:latin typeface="Calibri" charset="0"/>
-                <a:ea typeface="ＭＳ Ｐゴシック" charset="0"/>
-              </a:rPr>
-              <a:t>Cufflinks and Cuffdiff output various file formats</a:t>
-            </a:r>
-          </a:p>
-          <a:p>
-            <a:pPr lvl="1"/>
-            <a:r>
-              <a:rPr lang="en-US">
-                <a:latin typeface="Calibri" charset="0"/>
-                <a:ea typeface="ＭＳ Ｐゴシック" charset="0"/>
-              </a:rPr>
-              <a:t>.fpkm_tracking, transcrips.gtf, and .diff files</a:t>
-            </a:r>
-          </a:p>
-          <a:p>
-            <a:r>
-              <a:rPr lang="en-US">
-                <a:latin typeface="Calibri" charset="0"/>
-                <a:ea typeface="ＭＳ Ｐゴシック" charset="0"/>
-              </a:rPr>
-              <a:t>In this step, we will explore the content of these files at the linux command line before importing them into R for more advanced summarization, plotting, etc.</a:t>
-            </a:r>
-          </a:p>
-          <a:p>
-            <a:pPr lvl="1"/>
-            <a:r>
-              <a:rPr lang="en-US">
-                <a:latin typeface="Calibri" charset="0"/>
-                <a:ea typeface="ＭＳ Ｐゴシック" charset="0"/>
-              </a:rPr>
-              <a:t>If you are unfamiliar with R, this is an interactive statistical programming interface that can also be used for graphing and file data manipulation (i.e. an alternative to </a:t>
-            </a:r>
-            <a:r>
-              <a:rPr lang="ja-JP" altLang="en-US">
-                <a:latin typeface="Calibri" charset="0"/>
-                <a:ea typeface="ＭＳ Ｐゴシック" charset="0"/>
-              </a:rPr>
-              <a:t>‘</a:t>
-            </a:r>
-            <a:r>
-              <a:rPr lang="en-US" altLang="ja-JP">
-                <a:latin typeface="Calibri" charset="0"/>
-                <a:ea typeface="ＭＳ Ｐゴシック" charset="0"/>
-              </a:rPr>
-              <a:t>excel</a:t>
-            </a:r>
-            <a:r>
-              <a:rPr lang="ja-JP" altLang="en-US">
-                <a:latin typeface="Calibri" charset="0"/>
-                <a:ea typeface="ＭＳ Ｐゴシック" charset="0"/>
-              </a:rPr>
-              <a:t>’</a:t>
-            </a:r>
-            <a:r>
-              <a:rPr lang="en-US" altLang="ja-JP">
-                <a:latin typeface="Calibri" charset="0"/>
-                <a:ea typeface="ＭＳ Ｐゴシック" charset="0"/>
-              </a:rPr>
-              <a:t>)</a:t>
-            </a:r>
-          </a:p>
-          <a:p>
-            <a:pPr lvl="1"/>
-            <a:r>
-              <a:rPr lang="en-US" altLang="ja-JP">
-                <a:latin typeface="Calibri" charset="0"/>
-                <a:ea typeface="ＭＳ Ｐゴシック" charset="0"/>
-                <a:hlinkClick r:id="rId3"/>
-              </a:rPr>
-              <a:t>http://cran.r-project.org/</a:t>
-            </a:r>
-            <a:endParaRPr lang="en-US" altLang="ja-JP">
-              <a:latin typeface="Calibri" charset="0"/>
-              <a:ea typeface="ＭＳ Ｐゴシック" charset="0"/>
-            </a:endParaRPr>
-          </a:p>
-          <a:p>
-            <a:pPr lvl="1"/>
-            <a:endParaRPr lang="en-US" altLang="ja-JP">
-              <a:latin typeface="Calibri" charset="0"/>
-              <a:ea typeface="ＭＳ Ｐゴシック" charset="0"/>
-            </a:endParaRPr>
-          </a:p>
-        </p:txBody>
-      </p:sp>
+      </p:pic>
     </p:spTree>
     <p:extLst>
       <p:ext uri="{BB962C8B-B14F-4D97-AF65-F5344CB8AC3E}">
-        <p14:creationId xmlns:p14="http://schemas.microsoft.com/office/powerpoint/2010/main" val="2280721646"/>
+        <p14:creationId xmlns:p14="http://schemas.microsoft.com/office/powerpoint/2010/main" val="3027940297"/>
       </p:ext>
     </p:extLst>
   </p:cSld>
   <p:clrMapOvr>
     <a:masterClrMapping/>
   </p:clrMapOvr>
-  <p:timing>
-    <p:tnLst>
-      <p:par>
-        <p:cTn xmlns:p14="http://schemas.microsoft.com/office/powerpoint/2010/main" id="1" dur="indefinite" restart="never" nodeType="tmRoot"/>
-      </p:par>
-    </p:tnLst>
-  </p:timing>
 </p:sld>
 </file>
 

--- a/lectures/cshl/2014/RNASeq_Module3_Tutorial.pptx
+++ b/lectures/cshl/2014/RNASeq_Module3_Tutorial.pptx
@@ -255,7 +255,7 @@
               <a:pPr>
                 <a:defRPr/>
               </a:pPr>
-              <a:t>11/16/14</a:t>
+              <a:t>11/18/14</a:t>
             </a:fld>
             <a:endParaRPr lang="en-US"/>
           </a:p>
@@ -462,7 +462,7 @@
               <a:pPr>
                 <a:defRPr/>
               </a:pPr>
-              <a:t>11/16/14</a:t>
+              <a:t>11/18/14</a:t>
             </a:fld>
             <a:endParaRPr lang="en-US"/>
           </a:p>
@@ -4378,7 +4378,7 @@
               <a:pPr>
                 <a:defRPr/>
               </a:pPr>
-              <a:t>11/16/14</a:t>
+              <a:t>11/18/14</a:t>
             </a:fld>
             <a:endParaRPr lang="en-US"/>
           </a:p>
@@ -5514,27 +5514,7 @@
                 <a:latin typeface="Calibri" charset="0"/>
                 <a:cs typeface="Segoe UI" charset="0"/>
               </a:rPr>
-              <a:t>Module </a:t>
-            </a:r>
-            <a:r>
-              <a:rPr lang="en-US" sz="2000" dirty="0" smtClean="0">
-                <a:solidFill>
-                  <a:schemeClr val="bg1"/>
-                </a:solidFill>
-                <a:latin typeface="Calibri" charset="0"/>
-                <a:cs typeface="Segoe UI" charset="0"/>
-              </a:rPr>
-              <a:t>3</a:t>
-            </a:r>
-            <a:r>
-              <a:rPr lang="en-US" sz="2000" dirty="0" smtClean="0">
-                <a:solidFill>
-                  <a:schemeClr val="bg1"/>
-                </a:solidFill>
-                <a:latin typeface="Calibri" charset="0"/>
-                <a:cs typeface="Segoe UI" charset="0"/>
-              </a:rPr>
-              <a:t/>
+              <a:t>Module 3</a:t>
             </a:r>
             <a:br>
               <a:rPr lang="en-US" sz="2000" dirty="0" smtClean="0">
@@ -5872,15 +5852,7 @@
                 <a:ea typeface="ＭＳ Ｐゴシック" charset="0"/>
                 <a:cs typeface="ＭＳ Ｐゴシック" charset="0"/>
               </a:rPr>
-              <a:t>3-i</a:t>
-            </a:r>
-            <a:r>
-              <a:rPr lang="en-US" altLang="ko-KR" dirty="0" smtClean="0">
-                <a:latin typeface="Calibri" charset="0"/>
-                <a:ea typeface="ＭＳ Ｐゴシック" charset="0"/>
-                <a:cs typeface="ＭＳ Ｐゴシック" charset="0"/>
-              </a:rPr>
-              <a:t>. </a:t>
+              <a:t>3-i. </a:t>
             </a:r>
             <a:r>
               <a:rPr lang="en-US" altLang="ko-KR" dirty="0">
@@ -5932,11 +5904,25 @@
               </a:lnSpc>
             </a:pPr>
             <a:r>
-              <a:rPr lang="en-US" sz="2600">
-                <a:latin typeface="Calibri" charset="0"/>
-                <a:ea typeface="ＭＳ Ｐゴシック" charset="0"/>
-              </a:rPr>
-              <a:t>Align all reads in the 8 libraries of the test data</a:t>
+              <a:rPr lang="en-US" sz="2600" dirty="0">
+                <a:latin typeface="Calibri" charset="0"/>
+                <a:ea typeface="ＭＳ Ｐゴシック" charset="0"/>
+              </a:rPr>
+              <a:t>Align all reads in the </a:t>
+            </a:r>
+            <a:r>
+              <a:rPr lang="en-US" sz="2600" dirty="0" smtClean="0">
+                <a:latin typeface="Calibri" charset="0"/>
+                <a:ea typeface="ＭＳ Ｐゴシック" charset="0"/>
+              </a:rPr>
+              <a:t>6 </a:t>
+            </a:r>
+            <a:r>
+              <a:rPr lang="en-US" sz="2600" dirty="0">
+                <a:latin typeface="Calibri" charset="0"/>
+                <a:ea typeface="ＭＳ Ｐゴシック" charset="0"/>
+              </a:rPr>
+              <a:t>libraries of the test data</a:t>
             </a:r>
           </a:p>
           <a:p>
@@ -5946,11 +5932,18 @@
               </a:lnSpc>
             </a:pPr>
             <a:r>
-              <a:rPr lang="en-US" sz="2200">
-                <a:latin typeface="Calibri" charset="0"/>
-                <a:ea typeface="ＭＳ Ｐゴシック" charset="0"/>
-              </a:rPr>
-              <a:t>8 libraries with two files each (one for each read1 and read2 of the paired-end reads)</a:t>
+              <a:rPr lang="en-US" sz="2200" dirty="0" smtClean="0">
+                <a:latin typeface="Calibri" charset="0"/>
+                <a:ea typeface="ＭＳ Ｐゴシック" charset="0"/>
+              </a:rPr>
+              <a:t>6 </a:t>
+            </a:r>
+            <a:r>
+              <a:rPr lang="en-US" sz="2200" dirty="0">
+                <a:latin typeface="Calibri" charset="0"/>
+                <a:ea typeface="ＭＳ Ｐゴシック" charset="0"/>
+              </a:rPr>
+              <a:t>libraries with two files each (one for each read1 and read2 of the paired-end reads)</a:t>
             </a:r>
           </a:p>
           <a:p>
@@ -5960,11 +5953,25 @@
               </a:lnSpc>
             </a:pPr>
             <a:r>
-              <a:rPr lang="en-US" sz="2600">
-                <a:latin typeface="Calibri" charset="0"/>
-                <a:ea typeface="ＭＳ Ｐゴシック" charset="0"/>
-              </a:rPr>
-              <a:t>Use tophat for the alignment</a:t>
+              <a:rPr lang="en-US" sz="2600" dirty="0">
+                <a:latin typeface="Calibri" charset="0"/>
+                <a:ea typeface="ＭＳ Ｐゴシック" charset="0"/>
+              </a:rPr>
+              <a:t>Use </a:t>
+            </a:r>
+            <a:r>
+              <a:rPr lang="en-US" sz="2600" dirty="0" err="1">
+                <a:latin typeface="Calibri" charset="0"/>
+                <a:ea typeface="ＭＳ Ｐゴシック" charset="0"/>
+              </a:rPr>
+              <a:t>tophat</a:t>
+            </a:r>
+            <a:r>
+              <a:rPr lang="en-US" sz="2600" dirty="0">
+                <a:latin typeface="Calibri" charset="0"/>
+                <a:ea typeface="ＭＳ Ｐゴシック" charset="0"/>
+              </a:rPr>
+              <a:t> for the alignment</a:t>
             </a:r>
           </a:p>
           <a:p>
@@ -5974,7 +5981,7 @@
               </a:lnSpc>
             </a:pPr>
             <a:r>
-              <a:rPr lang="en-US" sz="2200">
+              <a:rPr lang="en-US" sz="2200" dirty="0">
                 <a:latin typeface="Calibri" charset="0"/>
                 <a:ea typeface="ＭＳ Ｐゴシック" charset="0"/>
               </a:rPr>
@@ -5988,7 +5995,7 @@
               </a:lnSpc>
             </a:pPr>
             <a:r>
-              <a:rPr lang="en-US" sz="2200">
+              <a:rPr lang="en-US" sz="2200" dirty="0">
                 <a:latin typeface="Calibri" charset="0"/>
                 <a:ea typeface="ＭＳ Ｐゴシック" charset="0"/>
               </a:rPr>
@@ -6002,39 +6009,53 @@
               </a:lnSpc>
             </a:pPr>
             <a:r>
-              <a:rPr lang="en-US" sz="2200">
+              <a:rPr lang="en-US" sz="2200" dirty="0">
                 <a:latin typeface="Calibri" charset="0"/>
                 <a:ea typeface="ＭＳ Ｐゴシック" charset="0"/>
               </a:rPr>
               <a:t>The </a:t>
             </a:r>
             <a:r>
-              <a:rPr lang="ja-JP" altLang="en-US" sz="2200">
+              <a:rPr lang="ja-JP" altLang="en-US" sz="2200" dirty="0">
                 <a:latin typeface="Calibri" charset="0"/>
                 <a:ea typeface="ＭＳ Ｐゴシック" charset="0"/>
               </a:rPr>
               <a:t>‘</a:t>
             </a:r>
             <a:r>
-              <a:rPr lang="en-US" altLang="ja-JP" sz="2200">
+              <a:rPr lang="en-US" altLang="ja-JP" sz="2200" dirty="0">
                 <a:latin typeface="Calibri" charset="0"/>
                 <a:ea typeface="ＭＳ Ｐゴシック" charset="0"/>
               </a:rPr>
               <a:t>-G</a:t>
             </a:r>
             <a:r>
-              <a:rPr lang="ja-JP" altLang="en-US" sz="2200">
+              <a:rPr lang="ja-JP" altLang="en-US" sz="2200" dirty="0">
                 <a:latin typeface="Calibri" charset="0"/>
                 <a:ea typeface="ＭＳ Ｐゴシック" charset="0"/>
               </a:rPr>
               <a:t>’</a:t>
             </a:r>
             <a:r>
-              <a:rPr lang="en-US" altLang="ja-JP" sz="2200">
-                <a:latin typeface="Calibri" charset="0"/>
-                <a:ea typeface="ＭＳ Ｐゴシック" charset="0"/>
-              </a:rPr>
-              <a:t> option tells tophat to look for the exon-exon junctions of known transcripts.  It will still look for novel exon-exon junctions as well</a:t>
+              <a:rPr lang="en-US" altLang="ja-JP" sz="2200" dirty="0">
+                <a:latin typeface="Calibri" charset="0"/>
+                <a:ea typeface="ＭＳ Ｐゴシック" charset="0"/>
+              </a:rPr>
+              <a:t> option tells </a:t>
+            </a:r>
+            <a:r>
+              <a:rPr lang="en-US" altLang="ja-JP" sz="2200" dirty="0" err="1">
+                <a:latin typeface="Calibri" charset="0"/>
+                <a:ea typeface="ＭＳ Ｐゴシック" charset="0"/>
+              </a:rPr>
+              <a:t>tophat</a:t>
+            </a:r>
+            <a:r>
+              <a:rPr lang="en-US" altLang="ja-JP" sz="2200" dirty="0">
+                <a:latin typeface="Calibri" charset="0"/>
+                <a:ea typeface="ＭＳ Ｐゴシック" charset="0"/>
+              </a:rPr>
+              <a:t> to look for the exon-exon junctions of known transcripts.  It will still look for novel exon-exon junctions as well</a:t>
             </a:r>
           </a:p>
           <a:p>
@@ -6044,11 +6065,39 @@
               </a:lnSpc>
             </a:pPr>
             <a:r>
-              <a:rPr lang="en-US" sz="2600">
-                <a:latin typeface="Calibri" charset="0"/>
-                <a:ea typeface="ＭＳ Ｐゴシック" charset="0"/>
-              </a:rPr>
-              <a:t>Since there are 8 libraries in the test data set, 8 alignment commands are run</a:t>
+              <a:rPr lang="en-US" sz="2600" dirty="0">
+                <a:latin typeface="Calibri" charset="0"/>
+                <a:ea typeface="ＭＳ Ｐゴシック" charset="0"/>
+              </a:rPr>
+              <a:t>Since there are </a:t>
+            </a:r>
+            <a:r>
+              <a:rPr lang="en-US" sz="2600" dirty="0" smtClean="0">
+                <a:latin typeface="Calibri" charset="0"/>
+                <a:ea typeface="ＭＳ Ｐゴシック" charset="0"/>
+              </a:rPr>
+              <a:t>6 </a:t>
+            </a:r>
+            <a:r>
+              <a:rPr lang="en-US" sz="2600" dirty="0">
+                <a:latin typeface="Calibri" charset="0"/>
+                <a:ea typeface="ＭＳ Ｐゴシック" charset="0"/>
+              </a:rPr>
+              <a:t>libraries in the test data set, </a:t>
+            </a:r>
+            <a:r>
+              <a:rPr lang="en-US" sz="2600" dirty="0" smtClean="0">
+                <a:latin typeface="Calibri" charset="0"/>
+                <a:ea typeface="ＭＳ Ｐゴシック" charset="0"/>
+              </a:rPr>
+              <a:t>6 </a:t>
+            </a:r>
+            <a:r>
+              <a:rPr lang="en-US" sz="2600" dirty="0">
+                <a:latin typeface="Calibri" charset="0"/>
+                <a:ea typeface="ＭＳ Ｐゴシック" charset="0"/>
+              </a:rPr>
+              <a:t>alignment commands are run</a:t>
             </a:r>
           </a:p>
           <a:p>
@@ -6058,7 +6107,7 @@
               </a:lnSpc>
             </a:pPr>
             <a:r>
-              <a:rPr lang="en-US" sz="2600">
+              <a:rPr lang="en-US" sz="2600" dirty="0">
                 <a:latin typeface="Calibri" charset="0"/>
                 <a:ea typeface="ＭＳ Ｐゴシック" charset="0"/>
               </a:rPr>
@@ -6072,7 +6121,7 @@
               </a:lnSpc>
             </a:pPr>
             <a:r>
-              <a:rPr lang="en-US" sz="2600">
+              <a:rPr lang="en-US" sz="2600" dirty="0">
                 <a:latin typeface="Calibri" charset="0"/>
                 <a:ea typeface="ＭＳ Ｐゴシック" charset="0"/>
               </a:rPr>
@@ -6086,14 +6135,14 @@
               </a:lnSpc>
             </a:pPr>
             <a:r>
-              <a:rPr lang="en-US" sz="2200">
+              <a:rPr lang="en-US" sz="2200" dirty="0">
                 <a:latin typeface="Calibri" charset="0"/>
                 <a:ea typeface="ＭＳ Ｐゴシック" charset="0"/>
                 <a:hlinkClick r:id="rId3"/>
               </a:rPr>
               <a:t>http://samtools.sourceforge.net/SAM1.pdf</a:t>
             </a:r>
-            <a:endParaRPr lang="en-US" sz="2200">
+            <a:endParaRPr lang="en-US" sz="2200" dirty="0">
               <a:latin typeface="Calibri" charset="0"/>
               <a:ea typeface="ＭＳ Ｐゴシック" charset="0"/>
             </a:endParaRPr>
@@ -6104,7 +6153,7 @@
                 <a:spcPct val="80000"/>
               </a:lnSpc>
             </a:pPr>
-            <a:endParaRPr lang="en-US" sz="2200">
+            <a:endParaRPr lang="en-US" sz="2200" dirty="0">
               <a:latin typeface="Calibri" charset="0"/>
               <a:ea typeface="ＭＳ Ｐゴシック" charset="0"/>
             </a:endParaRPr>
@@ -6175,15 +6224,7 @@
                 <a:ea typeface="ＭＳ Ｐゴシック" charset="0"/>
                 <a:cs typeface="ＭＳ Ｐゴシック" charset="0"/>
               </a:rPr>
-              <a:t>3-i</a:t>
-            </a:r>
-            <a:r>
-              <a:rPr lang="en-US" altLang="ko-KR" dirty="0" smtClean="0">
-                <a:latin typeface="Calibri" charset="0"/>
-                <a:ea typeface="ＭＳ Ｐゴシック" charset="0"/>
-                <a:cs typeface="ＭＳ Ｐゴシック" charset="0"/>
-              </a:rPr>
-              <a:t>. </a:t>
+              <a:t>3-i. </a:t>
             </a:r>
             <a:r>
               <a:rPr lang="en-US" altLang="ko-KR" dirty="0">
@@ -6222,11 +6263,25 @@
               </a:lnSpc>
             </a:pPr>
             <a:r>
-              <a:rPr lang="en-US" sz="2600">
-                <a:latin typeface="Calibri" charset="0"/>
-                <a:ea typeface="ＭＳ Ｐゴシック" charset="0"/>
-              </a:rPr>
-              <a:t>Again, align all reads in the 8 libraries of the test data, now with STAR</a:t>
+              <a:rPr lang="en-US" sz="2600" dirty="0">
+                <a:latin typeface="Calibri" charset="0"/>
+                <a:ea typeface="ＭＳ Ｐゴシック" charset="0"/>
+              </a:rPr>
+              <a:t>Again, align all reads in the </a:t>
+            </a:r>
+            <a:r>
+              <a:rPr lang="en-US" sz="2600" dirty="0" smtClean="0">
+                <a:latin typeface="Calibri" charset="0"/>
+                <a:ea typeface="ＭＳ Ｐゴシック" charset="0"/>
+              </a:rPr>
+              <a:t>6 </a:t>
+            </a:r>
+            <a:r>
+              <a:rPr lang="en-US" sz="2600" dirty="0">
+                <a:latin typeface="Calibri" charset="0"/>
+                <a:ea typeface="ＭＳ Ｐゴシック" charset="0"/>
+              </a:rPr>
+              <a:t>libraries of the test data, now with STAR</a:t>
             </a:r>
           </a:p>
           <a:p>
@@ -6236,7 +6291,7 @@
               </a:lnSpc>
             </a:pPr>
             <a:r>
-              <a:rPr lang="en-US" sz="2200">
+              <a:rPr lang="en-US" sz="2200" dirty="0">
                 <a:latin typeface="Calibri" charset="0"/>
                 <a:ea typeface="ＭＳ Ｐゴシック" charset="0"/>
               </a:rPr>
@@ -6250,7 +6305,7 @@
               </a:lnSpc>
             </a:pPr>
             <a:r>
-              <a:rPr lang="en-US" sz="2200">
+              <a:rPr lang="en-US" sz="2200" dirty="0">
                 <a:latin typeface="Calibri" charset="0"/>
                 <a:ea typeface="ＭＳ Ｐゴシック" charset="0"/>
               </a:rPr>
@@ -6264,35 +6319,56 @@
               </a:lnSpc>
             </a:pPr>
             <a:r>
-              <a:rPr lang="en-US" sz="2200">
+              <a:rPr lang="en-US" sz="2200" dirty="0">
                 <a:latin typeface="Calibri" charset="0"/>
                 <a:ea typeface="ＭＳ Ｐゴシック" charset="0"/>
               </a:rPr>
               <a:t>The </a:t>
             </a:r>
             <a:r>
-              <a:rPr lang="ja-JP" altLang="en-US" sz="2200">
+              <a:rPr lang="ja-JP" altLang="en-US" sz="2200" dirty="0">
                 <a:latin typeface="Calibri" charset="0"/>
                 <a:ea typeface="ＭＳ Ｐゴシック" charset="0"/>
               </a:rPr>
               <a:t>‘</a:t>
             </a:r>
             <a:r>
-              <a:rPr lang="en-US" altLang="ja-JP" sz="2200">
-                <a:latin typeface="Calibri" charset="0"/>
-                <a:ea typeface="ＭＳ Ｐゴシック" charset="0"/>
-              </a:rPr>
-              <a:t>-outSAMstrandField intronMotif</a:t>
-            </a:r>
-            <a:r>
-              <a:rPr lang="ja-JP" altLang="en-US" sz="2200">
+              <a:rPr lang="en-US" altLang="ja-JP" sz="2200" dirty="0">
+                <a:latin typeface="Calibri" charset="0"/>
+                <a:ea typeface="ＭＳ Ｐゴシック" charset="0"/>
+              </a:rPr>
+              <a:t>-</a:t>
+            </a:r>
+            <a:r>
+              <a:rPr lang="en-US" altLang="ja-JP" sz="2200" dirty="0" err="1">
+                <a:latin typeface="Calibri" charset="0"/>
+                <a:ea typeface="ＭＳ Ｐゴシック" charset="0"/>
+              </a:rPr>
+              <a:t>outSAMstrandField</a:t>
+            </a:r>
+            <a:r>
+              <a:rPr lang="en-US" altLang="ja-JP" sz="2200" dirty="0">
+                <a:latin typeface="Calibri" charset="0"/>
+                <a:ea typeface="ＭＳ Ｐゴシック" charset="0"/>
+              </a:rPr>
+              <a:t> </a:t>
+            </a:r>
+            <a:r>
+              <a:rPr lang="en-US" altLang="ja-JP" sz="2200" dirty="0" err="1">
+                <a:latin typeface="Calibri" charset="0"/>
+                <a:ea typeface="ＭＳ Ｐゴシック" charset="0"/>
+              </a:rPr>
+              <a:t>intronMotif</a:t>
+            </a:r>
+            <a:r>
+              <a:rPr lang="ja-JP" altLang="en-US" sz="2200" dirty="0">
                 <a:latin typeface="Calibri" charset="0"/>
                 <a:ea typeface="ＭＳ Ｐゴシック" charset="0"/>
               </a:rPr>
               <a:t>’</a:t>
             </a:r>
             <a:r>
-              <a:rPr lang="en-US" altLang="ja-JP" sz="2200">
+              <a:rPr lang="en-US" altLang="ja-JP" sz="2200" dirty="0">
                 <a:latin typeface="Calibri" charset="0"/>
                 <a:ea typeface="ＭＳ Ｐゴシック" charset="0"/>
               </a:rPr>
@@ -6306,11 +6382,25 @@
               </a:lnSpc>
             </a:pPr>
             <a:r>
-              <a:rPr lang="en-US" sz="2600">
-                <a:latin typeface="Calibri" charset="0"/>
-                <a:ea typeface="ＭＳ Ｐゴシック" charset="0"/>
-              </a:rPr>
-              <a:t>How long did the alignment take compared to tophat?</a:t>
+              <a:rPr lang="en-US" sz="2600" dirty="0">
+                <a:latin typeface="Calibri" charset="0"/>
+                <a:ea typeface="ＭＳ Ｐゴシック" charset="0"/>
+              </a:rPr>
+              <a:t>How long did the alignment take compared to </a:t>
+            </a:r>
+            <a:r>
+              <a:rPr lang="en-US" sz="2600" dirty="0" err="1">
+                <a:latin typeface="Calibri" charset="0"/>
+                <a:ea typeface="ＭＳ Ｐゴシック" charset="0"/>
+              </a:rPr>
+              <a:t>tophat</a:t>
+            </a:r>
+            <a:r>
+              <a:rPr lang="en-US" sz="2600" dirty="0">
+                <a:latin typeface="Calibri" charset="0"/>
+                <a:ea typeface="ＭＳ Ｐゴシック" charset="0"/>
+              </a:rPr>
+              <a:t>?</a:t>
             </a:r>
           </a:p>
           <a:p>
@@ -6320,13 +6410,13 @@
               </a:lnSpc>
             </a:pPr>
             <a:r>
-              <a:rPr lang="en-US" sz="2600">
+              <a:rPr lang="en-US" sz="2600" dirty="0">
                 <a:latin typeface="Calibri" charset="0"/>
                 <a:ea typeface="ＭＳ Ｐゴシック" charset="0"/>
               </a:rPr>
               <a:t>What additional steps are needed?</a:t>
             </a:r>
-            <a:endParaRPr lang="en-US" sz="2200">
+            <a:endParaRPr lang="en-US" sz="2200" dirty="0">
               <a:latin typeface="Calibri" charset="0"/>
               <a:ea typeface="ＭＳ Ｐゴシック" charset="0"/>
             </a:endParaRPr>
@@ -6337,7 +6427,7 @@
                 <a:spcPct val="80000"/>
               </a:lnSpc>
             </a:pPr>
-            <a:endParaRPr lang="en-US" sz="2200">
+            <a:endParaRPr lang="en-US" sz="2200" dirty="0">
               <a:latin typeface="Calibri" charset="0"/>
               <a:ea typeface="ＭＳ Ｐゴシック" charset="0"/>
             </a:endParaRPr>
@@ -6408,15 +6498,7 @@
                 <a:ea typeface="ＭＳ Ｐゴシック" charset="0"/>
                 <a:cs typeface="ＭＳ Ｐゴシック" charset="0"/>
               </a:rPr>
-              <a:t>3-ii</a:t>
-            </a:r>
-            <a:r>
-              <a:rPr lang="en-US" altLang="ko-KR" dirty="0" smtClean="0">
-                <a:latin typeface="Calibri" charset="0"/>
-                <a:ea typeface="ＭＳ Ｐゴシック" charset="0"/>
-                <a:cs typeface="ＭＳ Ｐゴシック" charset="0"/>
-              </a:rPr>
-              <a:t>. </a:t>
+              <a:t>3-ii. </a:t>
             </a:r>
             <a:r>
               <a:rPr lang="en-US" altLang="ko-KR" dirty="0">
@@ -6677,15 +6759,7 @@
                 <a:ea typeface="ＭＳ Ｐゴシック" charset="0"/>
                 <a:cs typeface="ＭＳ Ｐゴシック" charset="0"/>
               </a:rPr>
-              <a:t>3-ii</a:t>
-            </a:r>
-            <a:r>
-              <a:rPr lang="en-US" altLang="ko-KR" dirty="0" smtClean="0">
-                <a:latin typeface="Calibri" charset="0"/>
-                <a:ea typeface="ＭＳ Ｐゴシック" charset="0"/>
-                <a:cs typeface="ＭＳ Ｐゴシック" charset="0"/>
-              </a:rPr>
-              <a:t>. </a:t>
+              <a:t>3-ii. </a:t>
             </a:r>
             <a:r>
               <a:rPr lang="en-US" altLang="ko-KR" dirty="0">
@@ -6805,15 +6879,7 @@
                 <a:ea typeface="ＭＳ Ｐゴシック" charset="0"/>
                 <a:cs typeface="ＭＳ Ｐゴシック" charset="0"/>
               </a:rPr>
-              <a:t>3-iii</a:t>
-            </a:r>
-            <a:r>
-              <a:rPr lang="en-US" altLang="ko-KR" dirty="0" smtClean="0">
-                <a:latin typeface="Calibri" charset="0"/>
-                <a:ea typeface="ＭＳ Ｐゴシック" charset="0"/>
-                <a:cs typeface="ＭＳ Ｐゴシック" charset="0"/>
-              </a:rPr>
-              <a:t>. </a:t>
+              <a:t>3-iii. </a:t>
             </a:r>
             <a:r>
               <a:rPr lang="en-US" altLang="ko-KR" dirty="0">
@@ -6980,15 +7046,7 @@
                 <a:ea typeface="ＭＳ Ｐゴシック" charset="0"/>
                 <a:cs typeface="ＭＳ Ｐゴシック" charset="0"/>
               </a:rPr>
-              <a:t>3-iii</a:t>
-            </a:r>
-            <a:r>
-              <a:rPr lang="en-US" altLang="ko-KR" dirty="0" smtClean="0">
-                <a:latin typeface="Calibri" charset="0"/>
-                <a:ea typeface="ＭＳ Ｐゴシック" charset="0"/>
-                <a:cs typeface="ＭＳ Ｐゴシック" charset="0"/>
-              </a:rPr>
-              <a:t>. </a:t>
+              <a:t>3-iii. </a:t>
             </a:r>
             <a:r>
               <a:rPr lang="en-US" altLang="ko-KR" dirty="0">
